--- a/��ѵ/��Ŀ�����淶��ѵ.pptx
+++ b/��ѵ/��Ŀ�����淶��ѵ.pptx
@@ -5,7 +5,7 @@
     <p:sldMasterId id="2147483660" r:id="rId1"/>
   </p:sldMasterIdLst>
   <p:notesMasterIdLst>
-    <p:notesMasterId r:id="rId34"/>
+    <p:notesMasterId r:id="rId44"/>
   </p:notesMasterIdLst>
   <p:sldIdLst>
     <p:sldId id="256" r:id="rId2"/>
@@ -39,7 +39,17 @@
     <p:sldId id="278" r:id="rId30"/>
     <p:sldId id="279" r:id="rId31"/>
     <p:sldId id="281" r:id="rId32"/>
-    <p:sldId id="280" r:id="rId33"/>
+    <p:sldId id="290" r:id="rId33"/>
+    <p:sldId id="291" r:id="rId34"/>
+    <p:sldId id="293" r:id="rId35"/>
+    <p:sldId id="294" r:id="rId36"/>
+    <p:sldId id="295" r:id="rId37"/>
+    <p:sldId id="296" r:id="rId38"/>
+    <p:sldId id="297" r:id="rId39"/>
+    <p:sldId id="298" r:id="rId40"/>
+    <p:sldId id="292" r:id="rId41"/>
+    <p:sldId id="299" r:id="rId42"/>
+    <p:sldId id="280" r:id="rId43"/>
   </p:sldIdLst>
   <p:sldSz cx="9144000" cy="6858000" type="screen4x3"/>
   <p:notesSz cx="6858000" cy="9144000"/>
@@ -18682,7 +18692,12 @@
             <p:ph type="body" orient="vert" idx="1"/>
           </p:nvPr>
         </p:nvSpPr>
-        <p:spPr/>
+        <p:spPr>
+          <a:xfrm>
+            <a:off x="457200" y="1196752"/>
+            <a:ext cx="8229600" cy="4929411"/>
+          </a:xfrm>
+        </p:spPr>
         <p:txBody>
           <a:bodyPr vert="eaVert"/>
           <a:lstStyle>
@@ -19163,7 +19178,12 @@
             <p:ph idx="1"/>
           </p:nvPr>
         </p:nvSpPr>
-        <p:spPr/>
+        <p:spPr>
+          <a:xfrm>
+            <a:off x="457200" y="1196752"/>
+            <a:ext cx="8229600" cy="4929411"/>
+          </a:xfrm>
+        </p:spPr>
         <p:txBody>
           <a:bodyPr vert="horz" lIns="91440" tIns="45720" rIns="91440" bIns="45720" rtlCol="0">
             <a:normAutofit/>
@@ -19733,8 +19753,8 @@
         </p:nvSpPr>
         <p:spPr>
           <a:xfrm>
-            <a:off x="457200" y="1600200"/>
-            <a:ext cx="4038600" cy="4525963"/>
+            <a:off x="457200" y="1196752"/>
+            <a:ext cx="4038600" cy="4929411"/>
           </a:xfrm>
         </p:spPr>
         <p:txBody>
@@ -19853,8 +19873,8 @@
         </p:nvSpPr>
         <p:spPr>
           <a:xfrm>
-            <a:off x="4648200" y="1600200"/>
-            <a:ext cx="4038600" cy="4525963"/>
+            <a:off x="4648200" y="1196752"/>
+            <a:ext cx="4038600" cy="4929411"/>
           </a:xfrm>
         </p:spPr>
         <p:txBody>
@@ -20102,7 +20122,7 @@
         </p:nvSpPr>
         <p:spPr>
           <a:xfrm>
-            <a:off x="457200" y="1535113"/>
+            <a:off x="456183" y="1196752"/>
             <a:ext cx="4040188" cy="639762"/>
           </a:xfrm>
         </p:spPr>
@@ -20174,8 +20194,8 @@
         </p:nvSpPr>
         <p:spPr>
           <a:xfrm>
-            <a:off x="457200" y="2174875"/>
-            <a:ext cx="4040188" cy="3951288"/>
+            <a:off x="457200" y="1844824"/>
+            <a:ext cx="4040188" cy="4281339"/>
           </a:xfrm>
         </p:spPr>
         <p:txBody>
@@ -20309,7 +20329,7 @@
         </p:nvSpPr>
         <p:spPr>
           <a:xfrm>
-            <a:off x="4645025" y="1535113"/>
+            <a:off x="4644008" y="1196752"/>
             <a:ext cx="4041775" cy="639762"/>
           </a:xfrm>
         </p:spPr>
@@ -20381,8 +20401,8 @@
         </p:nvSpPr>
         <p:spPr>
           <a:xfrm>
-            <a:off x="4645025" y="2174875"/>
-            <a:ext cx="4041775" cy="3951288"/>
+            <a:off x="4645025" y="1844824"/>
+            <a:ext cx="4041775" cy="4281339"/>
           </a:xfrm>
         </p:spPr>
         <p:txBody>
@@ -26827,7 +26847,7 @@
         <p:spPr/>
         <p:txBody>
           <a:bodyPr>
-            <a:normAutofit fontScale="77500" lnSpcReduction="20000"/>
+            <a:normAutofit fontScale="85000" lnSpcReduction="10000"/>
           </a:bodyPr>
           <a:lstStyle/>
           <a:p>
@@ -28653,7 +28673,7 @@
         <p:spPr/>
         <p:txBody>
           <a:bodyPr>
-            <a:normAutofit fontScale="85000" lnSpcReduction="10000"/>
+            <a:normAutofit fontScale="92500" lnSpcReduction="20000"/>
           </a:bodyPr>
           <a:lstStyle/>
           <a:p>
@@ -29311,7 +29331,7 @@
         <p:spPr/>
         <p:txBody>
           <a:bodyPr>
-            <a:normAutofit fontScale="85000" lnSpcReduction="20000"/>
+            <a:normAutofit fontScale="55000" lnSpcReduction="20000"/>
           </a:bodyPr>
           <a:lstStyle/>
           <a:p>
@@ -29330,44 +29350,56 @@
             <a:endParaRPr lang="en-US" altLang="zh-CN" dirty="0" smtClean="0"/>
           </a:p>
           <a:p>
+            <a:pPr lvl="1"/>
+            <a:r>
+              <a:rPr lang="zh-CN" altLang="en-US" dirty="0"/>
+              <a:t>项目管理</a:t>
+            </a:r>
             <a:r>
               <a:rPr lang="zh-CN" altLang="en-US" dirty="0" smtClean="0"/>
-              <a:t>项目管理基础环境介绍</a:t>
-            </a:r>
-            <a:r>
-              <a:rPr lang="en-US" altLang="zh-CN" dirty="0" smtClean="0"/>
-              <a:t>(</a:t>
-            </a:r>
-            <a:r>
-              <a:rPr lang="en-US" altLang="zh-CN" dirty="0" err="1" smtClean="0"/>
-              <a:t>RedMine</a:t>
+              <a:t>、软</a:t>
+            </a:r>
+            <a:r>
+              <a:rPr lang="zh-CN" altLang="en-US" dirty="0"/>
+              <a:t>件过</a:t>
             </a:r>
             <a:r>
               <a:rPr lang="zh-CN" altLang="en-US" dirty="0" smtClean="0"/>
-              <a:t>和</a:t>
-            </a:r>
-            <a:r>
-              <a:rPr lang="en-US" altLang="zh-CN" dirty="0" err="1" smtClean="0"/>
-              <a:t>Git</a:t>
-            </a:r>
-            <a:r>
-              <a:rPr lang="en-US" altLang="zh-CN" dirty="0" smtClean="0"/>
-              <a:t>)</a:t>
+              <a:t>程、最佳实践等</a:t>
             </a:r>
             <a:endParaRPr lang="en-US" altLang="zh-CN" dirty="0" smtClean="0"/>
           </a:p>
           <a:p>
             <a:r>
               <a:rPr lang="zh-CN" altLang="en-US" dirty="0" smtClean="0"/>
-              <a:t>技</a:t>
-            </a:r>
-            <a:r>
-              <a:rPr lang="zh-CN" altLang="en-US" dirty="0"/>
-              <a:t>术培</a:t>
+              <a:t>项目管理基础环境介</a:t>
             </a:r>
             <a:r>
               <a:rPr lang="zh-CN" altLang="en-US" dirty="0" smtClean="0"/>
-              <a:t>训</a:t>
+              <a:t>绍</a:t>
+            </a:r>
+            <a:endParaRPr lang="en-US" altLang="zh-CN" dirty="0" smtClean="0"/>
+          </a:p>
+          <a:p>
+            <a:pPr lvl="1"/>
+            <a:r>
+              <a:rPr lang="en-US" altLang="zh-CN" dirty="0" err="1" smtClean="0"/>
+              <a:t>Redmine</a:t>
+            </a:r>
+            <a:r>
+              <a:rPr lang="zh-CN" altLang="en-US" dirty="0" smtClean="0"/>
+              <a:t>、</a:t>
+            </a:r>
+            <a:r>
+              <a:rPr lang="en-US" altLang="zh-CN" dirty="0" err="1" smtClean="0"/>
+              <a:t>git</a:t>
+            </a:r>
+            <a:endParaRPr lang="en-US" altLang="zh-CN" dirty="0" smtClean="0"/>
+          </a:p>
+          <a:p>
+            <a:r>
+              <a:rPr lang="zh-CN" altLang="en-US" dirty="0" smtClean="0"/>
+              <a:t>技术培训</a:t>
             </a:r>
             <a:endParaRPr lang="en-US" altLang="zh-CN" dirty="0" smtClean="0"/>
           </a:p>
@@ -29382,12 +29414,160 @@
               <a:t>、</a:t>
             </a:r>
             <a:r>
+              <a:rPr lang="en-US" altLang="zh-CN" dirty="0"/>
+              <a:t> </a:t>
+            </a:r>
+            <a:r>
+              <a:rPr lang="en-US" altLang="zh-CN" dirty="0" err="1"/>
+              <a:t>jQuery</a:t>
+            </a:r>
+            <a:r>
+              <a:rPr lang="zh-CN" altLang="en-US" dirty="0"/>
+              <a:t>、</a:t>
+            </a:r>
+            <a:r>
+              <a:rPr lang="en-US" altLang="zh-CN" dirty="0" err="1"/>
+              <a:t>xhtml</a:t>
+            </a:r>
+            <a:r>
+              <a:rPr lang="en-US" altLang="zh-CN" dirty="0"/>
+              <a:t>/</a:t>
+            </a:r>
+            <a:r>
+              <a:rPr lang="en-US" altLang="zh-CN" dirty="0" err="1"/>
+              <a:t>css</a:t>
+            </a:r>
+            <a:r>
+              <a:rPr lang="en-US" altLang="zh-CN" dirty="0"/>
+              <a:t> </a:t>
+            </a:r>
+            <a:r>
+              <a:rPr lang="zh-CN" altLang="en-US" dirty="0"/>
+              <a:t>、</a:t>
+            </a:r>
+            <a:r>
+              <a:rPr lang="en-US" altLang="zh-CN" dirty="0"/>
+              <a:t>spring/struts</a:t>
+            </a:r>
+            <a:r>
+              <a:rPr lang="zh-CN" altLang="en-US" dirty="0"/>
+              <a:t>、泛型编</a:t>
+            </a:r>
+            <a:r>
+              <a:rPr lang="zh-CN" altLang="en-US" dirty="0" smtClean="0"/>
+              <a:t>程、</a:t>
+            </a:r>
+            <a:r>
+              <a:rPr lang="en-US" altLang="zh-CN" dirty="0" smtClean="0"/>
+              <a:t>UML</a:t>
+            </a:r>
+            <a:r>
+              <a:rPr lang="zh-CN" altLang="en-US" dirty="0"/>
+              <a:t>、融合面向数据分析的</a:t>
+            </a:r>
+            <a:r>
+              <a:rPr lang="en-US" altLang="zh-CN" dirty="0"/>
+              <a:t>ICONIX</a:t>
+            </a:r>
+            <a:r>
+              <a:rPr lang="zh-CN" altLang="en-US" dirty="0"/>
+              <a:t>扩展版、数据规范化与数据库设</a:t>
+            </a:r>
+            <a:r>
+              <a:rPr lang="zh-CN" altLang="en-US" dirty="0" smtClean="0"/>
+              <a:t>计、自动化单元测试、 </a:t>
+            </a:r>
+            <a:r>
               <a:rPr lang="en-US" altLang="zh-CN" dirty="0" err="1" smtClean="0"/>
               <a:t>Kooboo</a:t>
             </a:r>
             <a:r>
               <a:rPr lang="zh-CN" altLang="en-US" dirty="0" smtClean="0"/>
-              <a:t>、模式等</a:t>
+              <a:t>、交互式设计、设计模式、架构模式、</a:t>
+            </a:r>
+            <a:r>
+              <a:rPr lang="en-US" altLang="zh-CN" dirty="0" err="1" smtClean="0"/>
+              <a:t>Linq</a:t>
+            </a:r>
+            <a:r>
+              <a:rPr lang="en-US" altLang="zh-CN" dirty="0" smtClean="0"/>
+              <a:t>/</a:t>
+            </a:r>
+            <a:r>
+              <a:rPr lang="en-US" altLang="zh-CN" dirty="0" err="1" smtClean="0"/>
+              <a:t>Lamda</a:t>
+            </a:r>
+            <a:r>
+              <a:rPr lang="zh-CN" altLang="en-US" dirty="0" smtClean="0"/>
+              <a:t>、网络编程模式与实践、网络基础</a:t>
+            </a:r>
+            <a:r>
+              <a:rPr lang="zh-CN" altLang="en-US" dirty="0" smtClean="0"/>
+              <a:t>等</a:t>
+            </a:r>
+            <a:endParaRPr lang="en-US" altLang="zh-CN" dirty="0" smtClean="0"/>
+          </a:p>
+          <a:p>
+            <a:pPr lvl="2"/>
+            <a:r>
+              <a:rPr lang="en-US" altLang="zh-CN" dirty="0" smtClean="0"/>
+              <a:t>SOA</a:t>
+            </a:r>
+            <a:r>
+              <a:rPr lang="zh-CN" altLang="en-US" dirty="0" smtClean="0"/>
+              <a:t>、</a:t>
+            </a:r>
+            <a:r>
+              <a:rPr lang="en-US" altLang="zh-CN" dirty="0" smtClean="0"/>
+              <a:t>AOP</a:t>
+            </a:r>
+            <a:r>
+              <a:rPr lang="zh-CN" altLang="en-US" dirty="0" smtClean="0"/>
+              <a:t>、</a:t>
+            </a:r>
+            <a:r>
+              <a:rPr lang="en-US" altLang="zh-CN" dirty="0" err="1" smtClean="0"/>
+              <a:t>Saas</a:t>
+            </a:r>
+            <a:r>
+              <a:rPr lang="zh-CN" altLang="en-US" dirty="0" smtClean="0"/>
+              <a:t>、云、</a:t>
+            </a:r>
+            <a:r>
+              <a:rPr lang="en-US" altLang="zh-CN" dirty="0" err="1" smtClean="0"/>
+              <a:t>Ioc</a:t>
+            </a:r>
+            <a:r>
+              <a:rPr lang="zh-CN" altLang="en-US" dirty="0" smtClean="0"/>
+              <a:t>等前沿技术及</a:t>
+            </a:r>
+            <a:r>
+              <a:rPr lang="en-US" altLang="zh-CN" dirty="0" smtClean="0"/>
+              <a:t>Scrum</a:t>
+            </a:r>
+            <a:r>
+              <a:rPr lang="zh-CN" altLang="en-US" dirty="0" smtClean="0"/>
+              <a:t>、</a:t>
+            </a:r>
+            <a:r>
+              <a:rPr lang="en-US" altLang="zh-CN" dirty="0" err="1" smtClean="0"/>
+              <a:t>Xp</a:t>
+            </a:r>
+            <a:r>
+              <a:rPr lang="zh-CN" altLang="en-US" dirty="0" smtClean="0"/>
+              <a:t>、</a:t>
+            </a:r>
+            <a:r>
+              <a:rPr lang="en-US" altLang="zh-CN" dirty="0" err="1" smtClean="0"/>
+              <a:t>Cmm</a:t>
+            </a:r>
+            <a:r>
+              <a:rPr lang="en-US" altLang="zh-CN" dirty="0" smtClean="0"/>
+              <a:t>/</a:t>
+            </a:r>
+            <a:r>
+              <a:rPr lang="en-US" altLang="zh-CN" dirty="0" err="1" smtClean="0"/>
+              <a:t>Cmmi</a:t>
             </a:r>
             <a:endParaRPr lang="en-US" altLang="zh-CN" dirty="0" smtClean="0"/>
           </a:p>
@@ -29522,6 +29702,94 @@
                                           <p:spTgt spid="3">
                                             <p:txEl>
                                               <p:pRg st="0" end="0"/>
+                                            </p:txEl>
+                                          </p:spTgt>
+                                        </p:tgtEl>
+                                        <p:attrNameLst>
+                                          <p:attrName>fill.type</p:attrName>
+                                        </p:attrNameLst>
+                                      </p:cBhvr>
+                                      <p:to>
+                                        <p:strVal val="solid"/>
+                                      </p:to>
+                                    </p:set>
+                                  </p:childTnLst>
+                                </p:cTn>
+                              </p:par>
+                            </p:childTnLst>
+                          </p:cTn>
+                        </p:par>
+                      </p:childTnLst>
+                    </p:cTn>
+                  </p:par>
+                  <p:par>
+                    <p:cTn id="9" fill="hold">
+                      <p:stCondLst>
+                        <p:cond delay="indefinite"/>
+                      </p:stCondLst>
+                      <p:childTnLst>
+                        <p:par>
+                          <p:cTn id="10" fill="hold">
+                            <p:stCondLst>
+                              <p:cond delay="0"/>
+                            </p:stCondLst>
+                            <p:childTnLst>
+                              <p:par>
+                                <p:cTn id="11" presetID="16" presetClass="emph" presetSubtype="0" fill="hold" nodeType="clickEffect">
+                                  <p:stCondLst>
+                                    <p:cond delay="0"/>
+                                  </p:stCondLst>
+                                  <p:iterate type="lt">
+                                    <p:tmPct val="4000"/>
+                                  </p:iterate>
+                                  <p:childTnLst>
+                                    <p:set>
+                                      <p:cBhvr override="childStyle">
+                                        <p:cTn id="12" dur="500" fill="hold"/>
+                                        <p:tgtEl>
+                                          <p:spTgt spid="3">
+                                            <p:txEl>
+                                              <p:pRg st="1" end="1"/>
+                                            </p:txEl>
+                                          </p:spTgt>
+                                        </p:tgtEl>
+                                        <p:attrNameLst>
+                                          <p:attrName>style.color</p:attrName>
+                                        </p:attrNameLst>
+                                      </p:cBhvr>
+                                      <p:to>
+                                        <p:clrVal>
+                                          <a:schemeClr val="accent2"/>
+                                        </p:clrVal>
+                                      </p:to>
+                                    </p:set>
+                                    <p:set>
+                                      <p:cBhvr>
+                                        <p:cTn id="13" dur="500" fill="hold"/>
+                                        <p:tgtEl>
+                                          <p:spTgt spid="3">
+                                            <p:txEl>
+                                              <p:pRg st="1" end="1"/>
+                                            </p:txEl>
+                                          </p:spTgt>
+                                        </p:tgtEl>
+                                        <p:attrNameLst>
+                                          <p:attrName>fillcolor</p:attrName>
+                                        </p:attrNameLst>
+                                      </p:cBhvr>
+                                      <p:to>
+                                        <p:clrVal>
+                                          <a:schemeClr val="accent2"/>
+                                        </p:clrVal>
+                                      </p:to>
+                                    </p:set>
+                                    <p:set>
+                                      <p:cBhvr>
+                                        <p:cTn id="14" dur="500" fill="hold"/>
+                                        <p:tgtEl>
+                                          <p:spTgt spid="3">
+                                            <p:txEl>
+                                              <p:pRg st="1" end="1"/>
                                             </p:txEl>
                                           </p:spTgt>
                                         </p:tgtEl>
@@ -32731,6 +32999,7915 @@
         </p:nvSpPr>
         <p:spPr/>
         <p:txBody>
+          <a:bodyPr/>
+          <a:lstStyle/>
+          <a:p>
+            <a:r>
+              <a:rPr lang="zh-CN" altLang="en-US" dirty="0" smtClean="0"/>
+              <a:t>角色、里程碑对应</a:t>
+            </a:r>
+            <a:endParaRPr lang="zh-CN" altLang="en-US" dirty="0"/>
+          </a:p>
+        </p:txBody>
+      </p:sp>
+      <p:pic>
+        <p:nvPicPr>
+          <p:cNvPr id="4" name="Picture 2"/>
+          <p:cNvPicPr>
+            <a:picLocks noGrp="1" noChangeAspect="1" noChangeArrowheads="1"/>
+          </p:cNvPicPr>
+          <p:nvPr>
+            <p:ph idx="1"/>
+          </p:nvPr>
+        </p:nvPicPr>
+        <p:blipFill>
+          <a:blip r:embed="rId2">
+            <a:extLst>
+              <a:ext uri="{28A0092B-C50C-407E-A947-70E740481C1C}">
+                <a14:useLocalDpi xmlns:a14="http://schemas.microsoft.com/office/drawing/2010/main" val="0"/>
+              </a:ext>
+            </a:extLst>
+          </a:blip>
+          <a:srcRect/>
+          <a:stretch>
+            <a:fillRect/>
+          </a:stretch>
+        </p:blipFill>
+        <p:spPr bwMode="auto">
+          <a:xfrm>
+            <a:off x="539552" y="1268760"/>
+            <a:ext cx="8258966" cy="4320480"/>
+          </a:xfrm>
+          <a:prstGeom prst="rect">
+            <a:avLst/>
+          </a:prstGeom>
+          <a:noFill/>
+          <a:ln>
+            <a:noFill/>
+          </a:ln>
+          <a:effectLst/>
+          <a:extLst>
+            <a:ext uri="{909E8E84-426E-40DD-AFC4-6F175D3DCCD1}">
+              <a14:hiddenFill xmlns:a14="http://schemas.microsoft.com/office/drawing/2010/main">
+                <a:solidFill>
+                  <a:schemeClr val="accent1"/>
+                </a:solidFill>
+              </a14:hiddenFill>
+            </a:ext>
+            <a:ext uri="{91240B29-F687-4F45-9708-019B960494DF}">
+              <a14:hiddenLine xmlns:a14="http://schemas.microsoft.com/office/drawing/2010/main" w="9525">
+                <a:solidFill>
+                  <a:schemeClr val="tx1"/>
+                </a:solidFill>
+                <a:miter lim="800000"/>
+                <a:headEnd/>
+                <a:tailEnd/>
+              </a14:hiddenLine>
+            </a:ext>
+            <a:ext uri="{AF507438-7753-43E0-B8FC-AC1667EBCBE1}">
+              <a14:hiddenEffects xmlns:a14="http://schemas.microsoft.com/office/drawing/2010/main">
+                <a:effectLst>
+                  <a:outerShdw dist="35921" dir="2700000" algn="ctr" rotWithShape="0">
+                    <a:schemeClr val="bg2"/>
+                  </a:outerShdw>
+                </a:effectLst>
+              </a14:hiddenEffects>
+            </a:ext>
+          </a:extLst>
+        </p:spPr>
+      </p:pic>
+    </p:spTree>
+    <p:extLst>
+      <p:ext uri="{BB962C8B-B14F-4D97-AF65-F5344CB8AC3E}">
+        <p14:creationId xmlns:p14="http://schemas.microsoft.com/office/powerpoint/2010/main" val="1189078658"/>
+      </p:ext>
+    </p:extLst>
+  </p:cSld>
+  <p:clrMapOvr>
+    <a:masterClrMapping/>
+  </p:clrMapOvr>
+  <p:timing>
+    <p:tnLst>
+      <p:par>
+        <p:cTn id="1" dur="indefinite" restart="never" nodeType="tmRoot"/>
+      </p:par>
+    </p:tnLst>
+  </p:timing>
+</p:sld>
+</file>
+
+<file path=ppt/slides/slide33.xml><?xml version="1.0" encoding="utf-8"?>
+<p:sld xmlns:a="http://schemas.openxmlformats.org/drawingml/2006/main" xmlns:r="http://schemas.openxmlformats.org/officeDocument/2006/relationships" xmlns:p="http://schemas.openxmlformats.org/presentationml/2006/main">
+  <p:cSld>
+    <p:spTree>
+      <p:nvGrpSpPr>
+        <p:cNvPr id="1" name=""/>
+        <p:cNvGrpSpPr/>
+        <p:nvPr/>
+      </p:nvGrpSpPr>
+      <p:grpSpPr>
+        <a:xfrm>
+          <a:off x="0" y="0"/>
+          <a:ext cx="0" cy="0"/>
+          <a:chOff x="0" y="0"/>
+          <a:chExt cx="0" cy="0"/>
+        </a:xfrm>
+      </p:grpSpPr>
+      <p:sp>
+        <p:nvSpPr>
+          <p:cNvPr id="2" name="标题 1"/>
+          <p:cNvSpPr>
+            <a:spLocks noGrp="1"/>
+          </p:cNvSpPr>
+          <p:nvPr>
+            <p:ph type="title"/>
+          </p:nvPr>
+        </p:nvSpPr>
+        <p:spPr/>
+        <p:txBody>
+          <a:bodyPr/>
+          <a:lstStyle/>
+          <a:p>
+            <a:r>
+              <a:rPr lang="zh-CN" altLang="en-US" dirty="0"/>
+              <a:t>构想</a:t>
+            </a:r>
+            <a:r>
+              <a:rPr lang="en-US" altLang="zh-CN" dirty="0"/>
+              <a:t>(Envisioning)</a:t>
+            </a:r>
+            <a:endParaRPr lang="zh-CN" altLang="en-US" dirty="0"/>
+          </a:p>
+        </p:txBody>
+      </p:sp>
+      <p:sp>
+        <p:nvSpPr>
+          <p:cNvPr id="3" name="内容占位符 2"/>
+          <p:cNvSpPr>
+            <a:spLocks noGrp="1"/>
+          </p:cNvSpPr>
+          <p:nvPr>
+            <p:ph idx="1"/>
+          </p:nvPr>
+        </p:nvSpPr>
+        <p:spPr>
+          <a:xfrm>
+            <a:off x="457200" y="1268760"/>
+            <a:ext cx="4114800" cy="4857403"/>
+          </a:xfrm>
+        </p:spPr>
+        <p:txBody>
+          <a:bodyPr>
+            <a:normAutofit fontScale="92500"/>
+          </a:bodyPr>
+          <a:lstStyle/>
+          <a:p>
+            <a:r>
+              <a:rPr lang="zh-CN" altLang="en-US" dirty="0" smtClean="0"/>
+              <a:t>目标：</a:t>
+            </a:r>
+            <a:endParaRPr lang="en-US" altLang="zh-CN" dirty="0" smtClean="0"/>
+          </a:p>
+          <a:p>
+            <a:pPr lvl="1"/>
+            <a:r>
+              <a:rPr lang="zh-CN" altLang="en-US" dirty="0" smtClean="0"/>
+              <a:t>立项。建立项目愿景</a:t>
+            </a:r>
+            <a:endParaRPr lang="en-US" altLang="zh-CN" dirty="0" smtClean="0"/>
+          </a:p>
+          <a:p>
+            <a:r>
+              <a:rPr lang="zh-CN" altLang="en-US" dirty="0"/>
+              <a:t>可交付成果</a:t>
+            </a:r>
+            <a:r>
+              <a:rPr lang="zh-CN" altLang="en-US" dirty="0" smtClean="0"/>
+              <a:t>：</a:t>
+            </a:r>
+            <a:endParaRPr lang="en-US" altLang="zh-CN" dirty="0" smtClean="0"/>
+          </a:p>
+          <a:p>
+            <a:pPr lvl="1"/>
+            <a:r>
+              <a:rPr lang="zh-CN" altLang="en-US" dirty="0"/>
+              <a:t>项目章</a:t>
+            </a:r>
+            <a:r>
+              <a:rPr lang="zh-CN" altLang="en-US" dirty="0" smtClean="0"/>
+              <a:t>程</a:t>
+            </a:r>
+            <a:endParaRPr lang="en-US" altLang="zh-CN" dirty="0" smtClean="0"/>
+          </a:p>
+          <a:p>
+            <a:pPr lvl="1"/>
+            <a:r>
+              <a:rPr lang="zh-CN" altLang="en-US" dirty="0"/>
+              <a:t>干系人登记</a:t>
+            </a:r>
+            <a:r>
+              <a:rPr lang="zh-CN" altLang="en-US" dirty="0" smtClean="0"/>
+              <a:t>册</a:t>
+            </a:r>
+            <a:endParaRPr lang="en-US" altLang="zh-CN" dirty="0" smtClean="0"/>
+          </a:p>
+          <a:p>
+            <a:pPr lvl="1"/>
+            <a:r>
+              <a:rPr lang="zh-CN" altLang="en-US" dirty="0"/>
+              <a:t>风险登记册</a:t>
+            </a:r>
+          </a:p>
+        </p:txBody>
+      </p:sp>
+      <p:pic>
+        <p:nvPicPr>
+          <p:cNvPr id="2050" name="Picture 2"/>
+          <p:cNvPicPr>
+            <a:picLocks noChangeAspect="1" noChangeArrowheads="1"/>
+          </p:cNvPicPr>
+          <p:nvPr/>
+        </p:nvPicPr>
+        <p:blipFill>
+          <a:blip r:embed="rId2">
+            <a:extLst>
+              <a:ext uri="{28A0092B-C50C-407E-A947-70E740481C1C}">
+                <a14:useLocalDpi xmlns:a14="http://schemas.microsoft.com/office/drawing/2010/main" val="0"/>
+              </a:ext>
+            </a:extLst>
+          </a:blip>
+          <a:srcRect/>
+          <a:stretch>
+            <a:fillRect/>
+          </a:stretch>
+        </p:blipFill>
+        <p:spPr bwMode="auto">
+          <a:xfrm>
+            <a:off x="5004048" y="1484784"/>
+            <a:ext cx="3816424" cy="2392219"/>
+          </a:xfrm>
+          <a:prstGeom prst="rect">
+            <a:avLst/>
+          </a:prstGeom>
+          <a:noFill/>
+          <a:ln>
+            <a:noFill/>
+          </a:ln>
+          <a:effectLst/>
+          <a:extLst>
+            <a:ext uri="{909E8E84-426E-40DD-AFC4-6F175D3DCCD1}">
+              <a14:hiddenFill xmlns:a14="http://schemas.microsoft.com/office/drawing/2010/main">
+                <a:solidFill>
+                  <a:schemeClr val="accent1"/>
+                </a:solidFill>
+              </a14:hiddenFill>
+            </a:ext>
+            <a:ext uri="{91240B29-F687-4F45-9708-019B960494DF}">
+              <a14:hiddenLine xmlns:a14="http://schemas.microsoft.com/office/drawing/2010/main" w="9525">
+                <a:solidFill>
+                  <a:schemeClr val="tx1"/>
+                </a:solidFill>
+                <a:miter lim="800000"/>
+                <a:headEnd/>
+                <a:tailEnd/>
+              </a14:hiddenLine>
+            </a:ext>
+            <a:ext uri="{AF507438-7753-43E0-B8FC-AC1667EBCBE1}">
+              <a14:hiddenEffects xmlns:a14="http://schemas.microsoft.com/office/drawing/2010/main">
+                <a:effectLst>
+                  <a:outerShdw dist="35921" dir="2700000" algn="ctr" rotWithShape="0">
+                    <a:schemeClr val="bg2"/>
+                  </a:outerShdw>
+                </a:effectLst>
+              </a14:hiddenEffects>
+            </a:ext>
+          </a:extLst>
+        </p:spPr>
+      </p:pic>
+      <p:pic>
+        <p:nvPicPr>
+          <p:cNvPr id="2051" name="Picture 3"/>
+          <p:cNvPicPr>
+            <a:picLocks noChangeAspect="1" noChangeArrowheads="1"/>
+          </p:cNvPicPr>
+          <p:nvPr/>
+        </p:nvPicPr>
+        <p:blipFill>
+          <a:blip r:embed="rId3">
+            <a:extLst>
+              <a:ext uri="{28A0092B-C50C-407E-A947-70E740481C1C}">
+                <a14:useLocalDpi xmlns:a14="http://schemas.microsoft.com/office/drawing/2010/main" val="0"/>
+              </a:ext>
+            </a:extLst>
+          </a:blip>
+          <a:srcRect/>
+          <a:stretch>
+            <a:fillRect/>
+          </a:stretch>
+        </p:blipFill>
+        <p:spPr bwMode="auto">
+          <a:xfrm>
+            <a:off x="4640547" y="4293096"/>
+            <a:ext cx="4543425" cy="1943100"/>
+          </a:xfrm>
+          <a:prstGeom prst="rect">
+            <a:avLst/>
+          </a:prstGeom>
+          <a:noFill/>
+          <a:ln>
+            <a:noFill/>
+          </a:ln>
+          <a:effectLst/>
+          <a:extLst>
+            <a:ext uri="{909E8E84-426E-40DD-AFC4-6F175D3DCCD1}">
+              <a14:hiddenFill xmlns:a14="http://schemas.microsoft.com/office/drawing/2010/main">
+                <a:solidFill>
+                  <a:schemeClr val="accent1"/>
+                </a:solidFill>
+              </a14:hiddenFill>
+            </a:ext>
+            <a:ext uri="{91240B29-F687-4F45-9708-019B960494DF}">
+              <a14:hiddenLine xmlns:a14="http://schemas.microsoft.com/office/drawing/2010/main" w="9525">
+                <a:solidFill>
+                  <a:schemeClr val="tx1"/>
+                </a:solidFill>
+                <a:miter lim="800000"/>
+                <a:headEnd/>
+                <a:tailEnd/>
+              </a14:hiddenLine>
+            </a:ext>
+            <a:ext uri="{AF507438-7753-43E0-B8FC-AC1667EBCBE1}">
+              <a14:hiddenEffects xmlns:a14="http://schemas.microsoft.com/office/drawing/2010/main">
+                <a:effectLst>
+                  <a:outerShdw dist="35921" dir="2700000" algn="ctr" rotWithShape="0">
+                    <a:schemeClr val="bg2"/>
+                  </a:outerShdw>
+                </a:effectLst>
+              </a14:hiddenEffects>
+            </a:ext>
+          </a:extLst>
+        </p:spPr>
+      </p:pic>
+    </p:spTree>
+    <p:extLst>
+      <p:ext uri="{BB962C8B-B14F-4D97-AF65-F5344CB8AC3E}">
+        <p14:creationId xmlns:p14="http://schemas.microsoft.com/office/powerpoint/2010/main" val="4091330998"/>
+      </p:ext>
+    </p:extLst>
+  </p:cSld>
+  <p:clrMapOvr>
+    <a:masterClrMapping/>
+  </p:clrMapOvr>
+  <p:timing>
+    <p:tnLst>
+      <p:par>
+        <p:cTn id="1" dur="indefinite" restart="never" nodeType="tmRoot"/>
+      </p:par>
+    </p:tnLst>
+  </p:timing>
+</p:sld>
+</file>
+
+<file path=ppt/slides/slide34.xml><?xml version="1.0" encoding="utf-8"?>
+<p:sld xmlns:a="http://schemas.openxmlformats.org/drawingml/2006/main" xmlns:r="http://schemas.openxmlformats.org/officeDocument/2006/relationships" xmlns:p="http://schemas.openxmlformats.org/presentationml/2006/main">
+  <p:cSld>
+    <p:spTree>
+      <p:nvGrpSpPr>
+        <p:cNvPr id="1" name=""/>
+        <p:cNvGrpSpPr/>
+        <p:nvPr/>
+      </p:nvGrpSpPr>
+      <p:grpSpPr>
+        <a:xfrm>
+          <a:off x="0" y="0"/>
+          <a:ext cx="0" cy="0"/>
+          <a:chOff x="0" y="0"/>
+          <a:chExt cx="0" cy="0"/>
+        </a:xfrm>
+      </p:grpSpPr>
+      <p:sp>
+        <p:nvSpPr>
+          <p:cNvPr id="36866" name="标题 1"/>
+          <p:cNvSpPr>
+            <a:spLocks noGrp="1"/>
+          </p:cNvSpPr>
+          <p:nvPr>
+            <p:ph type="title"/>
+          </p:nvPr>
+        </p:nvSpPr>
+        <p:spPr/>
+        <p:txBody>
+          <a:bodyPr/>
+          <a:lstStyle/>
+          <a:p>
+            <a:r>
+              <a:rPr lang="zh-CN" altLang="en-US" dirty="0" smtClean="0"/>
+              <a:t>准备知识</a:t>
+            </a:r>
+            <a:r>
+              <a:rPr lang="en-US" altLang="zh-CN" dirty="0" smtClean="0"/>
+              <a:t>——</a:t>
+            </a:r>
+            <a:r>
+              <a:rPr lang="zh-CN" altLang="en-US" dirty="0" smtClean="0"/>
+              <a:t>项目愿景</a:t>
+            </a:r>
+          </a:p>
+        </p:txBody>
+      </p:sp>
+      <p:sp>
+        <p:nvSpPr>
+          <p:cNvPr id="36867" name="内容占位符 2"/>
+          <p:cNvSpPr>
+            <a:spLocks noGrp="1"/>
+          </p:cNvSpPr>
+          <p:nvPr>
+            <p:ph idx="1"/>
+          </p:nvPr>
+        </p:nvSpPr>
+        <p:spPr>
+          <a:xfrm>
+            <a:off x="457200" y="1196752"/>
+            <a:ext cx="8229600" cy="4929411"/>
+          </a:xfrm>
+        </p:spPr>
+        <p:txBody>
+          <a:bodyPr>
+            <a:normAutofit/>
+          </a:bodyPr>
+          <a:lstStyle/>
+          <a:p>
+            <a:r>
+              <a:rPr lang="zh-CN" altLang="en-US" b="1" dirty="0" smtClean="0">
+                <a:solidFill>
+                  <a:srgbClr val="FF0000"/>
+                </a:solidFill>
+              </a:rPr>
+              <a:t>什么是愿景？</a:t>
+            </a:r>
+            <a:endParaRPr lang="en-US" altLang="zh-CN" b="1" dirty="0" smtClean="0">
+              <a:solidFill>
+                <a:srgbClr val="FF0000"/>
+              </a:solidFill>
+            </a:endParaRPr>
+          </a:p>
+          <a:p>
+            <a:pPr lvl="1"/>
+            <a:r>
+              <a:rPr lang="zh-CN" altLang="en-US" dirty="0" smtClean="0"/>
+              <a:t>愿景</a:t>
+            </a:r>
+            <a:r>
+              <a:rPr lang="en-US" altLang="zh-CN" dirty="0" smtClean="0"/>
+              <a:t>[Vision]</a:t>
+            </a:r>
+            <a:r>
+              <a:rPr lang="zh-CN" altLang="en-US" dirty="0" smtClean="0"/>
+              <a:t>：</a:t>
+            </a:r>
+            <a:r>
+              <a:rPr lang="zh-CN" altLang="en-US" dirty="0" smtClean="0">
+                <a:solidFill>
+                  <a:srgbClr val="FF0000"/>
+                </a:solidFill>
+              </a:rPr>
+              <a:t>所向往的前景</a:t>
+            </a:r>
+            <a:r>
+              <a:rPr lang="zh-CN" altLang="en-US" dirty="0" smtClean="0"/>
+              <a:t>。</a:t>
+            </a:r>
+            <a:r>
+              <a:rPr lang="en-US" altLang="zh-CN" dirty="0" smtClean="0"/>
+              <a:t/>
+            </a:r>
+            <a:br>
+              <a:rPr lang="en-US" altLang="zh-CN" dirty="0" smtClean="0"/>
+            </a:br>
+            <a:r>
+              <a:rPr lang="en-US" altLang="zh-CN" dirty="0" smtClean="0"/>
+              <a:t>			</a:t>
+            </a:r>
+            <a:r>
+              <a:rPr lang="en-US" altLang="zh-CN" sz="1600" dirty="0" smtClean="0"/>
+              <a:t>--</a:t>
+            </a:r>
+            <a:r>
+              <a:rPr lang="zh-CN" altLang="en-US" sz="1600" dirty="0" smtClean="0"/>
+              <a:t>摘自：</a:t>
+            </a:r>
+            <a:r>
+              <a:rPr lang="en-US" altLang="zh-CN" sz="1600" dirty="0" smtClean="0"/>
+              <a:t>《</a:t>
+            </a:r>
+            <a:r>
+              <a:rPr lang="zh-CN" altLang="en-US" sz="1600" dirty="0" smtClean="0"/>
+              <a:t>现代汉语大词典</a:t>
+            </a:r>
+            <a:r>
+              <a:rPr lang="en-US" altLang="zh-CN" sz="1600" dirty="0" smtClean="0"/>
+              <a:t>》</a:t>
+            </a:r>
+            <a:r>
+              <a:rPr lang="zh-CN" altLang="en-US" sz="1600" dirty="0" smtClean="0"/>
+              <a:t>（第</a:t>
+            </a:r>
+            <a:r>
+              <a:rPr lang="en-US" altLang="zh-CN" sz="1600" dirty="0" smtClean="0"/>
+              <a:t>5</a:t>
+            </a:r>
+            <a:r>
+              <a:rPr lang="zh-CN" altLang="en-US" sz="1600" dirty="0" smtClean="0"/>
+              <a:t>版）</a:t>
+            </a:r>
+            <a:endParaRPr lang="en-US" altLang="zh-CN" dirty="0" smtClean="0"/>
+          </a:p>
+          <a:p>
+            <a:pPr lvl="1"/>
+            <a:r>
+              <a:rPr lang="zh-CN" altLang="en-US" dirty="0" smtClean="0"/>
+              <a:t>愿景</a:t>
+            </a:r>
+            <a:r>
+              <a:rPr lang="zh-CN" altLang="en-US" dirty="0" smtClean="0">
+                <a:solidFill>
+                  <a:srgbClr val="FF0000"/>
+                </a:solidFill>
+              </a:rPr>
+              <a:t>是人们永远为之奋斗希望达到的图景。</a:t>
+            </a:r>
+            <a:endParaRPr lang="en-US" altLang="zh-CN" dirty="0" smtClean="0">
+              <a:solidFill>
+                <a:srgbClr val="FF0000"/>
+              </a:solidFill>
+            </a:endParaRPr>
+          </a:p>
+          <a:p>
+            <a:pPr lvl="1"/>
+            <a:r>
+              <a:rPr lang="zh-CN" altLang="en-US" dirty="0" smtClean="0"/>
+              <a:t>没有阶级、没有压迫、没有贫穷、没有失业、人人幸福的共产主义社会其实就是全世界共产党人的共同愿景。</a:t>
+            </a:r>
+            <a:endParaRPr lang="en-US" altLang="zh-CN" dirty="0" smtClean="0"/>
+          </a:p>
+          <a:p>
+            <a:pPr>
+              <a:buFont typeface="Wingdings" pitchFamily="2" charset="2"/>
+              <a:buNone/>
+            </a:pPr>
+            <a:endParaRPr lang="zh-CN" altLang="en-US" dirty="0" smtClean="0"/>
+          </a:p>
+        </p:txBody>
+      </p:sp>
+    </p:spTree>
+    <p:extLst>
+      <p:ext uri="{BB962C8B-B14F-4D97-AF65-F5344CB8AC3E}">
+        <p14:creationId xmlns:p14="http://schemas.microsoft.com/office/powerpoint/2010/main" val="3118791887"/>
+      </p:ext>
+    </p:extLst>
+  </p:cSld>
+  <p:clrMapOvr>
+    <a:masterClrMapping/>
+  </p:clrMapOvr>
+  <p:timing>
+    <p:tnLst>
+      <p:par>
+        <p:cTn id="1" dur="indefinite" restart="never" nodeType="tmRoot"/>
+      </p:par>
+    </p:tnLst>
+  </p:timing>
+</p:sld>
+</file>
+
+<file path=ppt/slides/slide35.xml><?xml version="1.0" encoding="utf-8"?>
+<p:sld xmlns:a="http://schemas.openxmlformats.org/drawingml/2006/main" xmlns:r="http://schemas.openxmlformats.org/officeDocument/2006/relationships" xmlns:p="http://schemas.openxmlformats.org/presentationml/2006/main">
+  <p:cSld>
+    <p:spTree>
+      <p:nvGrpSpPr>
+        <p:cNvPr id="1" name=""/>
+        <p:cNvGrpSpPr/>
+        <p:nvPr/>
+      </p:nvGrpSpPr>
+      <p:grpSpPr>
+        <a:xfrm>
+          <a:off x="0" y="0"/>
+          <a:ext cx="0" cy="0"/>
+          <a:chOff x="0" y="0"/>
+          <a:chExt cx="0" cy="0"/>
+        </a:xfrm>
+      </p:grpSpPr>
+      <p:sp>
+        <p:nvSpPr>
+          <p:cNvPr id="37890" name="标题 1"/>
+          <p:cNvSpPr>
+            <a:spLocks noGrp="1"/>
+          </p:cNvSpPr>
+          <p:nvPr>
+            <p:ph type="title"/>
+          </p:nvPr>
+        </p:nvSpPr>
+        <p:spPr/>
+        <p:txBody>
+          <a:bodyPr/>
+          <a:lstStyle/>
+          <a:p>
+            <a:r>
+              <a:rPr lang="zh-CN" altLang="en-US" smtClean="0"/>
+              <a:t>准备知识</a:t>
+            </a:r>
+            <a:r>
+              <a:rPr lang="en-US" altLang="zh-CN" smtClean="0"/>
+              <a:t>——</a:t>
+            </a:r>
+            <a:r>
+              <a:rPr lang="zh-CN" altLang="en-US" smtClean="0"/>
+              <a:t>项目愿景</a:t>
+            </a:r>
+          </a:p>
+        </p:txBody>
+      </p:sp>
+      <p:sp>
+        <p:nvSpPr>
+          <p:cNvPr id="37891" name="内容占位符 2"/>
+          <p:cNvSpPr>
+            <a:spLocks noGrp="1"/>
+          </p:cNvSpPr>
+          <p:nvPr>
+            <p:ph idx="1"/>
+          </p:nvPr>
+        </p:nvSpPr>
+        <p:spPr>
+          <a:xfrm>
+            <a:off x="457200" y="1196752"/>
+            <a:ext cx="8229600" cy="4929411"/>
+          </a:xfrm>
+        </p:spPr>
+        <p:txBody>
+          <a:bodyPr/>
+          <a:lstStyle/>
+          <a:p>
+            <a:r>
+              <a:rPr lang="zh-CN" altLang="en-US" b="1" dirty="0" smtClean="0">
+                <a:solidFill>
+                  <a:srgbClr val="FF0000"/>
+                </a:solidFill>
+              </a:rPr>
+              <a:t>愿景有什么用？</a:t>
+            </a:r>
+            <a:endParaRPr lang="en-US" altLang="zh-CN" b="1" dirty="0" smtClean="0">
+              <a:solidFill>
+                <a:srgbClr val="FF0000"/>
+              </a:solidFill>
+            </a:endParaRPr>
+          </a:p>
+          <a:p>
+            <a:pPr lvl="1"/>
+            <a:r>
+              <a:rPr lang="zh-CN" altLang="en-US" b="1" dirty="0" smtClean="0">
+                <a:solidFill>
+                  <a:srgbClr val="FF0000"/>
+                </a:solidFill>
+              </a:rPr>
+              <a:t>伟大的愿景成就伟大的事业。</a:t>
+            </a:r>
+            <a:endParaRPr lang="en-US" altLang="zh-CN" b="1" dirty="0" smtClean="0">
+              <a:solidFill>
+                <a:srgbClr val="FF0000"/>
+              </a:solidFill>
+            </a:endParaRPr>
+          </a:p>
+          <a:p>
+            <a:pPr>
+              <a:buFont typeface="Wingdings" pitchFamily="2" charset="2"/>
+              <a:buNone/>
+            </a:pPr>
+            <a:endParaRPr lang="zh-CN" altLang="en-US" dirty="0" smtClean="0"/>
+          </a:p>
+        </p:txBody>
+      </p:sp>
+      <p:grpSp>
+        <p:nvGrpSpPr>
+          <p:cNvPr id="37892" name="Group 215"/>
+          <p:cNvGrpSpPr>
+            <a:grpSpLocks/>
+          </p:cNvGrpSpPr>
+          <p:nvPr/>
+        </p:nvGrpSpPr>
+        <p:grpSpPr bwMode="auto">
+          <a:xfrm>
+            <a:off x="2324100" y="2286000"/>
+            <a:ext cx="4475163" cy="4313238"/>
+            <a:chOff x="1554" y="1054"/>
+            <a:chExt cx="2819" cy="2717"/>
+          </a:xfrm>
+        </p:grpSpPr>
+        <p:sp>
+          <p:nvSpPr>
+            <p:cNvPr id="37905" name="AutoShape 95"/>
+            <p:cNvSpPr>
+              <a:spLocks noChangeArrowheads="1"/>
+            </p:cNvSpPr>
+            <p:nvPr/>
+          </p:nvSpPr>
+          <p:spPr bwMode="auto">
+            <a:xfrm>
+              <a:off x="1746" y="1182"/>
+              <a:ext cx="2495" cy="2495"/>
+            </a:xfrm>
+            <a:custGeom>
+              <a:avLst/>
+              <a:gdLst>
+                <a:gd name="T0" fmla="*/ 0 w 21600"/>
+                <a:gd name="T1" fmla="*/ 0 h 21600"/>
+                <a:gd name="T2" fmla="*/ 0 w 21600"/>
+                <a:gd name="T3" fmla="*/ 0 h 21600"/>
+                <a:gd name="T4" fmla="*/ 0 w 21600"/>
+                <a:gd name="T5" fmla="*/ 0 h 21600"/>
+                <a:gd name="T6" fmla="*/ 0 w 21600"/>
+                <a:gd name="T7" fmla="*/ 0 h 21600"/>
+                <a:gd name="T8" fmla="*/ 0 w 21600"/>
+                <a:gd name="T9" fmla="*/ 0 h 21600"/>
+                <a:gd name="T10" fmla="*/ 0 w 21600"/>
+                <a:gd name="T11" fmla="*/ 0 h 21600"/>
+                <a:gd name="T12" fmla="*/ 0 w 21600"/>
+                <a:gd name="T13" fmla="*/ 0 h 21600"/>
+                <a:gd name="T14" fmla="*/ 0 w 21600"/>
+                <a:gd name="T15" fmla="*/ 0 h 21600"/>
+                <a:gd name="T16" fmla="*/ 0 60000 65536"/>
+                <a:gd name="T17" fmla="*/ 0 60000 65536"/>
+                <a:gd name="T18" fmla="*/ 0 60000 65536"/>
+                <a:gd name="T19" fmla="*/ 0 60000 65536"/>
+                <a:gd name="T20" fmla="*/ 0 60000 65536"/>
+                <a:gd name="T21" fmla="*/ 0 60000 65536"/>
+                <a:gd name="T22" fmla="*/ 0 60000 65536"/>
+                <a:gd name="T23" fmla="*/ 0 60000 65536"/>
+                <a:gd name="T24" fmla="*/ 3160 w 21600"/>
+                <a:gd name="T25" fmla="*/ 3160 h 21600"/>
+                <a:gd name="T26" fmla="*/ 18440 w 21600"/>
+                <a:gd name="T27" fmla="*/ 18440 h 21600"/>
+              </a:gdLst>
+              <a:ahLst/>
+              <a:cxnLst>
+                <a:cxn ang="T16">
+                  <a:pos x="T0" y="T1"/>
+                </a:cxn>
+                <a:cxn ang="T17">
+                  <a:pos x="T2" y="T3"/>
+                </a:cxn>
+                <a:cxn ang="T18">
+                  <a:pos x="T4" y="T5"/>
+                </a:cxn>
+                <a:cxn ang="T19">
+                  <a:pos x="T6" y="T7"/>
+                </a:cxn>
+                <a:cxn ang="T20">
+                  <a:pos x="T8" y="T9"/>
+                </a:cxn>
+                <a:cxn ang="T21">
+                  <a:pos x="T10" y="T11"/>
+                </a:cxn>
+                <a:cxn ang="T22">
+                  <a:pos x="T12" y="T13"/>
+                </a:cxn>
+                <a:cxn ang="T23">
+                  <a:pos x="T14" y="T15"/>
+                </a:cxn>
+              </a:cxnLst>
+              <a:rect l="T24" t="T25" r="T26" b="T27"/>
+              <a:pathLst>
+                <a:path w="21600" h="21600">
+                  <a:moveTo>
+                    <a:pt x="0" y="10800"/>
+                  </a:moveTo>
+                  <a:cubicBezTo>
+                    <a:pt x="0" y="4835"/>
+                    <a:pt x="4835" y="0"/>
+                    <a:pt x="10800" y="0"/>
+                  </a:cubicBezTo>
+                  <a:cubicBezTo>
+                    <a:pt x="16765" y="0"/>
+                    <a:pt x="21600" y="4835"/>
+                    <a:pt x="21600" y="10800"/>
+                  </a:cubicBezTo>
+                  <a:cubicBezTo>
+                    <a:pt x="21600" y="16765"/>
+                    <a:pt x="16765" y="21600"/>
+                    <a:pt x="10800" y="21600"/>
+                  </a:cubicBezTo>
+                  <a:cubicBezTo>
+                    <a:pt x="4835" y="21600"/>
+                    <a:pt x="0" y="16765"/>
+                    <a:pt x="0" y="10800"/>
+                  </a:cubicBezTo>
+                  <a:close/>
+                  <a:moveTo>
+                    <a:pt x="5127" y="10800"/>
+                  </a:moveTo>
+                  <a:cubicBezTo>
+                    <a:pt x="5127" y="13933"/>
+                    <a:pt x="7667" y="16473"/>
+                    <a:pt x="10800" y="16473"/>
+                  </a:cubicBezTo>
+                  <a:cubicBezTo>
+                    <a:pt x="13933" y="16473"/>
+                    <a:pt x="16473" y="13933"/>
+                    <a:pt x="16473" y="10800"/>
+                  </a:cubicBezTo>
+                  <a:cubicBezTo>
+                    <a:pt x="16473" y="7667"/>
+                    <a:pt x="13933" y="5127"/>
+                    <a:pt x="10800" y="5127"/>
+                  </a:cubicBezTo>
+                  <a:cubicBezTo>
+                    <a:pt x="7667" y="5127"/>
+                    <a:pt x="5127" y="7667"/>
+                    <a:pt x="5127" y="10800"/>
+                  </a:cubicBezTo>
+                  <a:close/>
+                </a:path>
+              </a:pathLst>
+            </a:custGeom>
+            <a:solidFill>
+              <a:srgbClr val="606060">
+                <a:alpha val="38823"/>
+              </a:srgbClr>
+            </a:solidFill>
+            <a:ln>
+              <a:noFill/>
+            </a:ln>
+            <a:extLst>
+              <a:ext uri="{91240B29-F687-4F45-9708-019B960494DF}">
+                <a14:hiddenLine xmlns:a14="http://schemas.microsoft.com/office/drawing/2010/main" w="9525" algn="ctr">
+                  <a:solidFill>
+                    <a:srgbClr val="000000"/>
+                  </a:solidFill>
+                  <a:round/>
+                  <a:headEnd/>
+                  <a:tailEnd/>
+                </a14:hiddenLine>
+              </a:ext>
+            </a:extLst>
+          </p:spPr>
+          <p:txBody>
+            <a:bodyPr wrap="none" anchor="ctr"/>
+            <a:lstStyle/>
+            <a:p>
+              <a:endParaRPr lang="zh-CN" altLang="zh-CN" baseline="-25000">
+                <a:ea typeface="宋体" charset="-122"/>
+              </a:endParaRPr>
+            </a:p>
+          </p:txBody>
+        </p:sp>
+        <p:grpSp>
+          <p:nvGrpSpPr>
+            <p:cNvPr id="37906" name="Group 214"/>
+            <p:cNvGrpSpPr>
+              <a:grpSpLocks/>
+            </p:cNvGrpSpPr>
+            <p:nvPr/>
+          </p:nvGrpSpPr>
+          <p:grpSpPr bwMode="auto">
+            <a:xfrm>
+              <a:off x="1985" y="1451"/>
+              <a:ext cx="1962" cy="1962"/>
+              <a:chOff x="1985" y="1451"/>
+              <a:chExt cx="1962" cy="1962"/>
+            </a:xfrm>
+          </p:grpSpPr>
+          <p:sp>
+            <p:nvSpPr>
+              <p:cNvPr id="37927" name="Oval 206"/>
+              <p:cNvSpPr>
+                <a:spLocks noChangeArrowheads="1"/>
+              </p:cNvSpPr>
+              <p:nvPr/>
+            </p:nvSpPr>
+            <p:spPr bwMode="auto">
+              <a:xfrm rot="-1744376">
+                <a:off x="2704" y="1451"/>
+                <a:ext cx="617" cy="1962"/>
+              </a:xfrm>
+              <a:prstGeom prst="ellipse">
+                <a:avLst/>
+              </a:prstGeom>
+              <a:noFill/>
+              <a:ln w="25400" algn="ctr">
+                <a:solidFill>
+                  <a:schemeClr val="tx1"/>
+                </a:solidFill>
+                <a:prstDash val="sysDot"/>
+                <a:round/>
+                <a:headEnd/>
+                <a:tailEnd/>
+              </a:ln>
+              <a:extLst>
+                <a:ext uri="{909E8E84-426E-40DD-AFC4-6F175D3DCCD1}">
+                  <a14:hiddenFill xmlns:a14="http://schemas.microsoft.com/office/drawing/2010/main">
+                    <a:solidFill>
+                      <a:srgbClr val="FFFFFF"/>
+                    </a:solidFill>
+                  </a14:hiddenFill>
+                </a:ext>
+              </a:extLst>
+            </p:spPr>
+            <p:txBody>
+              <a:bodyPr wrap="none" anchor="ctr"/>
+              <a:lstStyle/>
+              <a:p>
+                <a:endParaRPr lang="zh-CN" altLang="en-US">
+                  <a:ea typeface="宋体" charset="-122"/>
+                </a:endParaRPr>
+              </a:p>
+            </p:txBody>
+          </p:sp>
+          <p:sp>
+            <p:nvSpPr>
+              <p:cNvPr id="37928" name="Oval 209"/>
+              <p:cNvSpPr>
+                <a:spLocks noChangeArrowheads="1"/>
+              </p:cNvSpPr>
+              <p:nvPr/>
+            </p:nvSpPr>
+            <p:spPr bwMode="auto">
+              <a:xfrm rot="-6944642">
+                <a:off x="2657" y="1439"/>
+                <a:ext cx="617" cy="1962"/>
+              </a:xfrm>
+              <a:prstGeom prst="ellipse">
+                <a:avLst/>
+              </a:prstGeom>
+              <a:noFill/>
+              <a:ln w="25400" algn="ctr">
+                <a:solidFill>
+                  <a:schemeClr val="tx1"/>
+                </a:solidFill>
+                <a:prstDash val="sysDot"/>
+                <a:round/>
+                <a:headEnd/>
+                <a:tailEnd/>
+              </a:ln>
+              <a:extLst>
+                <a:ext uri="{909E8E84-426E-40DD-AFC4-6F175D3DCCD1}">
+                  <a14:hiddenFill xmlns:a14="http://schemas.microsoft.com/office/drawing/2010/main">
+                    <a:solidFill>
+                      <a:srgbClr val="FFFFFF"/>
+                    </a:solidFill>
+                  </a14:hiddenFill>
+                </a:ext>
+              </a:extLst>
+            </p:spPr>
+            <p:txBody>
+              <a:bodyPr wrap="none" anchor="ctr"/>
+              <a:lstStyle/>
+              <a:p>
+                <a:endParaRPr lang="zh-CN" altLang="en-US">
+                  <a:ea typeface="宋体" charset="-122"/>
+                </a:endParaRPr>
+              </a:p>
+            </p:txBody>
+          </p:sp>
+          <p:sp>
+            <p:nvSpPr>
+              <p:cNvPr id="37929" name="AutoShape 210"/>
+              <p:cNvSpPr>
+                <a:spLocks noChangeArrowheads="1"/>
+              </p:cNvSpPr>
+              <p:nvPr/>
+            </p:nvSpPr>
+            <p:spPr bwMode="auto">
+              <a:xfrm rot="-1136844">
+                <a:off x="3400" y="2593"/>
+                <a:ext cx="89" cy="67"/>
+              </a:xfrm>
+              <a:prstGeom prst="triangle">
+                <a:avLst>
+                  <a:gd name="adj" fmla="val 50000"/>
+                </a:avLst>
+              </a:prstGeom>
+              <a:solidFill>
+                <a:schemeClr val="tx1"/>
+              </a:solidFill>
+              <a:ln>
+                <a:noFill/>
+              </a:ln>
+              <a:extLst>
+                <a:ext uri="{91240B29-F687-4F45-9708-019B960494DF}">
+                  <a14:hiddenLine xmlns:a14="http://schemas.microsoft.com/office/drawing/2010/main" w="31750" algn="ctr">
+                    <a:solidFill>
+                      <a:srgbClr val="000000"/>
+                    </a:solidFill>
+                    <a:miter lim="800000"/>
+                    <a:headEnd/>
+                    <a:tailEnd/>
+                  </a14:hiddenLine>
+                </a:ext>
+              </a:extLst>
+            </p:spPr>
+            <p:txBody>
+              <a:bodyPr wrap="none" anchor="ctr"/>
+              <a:lstStyle/>
+              <a:p>
+                <a:endParaRPr lang="zh-CN" altLang="en-US">
+                  <a:ea typeface="宋体" charset="-122"/>
+                </a:endParaRPr>
+              </a:p>
+            </p:txBody>
+          </p:sp>
+          <p:sp>
+            <p:nvSpPr>
+              <p:cNvPr id="37930" name="AutoShape 211"/>
+              <p:cNvSpPr>
+                <a:spLocks noChangeArrowheads="1"/>
+              </p:cNvSpPr>
+              <p:nvPr/>
+            </p:nvSpPr>
+            <p:spPr bwMode="auto">
+              <a:xfrm rot="-6839912">
+                <a:off x="3201" y="1942"/>
+                <a:ext cx="89" cy="67"/>
+              </a:xfrm>
+              <a:prstGeom prst="triangle">
+                <a:avLst>
+                  <a:gd name="adj" fmla="val 50000"/>
+                </a:avLst>
+              </a:prstGeom>
+              <a:solidFill>
+                <a:schemeClr val="tx1"/>
+              </a:solidFill>
+              <a:ln>
+                <a:noFill/>
+              </a:ln>
+              <a:extLst>
+                <a:ext uri="{91240B29-F687-4F45-9708-019B960494DF}">
+                  <a14:hiddenLine xmlns:a14="http://schemas.microsoft.com/office/drawing/2010/main" w="31750" algn="ctr">
+                    <a:solidFill>
+                      <a:srgbClr val="000000"/>
+                    </a:solidFill>
+                    <a:miter lim="800000"/>
+                    <a:headEnd/>
+                    <a:tailEnd/>
+                  </a14:hiddenLine>
+                </a:ext>
+              </a:extLst>
+            </p:spPr>
+            <p:txBody>
+              <a:bodyPr wrap="none" anchor="ctr"/>
+              <a:lstStyle/>
+              <a:p>
+                <a:endParaRPr lang="zh-CN" altLang="en-US">
+                  <a:ea typeface="宋体" charset="-122"/>
+                </a:endParaRPr>
+              </a:p>
+            </p:txBody>
+          </p:sp>
+          <p:sp>
+            <p:nvSpPr>
+              <p:cNvPr id="37931" name="AutoShape 212"/>
+              <p:cNvSpPr>
+                <a:spLocks noChangeArrowheads="1"/>
+              </p:cNvSpPr>
+              <p:nvPr/>
+            </p:nvSpPr>
+            <p:spPr bwMode="auto">
+              <a:xfrm rot="9570674">
+                <a:off x="2508" y="2133"/>
+                <a:ext cx="89" cy="67"/>
+              </a:xfrm>
+              <a:prstGeom prst="triangle">
+                <a:avLst>
+                  <a:gd name="adj" fmla="val 50000"/>
+                </a:avLst>
+              </a:prstGeom>
+              <a:solidFill>
+                <a:schemeClr val="tx1"/>
+              </a:solidFill>
+              <a:ln>
+                <a:noFill/>
+              </a:ln>
+              <a:extLst>
+                <a:ext uri="{91240B29-F687-4F45-9708-019B960494DF}">
+                  <a14:hiddenLine xmlns:a14="http://schemas.microsoft.com/office/drawing/2010/main" w="31750" algn="ctr">
+                    <a:solidFill>
+                      <a:srgbClr val="000000"/>
+                    </a:solidFill>
+                    <a:miter lim="800000"/>
+                    <a:headEnd/>
+                    <a:tailEnd/>
+                  </a14:hiddenLine>
+                </a:ext>
+              </a:extLst>
+            </p:spPr>
+            <p:txBody>
+              <a:bodyPr wrap="none" anchor="ctr"/>
+              <a:lstStyle/>
+              <a:p>
+                <a:endParaRPr lang="zh-CN" altLang="en-US">
+                  <a:ea typeface="宋体" charset="-122"/>
+                </a:endParaRPr>
+              </a:p>
+            </p:txBody>
+          </p:sp>
+          <p:sp>
+            <p:nvSpPr>
+              <p:cNvPr id="37932" name="AutoShape 213"/>
+              <p:cNvSpPr>
+                <a:spLocks noChangeArrowheads="1"/>
+              </p:cNvSpPr>
+              <p:nvPr/>
+            </p:nvSpPr>
+            <p:spPr bwMode="auto">
+              <a:xfrm rot="3962388">
+                <a:off x="2721" y="2803"/>
+                <a:ext cx="89" cy="67"/>
+              </a:xfrm>
+              <a:prstGeom prst="triangle">
+                <a:avLst>
+                  <a:gd name="adj" fmla="val 50000"/>
+                </a:avLst>
+              </a:prstGeom>
+              <a:solidFill>
+                <a:schemeClr val="tx1"/>
+              </a:solidFill>
+              <a:ln>
+                <a:noFill/>
+              </a:ln>
+              <a:extLst>
+                <a:ext uri="{91240B29-F687-4F45-9708-019B960494DF}">
+                  <a14:hiddenLine xmlns:a14="http://schemas.microsoft.com/office/drawing/2010/main" w="31750" algn="ctr">
+                    <a:solidFill>
+                      <a:srgbClr val="000000"/>
+                    </a:solidFill>
+                    <a:miter lim="800000"/>
+                    <a:headEnd/>
+                    <a:tailEnd/>
+                  </a14:hiddenLine>
+                </a:ext>
+              </a:extLst>
+            </p:spPr>
+            <p:txBody>
+              <a:bodyPr wrap="none" anchor="ctr"/>
+              <a:lstStyle/>
+              <a:p>
+                <a:endParaRPr lang="zh-CN" altLang="en-US">
+                  <a:ea typeface="宋体" charset="-122"/>
+                </a:endParaRPr>
+              </a:p>
+            </p:txBody>
+          </p:sp>
+        </p:grpSp>
+        <p:grpSp>
+          <p:nvGrpSpPr>
+            <p:cNvPr id="37907" name="Group 186"/>
+            <p:cNvGrpSpPr>
+              <a:grpSpLocks/>
+            </p:cNvGrpSpPr>
+            <p:nvPr/>
+          </p:nvGrpSpPr>
+          <p:grpSpPr bwMode="auto">
+            <a:xfrm>
+              <a:off x="2058" y="1054"/>
+              <a:ext cx="878" cy="874"/>
+              <a:chOff x="2058" y="1054"/>
+              <a:chExt cx="878" cy="874"/>
+            </a:xfrm>
+          </p:grpSpPr>
+          <p:sp>
+            <p:nvSpPr>
+              <p:cNvPr id="37924" name="Oval 177"/>
+              <p:cNvSpPr>
+                <a:spLocks noChangeArrowheads="1"/>
+              </p:cNvSpPr>
+              <p:nvPr/>
+            </p:nvSpPr>
+            <p:spPr bwMode="auto">
+              <a:xfrm>
+                <a:off x="2058" y="1054"/>
+                <a:ext cx="878" cy="874"/>
+              </a:xfrm>
+              <a:prstGeom prst="ellipse">
+                <a:avLst/>
+              </a:prstGeom>
+              <a:gradFill rotWithShape="1">
+                <a:gsLst>
+                  <a:gs pos="0">
+                    <a:srgbClr val="000000"/>
+                  </a:gs>
+                  <a:gs pos="100000">
+                    <a:srgbClr val="000000">
+                      <a:alpha val="0"/>
+                    </a:srgbClr>
+                  </a:gs>
+                </a:gsLst>
+                <a:path path="shape">
+                  <a:fillToRect l="50000" t="50000" r="50000" b="50000"/>
+                </a:path>
+              </a:gradFill>
+              <a:ln>
+                <a:noFill/>
+              </a:ln>
+              <a:extLst>
+                <a:ext uri="{91240B29-F687-4F45-9708-019B960494DF}">
+                  <a14:hiddenLine xmlns:a14="http://schemas.microsoft.com/office/drawing/2010/main" w="9525" algn="ctr">
+                    <a:solidFill>
+                      <a:srgbClr val="000000"/>
+                    </a:solidFill>
+                    <a:miter lim="800000"/>
+                    <a:headEnd/>
+                    <a:tailEnd/>
+                  </a14:hiddenLine>
+                </a:ext>
+              </a:extLst>
+            </p:spPr>
+            <p:txBody>
+              <a:bodyPr wrap="none" anchor="ctr"/>
+              <a:lstStyle/>
+              <a:p>
+                <a:endParaRPr lang="zh-CN" altLang="en-US">
+                  <a:ea typeface="宋体" charset="-122"/>
+                </a:endParaRPr>
+              </a:p>
+            </p:txBody>
+          </p:sp>
+          <p:sp>
+            <p:nvSpPr>
+              <p:cNvPr id="37925" name="Oval 178"/>
+              <p:cNvSpPr>
+                <a:spLocks noChangeArrowheads="1"/>
+              </p:cNvSpPr>
+              <p:nvPr/>
+            </p:nvSpPr>
+            <p:spPr bwMode="auto">
+              <a:xfrm>
+                <a:off x="2192" y="1185"/>
+                <a:ext cx="612" cy="610"/>
+              </a:xfrm>
+              <a:prstGeom prst="ellipse">
+                <a:avLst/>
+              </a:prstGeom>
+              <a:solidFill>
+                <a:srgbClr val="A20000"/>
+              </a:solidFill>
+              <a:ln>
+                <a:noFill/>
+              </a:ln>
+              <a:extLst>
+                <a:ext uri="{91240B29-F687-4F45-9708-019B960494DF}">
+                  <a14:hiddenLine xmlns:a14="http://schemas.microsoft.com/office/drawing/2010/main" w="9525" algn="ctr">
+                    <a:solidFill>
+                      <a:srgbClr val="000000"/>
+                    </a:solidFill>
+                    <a:miter lim="800000"/>
+                    <a:headEnd/>
+                    <a:tailEnd/>
+                  </a14:hiddenLine>
+                </a:ext>
+              </a:extLst>
+            </p:spPr>
+            <p:txBody>
+              <a:bodyPr wrap="none" anchor="ctr"/>
+              <a:lstStyle/>
+              <a:p>
+                <a:endParaRPr lang="zh-CN" altLang="en-US">
+                  <a:ea typeface="宋体" charset="-122"/>
+                </a:endParaRPr>
+              </a:p>
+            </p:txBody>
+          </p:sp>
+          <p:sp>
+            <p:nvSpPr>
+              <p:cNvPr id="38" name="Oval 179"/>
+              <p:cNvSpPr>
+                <a:spLocks noChangeArrowheads="1"/>
+              </p:cNvSpPr>
+              <p:nvPr/>
+            </p:nvSpPr>
+            <p:spPr bwMode="auto">
+              <a:xfrm>
+                <a:off x="2201" y="1186"/>
+                <a:ext cx="595" cy="610"/>
+              </a:xfrm>
+              <a:prstGeom prst="ellipse">
+                <a:avLst/>
+              </a:prstGeom>
+              <a:gradFill rotWithShape="1">
+                <a:gsLst>
+                  <a:gs pos="0">
+                    <a:schemeClr val="bg1">
+                      <a:alpha val="81000"/>
+                    </a:schemeClr>
+                  </a:gs>
+                  <a:gs pos="50000">
+                    <a:srgbClr val="A20000">
+                      <a:alpha val="0"/>
+                    </a:srgbClr>
+                  </a:gs>
+                  <a:gs pos="100000">
+                    <a:schemeClr val="bg1">
+                      <a:alpha val="81000"/>
+                    </a:schemeClr>
+                  </a:gs>
+                </a:gsLst>
+                <a:lin ang="5400000" scaled="1"/>
+              </a:gradFill>
+              <a:ln w="9525" algn="ctr">
+                <a:noFill/>
+                <a:miter lim="800000"/>
+                <a:headEnd/>
+                <a:tailEnd/>
+              </a:ln>
+              <a:effectLst/>
+            </p:spPr>
+            <p:txBody>
+              <a:bodyPr wrap="none" anchor="ctr"/>
+              <a:lstStyle/>
+              <a:p>
+                <a:pPr>
+                  <a:defRPr/>
+                </a:pPr>
+                <a:endParaRPr lang="zh-CN" altLang="en-US">
+                  <a:ea typeface="宋体" pitchFamily="2" charset="-122"/>
+                </a:endParaRPr>
+              </a:p>
+            </p:txBody>
+          </p:sp>
+        </p:grpSp>
+        <p:grpSp>
+          <p:nvGrpSpPr>
+            <p:cNvPr id="37908" name="Group 201"/>
+            <p:cNvGrpSpPr>
+              <a:grpSpLocks/>
+            </p:cNvGrpSpPr>
+            <p:nvPr/>
+          </p:nvGrpSpPr>
+          <p:grpSpPr bwMode="auto">
+            <a:xfrm>
+              <a:off x="3495" y="1546"/>
+              <a:ext cx="878" cy="874"/>
+              <a:chOff x="3495" y="1546"/>
+              <a:chExt cx="878" cy="874"/>
+            </a:xfrm>
+          </p:grpSpPr>
+          <p:grpSp>
+            <p:nvGrpSpPr>
+              <p:cNvPr id="37919" name="Group 187"/>
+              <p:cNvGrpSpPr>
+                <a:grpSpLocks/>
+              </p:cNvGrpSpPr>
+              <p:nvPr/>
+            </p:nvGrpSpPr>
+            <p:grpSpPr bwMode="auto">
+              <a:xfrm>
+                <a:off x="3495" y="1546"/>
+                <a:ext cx="878" cy="874"/>
+                <a:chOff x="3495" y="1546"/>
+                <a:chExt cx="878" cy="874"/>
+              </a:xfrm>
+            </p:grpSpPr>
+            <p:sp>
+              <p:nvSpPr>
+                <p:cNvPr id="37921" name="Oval 175"/>
+                <p:cNvSpPr>
+                  <a:spLocks noChangeArrowheads="1"/>
+                </p:cNvSpPr>
+                <p:nvPr/>
+              </p:nvSpPr>
+              <p:spPr bwMode="auto">
+                <a:xfrm>
+                  <a:off x="3495" y="1546"/>
+                  <a:ext cx="878" cy="874"/>
+                </a:xfrm>
+                <a:prstGeom prst="ellipse">
+                  <a:avLst/>
+                </a:prstGeom>
+                <a:gradFill rotWithShape="1">
+                  <a:gsLst>
+                    <a:gs pos="0">
+                      <a:srgbClr val="000000"/>
+                    </a:gs>
+                    <a:gs pos="100000">
+                      <a:srgbClr val="040404">
+                        <a:alpha val="0"/>
+                      </a:srgbClr>
+                    </a:gs>
+                  </a:gsLst>
+                  <a:path path="shape">
+                    <a:fillToRect l="50000" t="50000" r="50000" b="50000"/>
+                  </a:path>
+                </a:gradFill>
+                <a:ln>
+                  <a:noFill/>
+                </a:ln>
+                <a:extLst>
+                  <a:ext uri="{91240B29-F687-4F45-9708-019B960494DF}">
+                    <a14:hiddenLine xmlns:a14="http://schemas.microsoft.com/office/drawing/2010/main" w="9525" algn="ctr">
+                      <a:solidFill>
+                        <a:srgbClr val="000000"/>
+                      </a:solidFill>
+                      <a:miter lim="800000"/>
+                      <a:headEnd/>
+                      <a:tailEnd/>
+                    </a14:hiddenLine>
+                  </a:ext>
+                </a:extLst>
+              </p:spPr>
+              <p:txBody>
+                <a:bodyPr wrap="none" anchor="ctr"/>
+                <a:lstStyle/>
+                <a:p>
+                  <a:endParaRPr lang="zh-CN" altLang="en-US">
+                    <a:ea typeface="宋体" charset="-122"/>
+                  </a:endParaRPr>
+                </a:p>
+              </p:txBody>
+            </p:sp>
+            <p:sp>
+              <p:nvSpPr>
+                <p:cNvPr id="37922" name="Oval 91"/>
+                <p:cNvSpPr>
+                  <a:spLocks noChangeArrowheads="1"/>
+                </p:cNvSpPr>
+                <p:nvPr/>
+              </p:nvSpPr>
+              <p:spPr bwMode="auto">
+                <a:xfrm>
+                  <a:off x="3629" y="1677"/>
+                  <a:ext cx="612" cy="610"/>
+                </a:xfrm>
+                <a:prstGeom prst="ellipse">
+                  <a:avLst/>
+                </a:prstGeom>
+                <a:solidFill>
+                  <a:srgbClr val="4090D8"/>
+                </a:solidFill>
+                <a:ln>
+                  <a:noFill/>
+                </a:ln>
+                <a:extLst>
+                  <a:ext uri="{91240B29-F687-4F45-9708-019B960494DF}">
+                    <a14:hiddenLine xmlns:a14="http://schemas.microsoft.com/office/drawing/2010/main" w="9525" algn="ctr">
+                      <a:solidFill>
+                        <a:srgbClr val="000000"/>
+                      </a:solidFill>
+                      <a:miter lim="800000"/>
+                      <a:headEnd/>
+                      <a:tailEnd/>
+                    </a14:hiddenLine>
+                  </a:ext>
+                </a:extLst>
+              </p:spPr>
+              <p:txBody>
+                <a:bodyPr wrap="none" anchor="ctr"/>
+                <a:lstStyle/>
+                <a:p>
+                  <a:endParaRPr lang="zh-CN" altLang="en-US">
+                    <a:ea typeface="宋体" charset="-122"/>
+                  </a:endParaRPr>
+                </a:p>
+              </p:txBody>
+            </p:sp>
+            <p:sp>
+              <p:nvSpPr>
+                <p:cNvPr id="35" name="Oval 176"/>
+                <p:cNvSpPr>
+                  <a:spLocks noChangeArrowheads="1"/>
+                </p:cNvSpPr>
+                <p:nvPr/>
+              </p:nvSpPr>
+              <p:spPr bwMode="auto">
+                <a:xfrm>
+                  <a:off x="3638" y="1678"/>
+                  <a:ext cx="595" cy="610"/>
+                </a:xfrm>
+                <a:prstGeom prst="ellipse">
+                  <a:avLst/>
+                </a:prstGeom>
+                <a:gradFill rotWithShape="1">
+                  <a:gsLst>
+                    <a:gs pos="0">
+                      <a:schemeClr val="bg1">
+                        <a:alpha val="81000"/>
+                      </a:schemeClr>
+                    </a:gs>
+                    <a:gs pos="50000">
+                      <a:srgbClr val="4D97DB">
+                        <a:alpha val="0"/>
+                      </a:srgbClr>
+                    </a:gs>
+                    <a:gs pos="100000">
+                      <a:schemeClr val="bg1">
+                        <a:alpha val="81000"/>
+                      </a:schemeClr>
+                    </a:gs>
+                  </a:gsLst>
+                  <a:lin ang="5400000" scaled="1"/>
+                </a:gradFill>
+                <a:ln w="9525" algn="ctr">
+                  <a:noFill/>
+                  <a:miter lim="800000"/>
+                  <a:headEnd/>
+                  <a:tailEnd/>
+                </a:ln>
+                <a:effectLst/>
+              </p:spPr>
+              <p:txBody>
+                <a:bodyPr wrap="none" anchor="ctr"/>
+                <a:lstStyle/>
+                <a:p>
+                  <a:pPr>
+                    <a:defRPr/>
+                  </a:pPr>
+                  <a:endParaRPr lang="zh-CN" altLang="en-US">
+                    <a:ea typeface="宋体" pitchFamily="2" charset="-122"/>
+                  </a:endParaRPr>
+                </a:p>
+              </p:txBody>
+            </p:sp>
+          </p:grpSp>
+          <p:sp>
+            <p:nvSpPr>
+              <p:cNvPr id="37920" name="Text Box 191"/>
+              <p:cNvSpPr txBox="1">
+                <a:spLocks noChangeArrowheads="1"/>
+              </p:cNvSpPr>
+              <p:nvPr/>
+            </p:nvSpPr>
+            <p:spPr bwMode="auto">
+              <a:xfrm>
+                <a:off x="3706" y="1821"/>
+                <a:ext cx="453" cy="212"/>
+              </a:xfrm>
+              <a:prstGeom prst="rect">
+                <a:avLst/>
+              </a:prstGeom>
+              <a:noFill/>
+              <a:ln>
+                <a:noFill/>
+              </a:ln>
+              <a:extLst>
+                <a:ext uri="{909E8E84-426E-40DD-AFC4-6F175D3DCCD1}">
+                  <a14:hiddenFill xmlns:a14="http://schemas.microsoft.com/office/drawing/2010/main">
+                    <a:solidFill>
+                      <a:srgbClr val="FFFFFF"/>
+                    </a:solidFill>
+                  </a14:hiddenFill>
+                </a:ext>
+                <a:ext uri="{91240B29-F687-4F45-9708-019B960494DF}">
+                  <a14:hiddenLine xmlns:a14="http://schemas.microsoft.com/office/drawing/2010/main" w="31750" algn="ctr">
+                    <a:solidFill>
+                      <a:srgbClr val="000000"/>
+                    </a:solidFill>
+                    <a:miter lim="800000"/>
+                    <a:headEnd/>
+                    <a:tailEnd/>
+                  </a14:hiddenLine>
+                </a:ext>
+              </a:extLst>
+            </p:spPr>
+            <p:txBody>
+              <a:bodyPr>
+                <a:spAutoFit/>
+              </a:bodyPr>
+              <a:lstStyle>
+                <a:lvl1pPr eaLnBrk="0" hangingPunct="0">
+                  <a:defRPr sz="2000">
+                    <a:solidFill>
+                      <a:schemeClr val="tx1"/>
+                    </a:solidFill>
+                    <a:latin typeface="Arial" charset="0"/>
+                    <a:cs typeface="Arial" charset="0"/>
+                  </a:defRPr>
+                </a:lvl1pPr>
+                <a:lvl2pPr marL="742950" indent="-285750" eaLnBrk="0" hangingPunct="0">
+                  <a:defRPr sz="2000">
+                    <a:solidFill>
+                      <a:schemeClr val="tx1"/>
+                    </a:solidFill>
+                    <a:latin typeface="Arial" charset="0"/>
+                    <a:cs typeface="Arial" charset="0"/>
+                  </a:defRPr>
+                </a:lvl2pPr>
+                <a:lvl3pPr marL="1143000" indent="-228600" eaLnBrk="0" hangingPunct="0">
+                  <a:defRPr sz="2000">
+                    <a:solidFill>
+                      <a:schemeClr val="tx1"/>
+                    </a:solidFill>
+                    <a:latin typeface="Arial" charset="0"/>
+                    <a:cs typeface="Arial" charset="0"/>
+                  </a:defRPr>
+                </a:lvl3pPr>
+                <a:lvl4pPr marL="1600200" indent="-228600" eaLnBrk="0" hangingPunct="0">
+                  <a:defRPr sz="2000">
+                    <a:solidFill>
+                      <a:schemeClr val="tx1"/>
+                    </a:solidFill>
+                    <a:latin typeface="Arial" charset="0"/>
+                    <a:cs typeface="Arial" charset="0"/>
+                  </a:defRPr>
+                </a:lvl4pPr>
+                <a:lvl5pPr marL="2057400" indent="-228600" eaLnBrk="0" hangingPunct="0">
+                  <a:defRPr sz="2000">
+                    <a:solidFill>
+                      <a:schemeClr val="tx1"/>
+                    </a:solidFill>
+                    <a:latin typeface="Arial" charset="0"/>
+                    <a:cs typeface="Arial" charset="0"/>
+                  </a:defRPr>
+                </a:lvl5pPr>
+                <a:lvl6pPr marL="2514600" indent="-228600" eaLnBrk="0" fontAlgn="base" hangingPunct="0">
+                  <a:spcBef>
+                    <a:spcPct val="0"/>
+                  </a:spcBef>
+                  <a:spcAft>
+                    <a:spcPct val="0"/>
+                  </a:spcAft>
+                  <a:defRPr sz="2000">
+                    <a:solidFill>
+                      <a:schemeClr val="tx1"/>
+                    </a:solidFill>
+                    <a:latin typeface="Arial" charset="0"/>
+                    <a:cs typeface="Arial" charset="0"/>
+                  </a:defRPr>
+                </a:lvl6pPr>
+                <a:lvl7pPr marL="2971800" indent="-228600" eaLnBrk="0" fontAlgn="base" hangingPunct="0">
+                  <a:spcBef>
+                    <a:spcPct val="0"/>
+                  </a:spcBef>
+                  <a:spcAft>
+                    <a:spcPct val="0"/>
+                  </a:spcAft>
+                  <a:defRPr sz="2000">
+                    <a:solidFill>
+                      <a:schemeClr val="tx1"/>
+                    </a:solidFill>
+                    <a:latin typeface="Arial" charset="0"/>
+                    <a:cs typeface="Arial" charset="0"/>
+                  </a:defRPr>
+                </a:lvl7pPr>
+                <a:lvl8pPr marL="3429000" indent="-228600" eaLnBrk="0" fontAlgn="base" hangingPunct="0">
+                  <a:spcBef>
+                    <a:spcPct val="0"/>
+                  </a:spcBef>
+                  <a:spcAft>
+                    <a:spcPct val="0"/>
+                  </a:spcAft>
+                  <a:defRPr sz="2000">
+                    <a:solidFill>
+                      <a:schemeClr val="tx1"/>
+                    </a:solidFill>
+                    <a:latin typeface="Arial" charset="0"/>
+                    <a:cs typeface="Arial" charset="0"/>
+                  </a:defRPr>
+                </a:lvl8pPr>
+                <a:lvl9pPr marL="3886200" indent="-228600" eaLnBrk="0" fontAlgn="base" hangingPunct="0">
+                  <a:spcBef>
+                    <a:spcPct val="0"/>
+                  </a:spcBef>
+                  <a:spcAft>
+                    <a:spcPct val="0"/>
+                  </a:spcAft>
+                  <a:defRPr sz="2000">
+                    <a:solidFill>
+                      <a:schemeClr val="tx1"/>
+                    </a:solidFill>
+                    <a:latin typeface="Arial" charset="0"/>
+                    <a:cs typeface="Arial" charset="0"/>
+                  </a:defRPr>
+                </a:lvl9pPr>
+              </a:lstStyle>
+              <a:p>
+                <a:pPr eaLnBrk="1" hangingPunct="1">
+                  <a:spcBef>
+                    <a:spcPct val="50000"/>
+                  </a:spcBef>
+                </a:pPr>
+                <a:r>
+                  <a:rPr lang="en-US" altLang="zh-CN" sz="2400" baseline="-25000">
+                    <a:ea typeface="宋体" charset="-122"/>
+                  </a:rPr>
+                  <a:t>Text</a:t>
+                </a:r>
+              </a:p>
+            </p:txBody>
+          </p:sp>
+        </p:grpSp>
+        <p:grpSp>
+          <p:nvGrpSpPr>
+            <p:cNvPr id="37909" name="Group 204"/>
+            <p:cNvGrpSpPr>
+              <a:grpSpLocks/>
+            </p:cNvGrpSpPr>
+            <p:nvPr/>
+          </p:nvGrpSpPr>
+          <p:grpSpPr bwMode="auto">
+            <a:xfrm>
+              <a:off x="3106" y="2897"/>
+              <a:ext cx="878" cy="874"/>
+              <a:chOff x="3106" y="2897"/>
+              <a:chExt cx="878" cy="874"/>
+            </a:xfrm>
+          </p:grpSpPr>
+          <p:grpSp>
+            <p:nvGrpSpPr>
+              <p:cNvPr id="37914" name="Group 188"/>
+              <p:cNvGrpSpPr>
+                <a:grpSpLocks/>
+              </p:cNvGrpSpPr>
+              <p:nvPr/>
+            </p:nvGrpSpPr>
+            <p:grpSpPr bwMode="auto">
+              <a:xfrm>
+                <a:off x="3106" y="2897"/>
+                <a:ext cx="878" cy="874"/>
+                <a:chOff x="3106" y="2897"/>
+                <a:chExt cx="878" cy="874"/>
+              </a:xfrm>
+            </p:grpSpPr>
+            <p:sp>
+              <p:nvSpPr>
+                <p:cNvPr id="37916" name="Oval 183"/>
+                <p:cNvSpPr>
+                  <a:spLocks noChangeArrowheads="1"/>
+                </p:cNvSpPr>
+                <p:nvPr/>
+              </p:nvSpPr>
+              <p:spPr bwMode="auto">
+                <a:xfrm>
+                  <a:off x="3106" y="2897"/>
+                  <a:ext cx="878" cy="874"/>
+                </a:xfrm>
+                <a:prstGeom prst="ellipse">
+                  <a:avLst/>
+                </a:prstGeom>
+                <a:gradFill rotWithShape="1">
+                  <a:gsLst>
+                    <a:gs pos="0">
+                      <a:srgbClr val="000000"/>
+                    </a:gs>
+                    <a:gs pos="100000">
+                      <a:srgbClr val="040404">
+                        <a:alpha val="0"/>
+                      </a:srgbClr>
+                    </a:gs>
+                  </a:gsLst>
+                  <a:path path="shape">
+                    <a:fillToRect l="50000" t="50000" r="50000" b="50000"/>
+                  </a:path>
+                </a:gradFill>
+                <a:ln>
+                  <a:noFill/>
+                </a:ln>
+                <a:extLst>
+                  <a:ext uri="{91240B29-F687-4F45-9708-019B960494DF}">
+                    <a14:hiddenLine xmlns:a14="http://schemas.microsoft.com/office/drawing/2010/main" w="9525" algn="ctr">
+                      <a:solidFill>
+                        <a:srgbClr val="000000"/>
+                      </a:solidFill>
+                      <a:miter lim="800000"/>
+                      <a:headEnd/>
+                      <a:tailEnd/>
+                    </a14:hiddenLine>
+                  </a:ext>
+                </a:extLst>
+              </p:spPr>
+              <p:txBody>
+                <a:bodyPr wrap="none" anchor="ctr"/>
+                <a:lstStyle/>
+                <a:p>
+                  <a:endParaRPr lang="zh-CN" altLang="en-US">
+                    <a:ea typeface="宋体" charset="-122"/>
+                  </a:endParaRPr>
+                </a:p>
+              </p:txBody>
+            </p:sp>
+            <p:sp>
+              <p:nvSpPr>
+                <p:cNvPr id="37917" name="Oval 184"/>
+                <p:cNvSpPr>
+                  <a:spLocks noChangeArrowheads="1"/>
+                </p:cNvSpPr>
+                <p:nvPr/>
+              </p:nvSpPr>
+              <p:spPr bwMode="auto">
+                <a:xfrm>
+                  <a:off x="3240" y="3028"/>
+                  <a:ext cx="612" cy="610"/>
+                </a:xfrm>
+                <a:prstGeom prst="ellipse">
+                  <a:avLst/>
+                </a:prstGeom>
+                <a:solidFill>
+                  <a:srgbClr val="4090D8"/>
+                </a:solidFill>
+                <a:ln>
+                  <a:noFill/>
+                </a:ln>
+                <a:extLst>
+                  <a:ext uri="{91240B29-F687-4F45-9708-019B960494DF}">
+                    <a14:hiddenLine xmlns:a14="http://schemas.microsoft.com/office/drawing/2010/main" w="9525" algn="ctr">
+                      <a:solidFill>
+                        <a:srgbClr val="000000"/>
+                      </a:solidFill>
+                      <a:miter lim="800000"/>
+                      <a:headEnd/>
+                      <a:tailEnd/>
+                    </a14:hiddenLine>
+                  </a:ext>
+                </a:extLst>
+              </p:spPr>
+              <p:txBody>
+                <a:bodyPr wrap="none" anchor="ctr"/>
+                <a:lstStyle/>
+                <a:p>
+                  <a:endParaRPr lang="zh-CN" altLang="en-US">
+                    <a:ea typeface="宋体" charset="-122"/>
+                  </a:endParaRPr>
+                </a:p>
+              </p:txBody>
+            </p:sp>
+            <p:sp>
+              <p:nvSpPr>
+                <p:cNvPr id="30" name="Oval 185"/>
+                <p:cNvSpPr>
+                  <a:spLocks noChangeArrowheads="1"/>
+                </p:cNvSpPr>
+                <p:nvPr/>
+              </p:nvSpPr>
+              <p:spPr bwMode="auto">
+                <a:xfrm>
+                  <a:off x="3249" y="3029"/>
+                  <a:ext cx="595" cy="610"/>
+                </a:xfrm>
+                <a:prstGeom prst="ellipse">
+                  <a:avLst/>
+                </a:prstGeom>
+                <a:gradFill rotWithShape="1">
+                  <a:gsLst>
+                    <a:gs pos="0">
+                      <a:schemeClr val="bg1">
+                        <a:alpha val="81000"/>
+                      </a:schemeClr>
+                    </a:gs>
+                    <a:gs pos="50000">
+                      <a:srgbClr val="4D97DB">
+                        <a:alpha val="0"/>
+                      </a:srgbClr>
+                    </a:gs>
+                    <a:gs pos="100000">
+                      <a:schemeClr val="bg1">
+                        <a:alpha val="81000"/>
+                      </a:schemeClr>
+                    </a:gs>
+                  </a:gsLst>
+                  <a:lin ang="5400000" scaled="1"/>
+                </a:gradFill>
+                <a:ln w="9525" algn="ctr">
+                  <a:noFill/>
+                  <a:miter lim="800000"/>
+                  <a:headEnd/>
+                  <a:tailEnd/>
+                </a:ln>
+                <a:effectLst/>
+              </p:spPr>
+              <p:txBody>
+                <a:bodyPr wrap="none" anchor="ctr"/>
+                <a:lstStyle/>
+                <a:p>
+                  <a:pPr>
+                    <a:defRPr/>
+                  </a:pPr>
+                  <a:endParaRPr lang="zh-CN" altLang="en-US">
+                    <a:ea typeface="宋体" pitchFamily="2" charset="-122"/>
+                  </a:endParaRPr>
+                </a:p>
+              </p:txBody>
+            </p:sp>
+          </p:grpSp>
+          <p:sp>
+            <p:nvSpPr>
+              <p:cNvPr id="37915" name="Text Box 192"/>
+              <p:cNvSpPr txBox="1">
+                <a:spLocks noChangeArrowheads="1"/>
+              </p:cNvSpPr>
+              <p:nvPr/>
+            </p:nvSpPr>
+            <p:spPr bwMode="auto">
+              <a:xfrm>
+                <a:off x="3326" y="3177"/>
+                <a:ext cx="453" cy="212"/>
+              </a:xfrm>
+              <a:prstGeom prst="rect">
+                <a:avLst/>
+              </a:prstGeom>
+              <a:noFill/>
+              <a:ln>
+                <a:noFill/>
+              </a:ln>
+              <a:extLst>
+                <a:ext uri="{909E8E84-426E-40DD-AFC4-6F175D3DCCD1}">
+                  <a14:hiddenFill xmlns:a14="http://schemas.microsoft.com/office/drawing/2010/main">
+                    <a:solidFill>
+                      <a:srgbClr val="FFFFFF"/>
+                    </a:solidFill>
+                  </a14:hiddenFill>
+                </a:ext>
+                <a:ext uri="{91240B29-F687-4F45-9708-019B960494DF}">
+                  <a14:hiddenLine xmlns:a14="http://schemas.microsoft.com/office/drawing/2010/main" w="31750" algn="ctr">
+                    <a:solidFill>
+                      <a:srgbClr val="000000"/>
+                    </a:solidFill>
+                    <a:miter lim="800000"/>
+                    <a:headEnd/>
+                    <a:tailEnd/>
+                  </a14:hiddenLine>
+                </a:ext>
+              </a:extLst>
+            </p:spPr>
+            <p:txBody>
+              <a:bodyPr>
+                <a:spAutoFit/>
+              </a:bodyPr>
+              <a:lstStyle>
+                <a:lvl1pPr eaLnBrk="0" hangingPunct="0">
+                  <a:defRPr sz="2000">
+                    <a:solidFill>
+                      <a:schemeClr val="tx1"/>
+                    </a:solidFill>
+                    <a:latin typeface="Arial" charset="0"/>
+                    <a:cs typeface="Arial" charset="0"/>
+                  </a:defRPr>
+                </a:lvl1pPr>
+                <a:lvl2pPr marL="742950" indent="-285750" eaLnBrk="0" hangingPunct="0">
+                  <a:defRPr sz="2000">
+                    <a:solidFill>
+                      <a:schemeClr val="tx1"/>
+                    </a:solidFill>
+                    <a:latin typeface="Arial" charset="0"/>
+                    <a:cs typeface="Arial" charset="0"/>
+                  </a:defRPr>
+                </a:lvl2pPr>
+                <a:lvl3pPr marL="1143000" indent="-228600" eaLnBrk="0" hangingPunct="0">
+                  <a:defRPr sz="2000">
+                    <a:solidFill>
+                      <a:schemeClr val="tx1"/>
+                    </a:solidFill>
+                    <a:latin typeface="Arial" charset="0"/>
+                    <a:cs typeface="Arial" charset="0"/>
+                  </a:defRPr>
+                </a:lvl3pPr>
+                <a:lvl4pPr marL="1600200" indent="-228600" eaLnBrk="0" hangingPunct="0">
+                  <a:defRPr sz="2000">
+                    <a:solidFill>
+                      <a:schemeClr val="tx1"/>
+                    </a:solidFill>
+                    <a:latin typeface="Arial" charset="0"/>
+                    <a:cs typeface="Arial" charset="0"/>
+                  </a:defRPr>
+                </a:lvl4pPr>
+                <a:lvl5pPr marL="2057400" indent="-228600" eaLnBrk="0" hangingPunct="0">
+                  <a:defRPr sz="2000">
+                    <a:solidFill>
+                      <a:schemeClr val="tx1"/>
+                    </a:solidFill>
+                    <a:latin typeface="Arial" charset="0"/>
+                    <a:cs typeface="Arial" charset="0"/>
+                  </a:defRPr>
+                </a:lvl5pPr>
+                <a:lvl6pPr marL="2514600" indent="-228600" eaLnBrk="0" fontAlgn="base" hangingPunct="0">
+                  <a:spcBef>
+                    <a:spcPct val="0"/>
+                  </a:spcBef>
+                  <a:spcAft>
+                    <a:spcPct val="0"/>
+                  </a:spcAft>
+                  <a:defRPr sz="2000">
+                    <a:solidFill>
+                      <a:schemeClr val="tx1"/>
+                    </a:solidFill>
+                    <a:latin typeface="Arial" charset="0"/>
+                    <a:cs typeface="Arial" charset="0"/>
+                  </a:defRPr>
+                </a:lvl6pPr>
+                <a:lvl7pPr marL="2971800" indent="-228600" eaLnBrk="0" fontAlgn="base" hangingPunct="0">
+                  <a:spcBef>
+                    <a:spcPct val="0"/>
+                  </a:spcBef>
+                  <a:spcAft>
+                    <a:spcPct val="0"/>
+                  </a:spcAft>
+                  <a:defRPr sz="2000">
+                    <a:solidFill>
+                      <a:schemeClr val="tx1"/>
+                    </a:solidFill>
+                    <a:latin typeface="Arial" charset="0"/>
+                    <a:cs typeface="Arial" charset="0"/>
+                  </a:defRPr>
+                </a:lvl7pPr>
+                <a:lvl8pPr marL="3429000" indent="-228600" eaLnBrk="0" fontAlgn="base" hangingPunct="0">
+                  <a:spcBef>
+                    <a:spcPct val="0"/>
+                  </a:spcBef>
+                  <a:spcAft>
+                    <a:spcPct val="0"/>
+                  </a:spcAft>
+                  <a:defRPr sz="2000">
+                    <a:solidFill>
+                      <a:schemeClr val="tx1"/>
+                    </a:solidFill>
+                    <a:latin typeface="Arial" charset="0"/>
+                    <a:cs typeface="Arial" charset="0"/>
+                  </a:defRPr>
+                </a:lvl8pPr>
+                <a:lvl9pPr marL="3886200" indent="-228600" eaLnBrk="0" fontAlgn="base" hangingPunct="0">
+                  <a:spcBef>
+                    <a:spcPct val="0"/>
+                  </a:spcBef>
+                  <a:spcAft>
+                    <a:spcPct val="0"/>
+                  </a:spcAft>
+                  <a:defRPr sz="2000">
+                    <a:solidFill>
+                      <a:schemeClr val="tx1"/>
+                    </a:solidFill>
+                    <a:latin typeface="Arial" charset="0"/>
+                    <a:cs typeface="Arial" charset="0"/>
+                  </a:defRPr>
+                </a:lvl9pPr>
+              </a:lstStyle>
+              <a:p>
+                <a:pPr eaLnBrk="1" hangingPunct="1">
+                  <a:spcBef>
+                    <a:spcPct val="50000"/>
+                  </a:spcBef>
+                </a:pPr>
+                <a:r>
+                  <a:rPr lang="en-US" altLang="zh-CN" sz="2400" baseline="-25000">
+                    <a:ea typeface="宋体" charset="-122"/>
+                  </a:rPr>
+                  <a:t>Text</a:t>
+                </a:r>
+              </a:p>
+            </p:txBody>
+          </p:sp>
+        </p:grpSp>
+        <p:grpSp>
+          <p:nvGrpSpPr>
+            <p:cNvPr id="37910" name="Group 189"/>
+            <p:cNvGrpSpPr>
+              <a:grpSpLocks/>
+            </p:cNvGrpSpPr>
+            <p:nvPr/>
+          </p:nvGrpSpPr>
+          <p:grpSpPr bwMode="auto">
+            <a:xfrm>
+              <a:off x="1554" y="2437"/>
+              <a:ext cx="878" cy="874"/>
+              <a:chOff x="1554" y="2437"/>
+              <a:chExt cx="878" cy="874"/>
+            </a:xfrm>
+          </p:grpSpPr>
+          <p:sp>
+            <p:nvSpPr>
+              <p:cNvPr id="37911" name="Oval 180"/>
+              <p:cNvSpPr>
+                <a:spLocks noChangeArrowheads="1"/>
+              </p:cNvSpPr>
+              <p:nvPr/>
+            </p:nvSpPr>
+            <p:spPr bwMode="auto">
+              <a:xfrm>
+                <a:off x="1554" y="2437"/>
+                <a:ext cx="878" cy="874"/>
+              </a:xfrm>
+              <a:prstGeom prst="ellipse">
+                <a:avLst/>
+              </a:prstGeom>
+              <a:gradFill rotWithShape="1">
+                <a:gsLst>
+                  <a:gs pos="0">
+                    <a:srgbClr val="000000"/>
+                  </a:gs>
+                  <a:gs pos="100000">
+                    <a:srgbClr val="040404">
+                      <a:alpha val="0"/>
+                    </a:srgbClr>
+                  </a:gs>
+                </a:gsLst>
+                <a:path path="shape">
+                  <a:fillToRect l="50000" t="50000" r="50000" b="50000"/>
+                </a:path>
+              </a:gradFill>
+              <a:ln>
+                <a:noFill/>
+              </a:ln>
+              <a:extLst>
+                <a:ext uri="{91240B29-F687-4F45-9708-019B960494DF}">
+                  <a14:hiddenLine xmlns:a14="http://schemas.microsoft.com/office/drawing/2010/main" w="9525" algn="ctr">
+                    <a:solidFill>
+                      <a:srgbClr val="000000"/>
+                    </a:solidFill>
+                    <a:miter lim="800000"/>
+                    <a:headEnd/>
+                    <a:tailEnd/>
+                  </a14:hiddenLine>
+                </a:ext>
+              </a:extLst>
+            </p:spPr>
+            <p:txBody>
+              <a:bodyPr wrap="none" anchor="ctr"/>
+              <a:lstStyle/>
+              <a:p>
+                <a:endParaRPr lang="zh-CN" altLang="en-US">
+                  <a:ea typeface="宋体" charset="-122"/>
+                </a:endParaRPr>
+              </a:p>
+            </p:txBody>
+          </p:sp>
+          <p:sp>
+            <p:nvSpPr>
+              <p:cNvPr id="37912" name="Oval 181"/>
+              <p:cNvSpPr>
+                <a:spLocks noChangeArrowheads="1"/>
+              </p:cNvSpPr>
+              <p:nvPr/>
+            </p:nvSpPr>
+            <p:spPr bwMode="auto">
+              <a:xfrm>
+                <a:off x="1688" y="2568"/>
+                <a:ext cx="612" cy="610"/>
+              </a:xfrm>
+              <a:prstGeom prst="ellipse">
+                <a:avLst/>
+              </a:prstGeom>
+              <a:solidFill>
+                <a:srgbClr val="4090D8"/>
+              </a:solidFill>
+              <a:ln>
+                <a:noFill/>
+              </a:ln>
+              <a:extLst>
+                <a:ext uri="{91240B29-F687-4F45-9708-019B960494DF}">
+                  <a14:hiddenLine xmlns:a14="http://schemas.microsoft.com/office/drawing/2010/main" w="9525" algn="ctr">
+                    <a:solidFill>
+                      <a:srgbClr val="000000"/>
+                    </a:solidFill>
+                    <a:miter lim="800000"/>
+                    <a:headEnd/>
+                    <a:tailEnd/>
+                  </a14:hiddenLine>
+                </a:ext>
+              </a:extLst>
+            </p:spPr>
+            <p:txBody>
+              <a:bodyPr wrap="none" anchor="ctr"/>
+              <a:lstStyle/>
+              <a:p>
+                <a:endParaRPr lang="zh-CN" altLang="en-US">
+                  <a:ea typeface="宋体" charset="-122"/>
+                </a:endParaRPr>
+              </a:p>
+            </p:txBody>
+          </p:sp>
+          <p:sp>
+            <p:nvSpPr>
+              <p:cNvPr id="25" name="Oval 182"/>
+              <p:cNvSpPr>
+                <a:spLocks noChangeArrowheads="1"/>
+              </p:cNvSpPr>
+              <p:nvPr/>
+            </p:nvSpPr>
+            <p:spPr bwMode="auto">
+              <a:xfrm>
+                <a:off x="1697" y="2569"/>
+                <a:ext cx="595" cy="610"/>
+              </a:xfrm>
+              <a:prstGeom prst="ellipse">
+                <a:avLst/>
+              </a:prstGeom>
+              <a:gradFill rotWithShape="1">
+                <a:gsLst>
+                  <a:gs pos="0">
+                    <a:schemeClr val="bg1">
+                      <a:alpha val="81000"/>
+                    </a:schemeClr>
+                  </a:gs>
+                  <a:gs pos="50000">
+                    <a:srgbClr val="4D97DB">
+                      <a:alpha val="0"/>
+                    </a:srgbClr>
+                  </a:gs>
+                  <a:gs pos="100000">
+                    <a:schemeClr val="bg1">
+                      <a:alpha val="81000"/>
+                    </a:schemeClr>
+                  </a:gs>
+                </a:gsLst>
+                <a:lin ang="5400000" scaled="1"/>
+              </a:gradFill>
+              <a:ln w="9525" algn="ctr">
+                <a:noFill/>
+                <a:miter lim="800000"/>
+                <a:headEnd/>
+                <a:tailEnd/>
+              </a:ln>
+              <a:effectLst/>
+            </p:spPr>
+            <p:txBody>
+              <a:bodyPr wrap="none" anchor="ctr"/>
+              <a:lstStyle/>
+              <a:p>
+                <a:pPr>
+                  <a:defRPr/>
+                </a:pPr>
+                <a:endParaRPr lang="zh-CN" altLang="en-US">
+                  <a:ea typeface="宋体" pitchFamily="2" charset="-122"/>
+                </a:endParaRPr>
+              </a:p>
+            </p:txBody>
+          </p:sp>
+        </p:grpSp>
+      </p:grpSp>
+      <p:sp>
+        <p:nvSpPr>
+          <p:cNvPr id="37893" name="Line 219"/>
+          <p:cNvSpPr>
+            <a:spLocks noChangeShapeType="1"/>
+          </p:cNvSpPr>
+          <p:nvPr/>
+        </p:nvSpPr>
+        <p:spPr bwMode="auto">
+          <a:xfrm flipH="1">
+            <a:off x="785813" y="3101975"/>
+            <a:ext cx="2527300" cy="11113"/>
+          </a:xfrm>
+          <a:prstGeom prst="line">
+            <a:avLst/>
+          </a:prstGeom>
+          <a:noFill/>
+          <a:ln w="25400">
+            <a:solidFill>
+              <a:schemeClr val="tx1"/>
+            </a:solidFill>
+            <a:prstDash val="sysDot"/>
+            <a:round/>
+            <a:headEnd type="triangle" w="lg" len="med"/>
+            <a:tailEnd/>
+          </a:ln>
+          <a:extLst>
+            <a:ext uri="{909E8E84-426E-40DD-AFC4-6F175D3DCCD1}">
+              <a14:hiddenFill xmlns:a14="http://schemas.microsoft.com/office/drawing/2010/main">
+                <a:noFill/>
+              </a14:hiddenFill>
+            </a:ext>
+          </a:extLst>
+        </p:spPr>
+        <p:txBody>
+          <a:bodyPr wrap="none" anchor="ctr"/>
+          <a:lstStyle/>
+          <a:p>
+            <a:endParaRPr lang="zh-CN" altLang="en-US"/>
+          </a:p>
+        </p:txBody>
+      </p:sp>
+      <p:sp>
+        <p:nvSpPr>
+          <p:cNvPr id="37894" name="Text Box 221"/>
+          <p:cNvSpPr txBox="1">
+            <a:spLocks noChangeArrowheads="1"/>
+          </p:cNvSpPr>
+          <p:nvPr/>
+        </p:nvSpPr>
+        <p:spPr bwMode="auto">
+          <a:xfrm>
+            <a:off x="785813" y="2698750"/>
+            <a:ext cx="2500312" cy="379413"/>
+          </a:xfrm>
+          <a:prstGeom prst="rect">
+            <a:avLst/>
+          </a:prstGeom>
+          <a:noFill/>
+          <a:ln>
+            <a:noFill/>
+          </a:ln>
+          <a:extLst>
+            <a:ext uri="{909E8E84-426E-40DD-AFC4-6F175D3DCCD1}">
+              <a14:hiddenFill xmlns:a14="http://schemas.microsoft.com/office/drawing/2010/main">
+                <a:solidFill>
+                  <a:srgbClr val="FFFFFF"/>
+                </a:solidFill>
+              </a14:hiddenFill>
+            </a:ext>
+            <a:ext uri="{91240B29-F687-4F45-9708-019B960494DF}">
+              <a14:hiddenLine xmlns:a14="http://schemas.microsoft.com/office/drawing/2010/main" w="31750" algn="ctr">
+                <a:solidFill>
+                  <a:srgbClr val="000000"/>
+                </a:solidFill>
+                <a:miter lim="800000"/>
+                <a:headEnd/>
+                <a:tailEnd/>
+              </a14:hiddenLine>
+            </a:ext>
+          </a:extLst>
+        </p:spPr>
+        <p:txBody>
+          <a:bodyPr>
+            <a:spAutoFit/>
+          </a:bodyPr>
+          <a:lstStyle>
+            <a:lvl1pPr eaLnBrk="0" hangingPunct="0">
+              <a:defRPr sz="2000">
+                <a:solidFill>
+                  <a:schemeClr val="tx1"/>
+                </a:solidFill>
+                <a:latin typeface="Arial" charset="0"/>
+                <a:cs typeface="Arial" charset="0"/>
+              </a:defRPr>
+            </a:lvl1pPr>
+            <a:lvl2pPr marL="742950" indent="-285750" eaLnBrk="0" hangingPunct="0">
+              <a:defRPr sz="2000">
+                <a:solidFill>
+                  <a:schemeClr val="tx1"/>
+                </a:solidFill>
+                <a:latin typeface="Arial" charset="0"/>
+                <a:cs typeface="Arial" charset="0"/>
+              </a:defRPr>
+            </a:lvl2pPr>
+            <a:lvl3pPr marL="1143000" indent="-228600" eaLnBrk="0" hangingPunct="0">
+              <a:defRPr sz="2000">
+                <a:solidFill>
+                  <a:schemeClr val="tx1"/>
+                </a:solidFill>
+                <a:latin typeface="Arial" charset="0"/>
+                <a:cs typeface="Arial" charset="0"/>
+              </a:defRPr>
+            </a:lvl3pPr>
+            <a:lvl4pPr marL="1600200" indent="-228600" eaLnBrk="0" hangingPunct="0">
+              <a:defRPr sz="2000">
+                <a:solidFill>
+                  <a:schemeClr val="tx1"/>
+                </a:solidFill>
+                <a:latin typeface="Arial" charset="0"/>
+                <a:cs typeface="Arial" charset="0"/>
+              </a:defRPr>
+            </a:lvl4pPr>
+            <a:lvl5pPr marL="2057400" indent="-228600" eaLnBrk="0" hangingPunct="0">
+              <a:defRPr sz="2000">
+                <a:solidFill>
+                  <a:schemeClr val="tx1"/>
+                </a:solidFill>
+                <a:latin typeface="Arial" charset="0"/>
+                <a:cs typeface="Arial" charset="0"/>
+              </a:defRPr>
+            </a:lvl5pPr>
+            <a:lvl6pPr marL="2514600" indent="-228600" eaLnBrk="0" fontAlgn="base" hangingPunct="0">
+              <a:spcBef>
+                <a:spcPct val="0"/>
+              </a:spcBef>
+              <a:spcAft>
+                <a:spcPct val="0"/>
+              </a:spcAft>
+              <a:defRPr sz="2000">
+                <a:solidFill>
+                  <a:schemeClr val="tx1"/>
+                </a:solidFill>
+                <a:latin typeface="Arial" charset="0"/>
+                <a:cs typeface="Arial" charset="0"/>
+              </a:defRPr>
+            </a:lvl6pPr>
+            <a:lvl7pPr marL="2971800" indent="-228600" eaLnBrk="0" fontAlgn="base" hangingPunct="0">
+              <a:spcBef>
+                <a:spcPct val="0"/>
+              </a:spcBef>
+              <a:spcAft>
+                <a:spcPct val="0"/>
+              </a:spcAft>
+              <a:defRPr sz="2000">
+                <a:solidFill>
+                  <a:schemeClr val="tx1"/>
+                </a:solidFill>
+                <a:latin typeface="Arial" charset="0"/>
+                <a:cs typeface="Arial" charset="0"/>
+              </a:defRPr>
+            </a:lvl7pPr>
+            <a:lvl8pPr marL="3429000" indent="-228600" eaLnBrk="0" fontAlgn="base" hangingPunct="0">
+              <a:spcBef>
+                <a:spcPct val="0"/>
+              </a:spcBef>
+              <a:spcAft>
+                <a:spcPct val="0"/>
+              </a:spcAft>
+              <a:defRPr sz="2000">
+                <a:solidFill>
+                  <a:schemeClr val="tx1"/>
+                </a:solidFill>
+                <a:latin typeface="Arial" charset="0"/>
+                <a:cs typeface="Arial" charset="0"/>
+              </a:defRPr>
+            </a:lvl8pPr>
+            <a:lvl9pPr marL="3886200" indent="-228600" eaLnBrk="0" fontAlgn="base" hangingPunct="0">
+              <a:spcBef>
+                <a:spcPct val="0"/>
+              </a:spcBef>
+              <a:spcAft>
+                <a:spcPct val="0"/>
+              </a:spcAft>
+              <a:defRPr sz="2000">
+                <a:solidFill>
+                  <a:schemeClr val="tx1"/>
+                </a:solidFill>
+                <a:latin typeface="Arial" charset="0"/>
+                <a:cs typeface="Arial" charset="0"/>
+              </a:defRPr>
+            </a:lvl9pPr>
+          </a:lstStyle>
+          <a:p>
+            <a:pPr eaLnBrk="1" hangingPunct="1">
+              <a:spcBef>
+                <a:spcPct val="50000"/>
+              </a:spcBef>
+            </a:pPr>
+            <a:r>
+              <a:rPr lang="zh-CN" altLang="en-US" sz="2800" b="1" baseline="-25000">
+                <a:solidFill>
+                  <a:srgbClr val="333333"/>
+                </a:solidFill>
+                <a:latin typeface="微软雅黑" pitchFamily="34" charset="-122"/>
+                <a:ea typeface="微软雅黑" pitchFamily="34" charset="-122"/>
+              </a:rPr>
+              <a:t>建立全球电话服务网</a:t>
+            </a:r>
+            <a:endParaRPr lang="en-US" altLang="zh-CN" sz="2800" b="1" baseline="-25000">
+              <a:solidFill>
+                <a:srgbClr val="333333"/>
+              </a:solidFill>
+              <a:latin typeface="微软雅黑" pitchFamily="34" charset="-122"/>
+              <a:ea typeface="微软雅黑" pitchFamily="34" charset="-122"/>
+            </a:endParaRPr>
+          </a:p>
+        </p:txBody>
+      </p:sp>
+      <p:sp>
+        <p:nvSpPr>
+          <p:cNvPr id="37895" name="Line 222"/>
+          <p:cNvSpPr>
+            <a:spLocks noChangeShapeType="1"/>
+          </p:cNvSpPr>
+          <p:nvPr/>
+        </p:nvSpPr>
+        <p:spPr bwMode="auto">
+          <a:xfrm flipH="1">
+            <a:off x="514350" y="5292725"/>
+            <a:ext cx="2012950" cy="0"/>
+          </a:xfrm>
+          <a:prstGeom prst="line">
+            <a:avLst/>
+          </a:prstGeom>
+          <a:noFill/>
+          <a:ln w="25400">
+            <a:solidFill>
+              <a:schemeClr val="tx1"/>
+            </a:solidFill>
+            <a:prstDash val="sysDot"/>
+            <a:round/>
+            <a:headEnd type="triangle" w="lg" len="med"/>
+            <a:tailEnd/>
+          </a:ln>
+          <a:extLst>
+            <a:ext uri="{909E8E84-426E-40DD-AFC4-6F175D3DCCD1}">
+              <a14:hiddenFill xmlns:a14="http://schemas.microsoft.com/office/drawing/2010/main">
+                <a:noFill/>
+              </a14:hiddenFill>
+            </a:ext>
+          </a:extLst>
+        </p:spPr>
+        <p:txBody>
+          <a:bodyPr wrap="none" anchor="ctr"/>
+          <a:lstStyle/>
+          <a:p>
+            <a:endParaRPr lang="zh-CN" altLang="en-US"/>
+          </a:p>
+        </p:txBody>
+      </p:sp>
+      <p:sp>
+        <p:nvSpPr>
+          <p:cNvPr id="37896" name="Text Box 223"/>
+          <p:cNvSpPr txBox="1">
+            <a:spLocks noChangeArrowheads="1"/>
+          </p:cNvSpPr>
+          <p:nvPr/>
+        </p:nvSpPr>
+        <p:spPr bwMode="auto">
+          <a:xfrm>
+            <a:off x="-103188" y="4889500"/>
+            <a:ext cx="2889251" cy="379413"/>
+          </a:xfrm>
+          <a:prstGeom prst="rect">
+            <a:avLst/>
+          </a:prstGeom>
+          <a:noFill/>
+          <a:ln>
+            <a:noFill/>
+          </a:ln>
+          <a:extLst>
+            <a:ext uri="{909E8E84-426E-40DD-AFC4-6F175D3DCCD1}">
+              <a14:hiddenFill xmlns:a14="http://schemas.microsoft.com/office/drawing/2010/main">
+                <a:solidFill>
+                  <a:srgbClr val="FFFFFF"/>
+                </a:solidFill>
+              </a14:hiddenFill>
+            </a:ext>
+            <a:ext uri="{91240B29-F687-4F45-9708-019B960494DF}">
+              <a14:hiddenLine xmlns:a14="http://schemas.microsoft.com/office/drawing/2010/main" w="31750" algn="ctr">
+                <a:solidFill>
+                  <a:srgbClr val="000000"/>
+                </a:solidFill>
+                <a:miter lim="800000"/>
+                <a:headEnd/>
+                <a:tailEnd/>
+              </a14:hiddenLine>
+            </a:ext>
+          </a:extLst>
+        </p:spPr>
+        <p:txBody>
+          <a:bodyPr>
+            <a:spAutoFit/>
+          </a:bodyPr>
+          <a:lstStyle>
+            <a:lvl1pPr eaLnBrk="0" hangingPunct="0">
+              <a:defRPr sz="2000">
+                <a:solidFill>
+                  <a:schemeClr val="tx1"/>
+                </a:solidFill>
+                <a:latin typeface="Arial" charset="0"/>
+                <a:cs typeface="Arial" charset="0"/>
+              </a:defRPr>
+            </a:lvl1pPr>
+            <a:lvl2pPr marL="742950" indent="-285750" eaLnBrk="0" hangingPunct="0">
+              <a:defRPr sz="2000">
+                <a:solidFill>
+                  <a:schemeClr val="tx1"/>
+                </a:solidFill>
+                <a:latin typeface="Arial" charset="0"/>
+                <a:cs typeface="Arial" charset="0"/>
+              </a:defRPr>
+            </a:lvl2pPr>
+            <a:lvl3pPr marL="1143000" indent="-228600" eaLnBrk="0" hangingPunct="0">
+              <a:defRPr sz="2000">
+                <a:solidFill>
+                  <a:schemeClr val="tx1"/>
+                </a:solidFill>
+                <a:latin typeface="Arial" charset="0"/>
+                <a:cs typeface="Arial" charset="0"/>
+              </a:defRPr>
+            </a:lvl3pPr>
+            <a:lvl4pPr marL="1600200" indent="-228600" eaLnBrk="0" hangingPunct="0">
+              <a:defRPr sz="2000">
+                <a:solidFill>
+                  <a:schemeClr val="tx1"/>
+                </a:solidFill>
+                <a:latin typeface="Arial" charset="0"/>
+                <a:cs typeface="Arial" charset="0"/>
+              </a:defRPr>
+            </a:lvl4pPr>
+            <a:lvl5pPr marL="2057400" indent="-228600" eaLnBrk="0" hangingPunct="0">
+              <a:defRPr sz="2000">
+                <a:solidFill>
+                  <a:schemeClr val="tx1"/>
+                </a:solidFill>
+                <a:latin typeface="Arial" charset="0"/>
+                <a:cs typeface="Arial" charset="0"/>
+              </a:defRPr>
+            </a:lvl5pPr>
+            <a:lvl6pPr marL="2514600" indent="-228600" eaLnBrk="0" fontAlgn="base" hangingPunct="0">
+              <a:spcBef>
+                <a:spcPct val="0"/>
+              </a:spcBef>
+              <a:spcAft>
+                <a:spcPct val="0"/>
+              </a:spcAft>
+              <a:defRPr sz="2000">
+                <a:solidFill>
+                  <a:schemeClr val="tx1"/>
+                </a:solidFill>
+                <a:latin typeface="Arial" charset="0"/>
+                <a:cs typeface="Arial" charset="0"/>
+              </a:defRPr>
+            </a:lvl6pPr>
+            <a:lvl7pPr marL="2971800" indent="-228600" eaLnBrk="0" fontAlgn="base" hangingPunct="0">
+              <a:spcBef>
+                <a:spcPct val="0"/>
+              </a:spcBef>
+              <a:spcAft>
+                <a:spcPct val="0"/>
+              </a:spcAft>
+              <a:defRPr sz="2000">
+                <a:solidFill>
+                  <a:schemeClr val="tx1"/>
+                </a:solidFill>
+                <a:latin typeface="Arial" charset="0"/>
+                <a:cs typeface="Arial" charset="0"/>
+              </a:defRPr>
+            </a:lvl7pPr>
+            <a:lvl8pPr marL="3429000" indent="-228600" eaLnBrk="0" fontAlgn="base" hangingPunct="0">
+              <a:spcBef>
+                <a:spcPct val="0"/>
+              </a:spcBef>
+              <a:spcAft>
+                <a:spcPct val="0"/>
+              </a:spcAft>
+              <a:defRPr sz="2000">
+                <a:solidFill>
+                  <a:schemeClr val="tx1"/>
+                </a:solidFill>
+                <a:latin typeface="Arial" charset="0"/>
+                <a:cs typeface="Arial" charset="0"/>
+              </a:defRPr>
+            </a:lvl8pPr>
+            <a:lvl9pPr marL="3886200" indent="-228600" eaLnBrk="0" fontAlgn="base" hangingPunct="0">
+              <a:spcBef>
+                <a:spcPct val="0"/>
+              </a:spcBef>
+              <a:spcAft>
+                <a:spcPct val="0"/>
+              </a:spcAft>
+              <a:defRPr sz="2000">
+                <a:solidFill>
+                  <a:schemeClr val="tx1"/>
+                </a:solidFill>
+                <a:latin typeface="Arial" charset="0"/>
+                <a:cs typeface="Arial" charset="0"/>
+              </a:defRPr>
+            </a:lvl9pPr>
+          </a:lstStyle>
+          <a:p>
+            <a:pPr eaLnBrk="1" hangingPunct="1">
+              <a:spcBef>
+                <a:spcPct val="50000"/>
+              </a:spcBef>
+            </a:pPr>
+            <a:r>
+              <a:rPr lang="zh-CN" altLang="en-US" sz="2800" b="1" baseline="-25000">
+                <a:solidFill>
+                  <a:srgbClr val="333333"/>
+                </a:solidFill>
+                <a:latin typeface="微软雅黑" pitchFamily="34" charset="-122"/>
+                <a:ea typeface="微软雅黑" pitchFamily="34" charset="-122"/>
+              </a:rPr>
+              <a:t>成为全球的超级娱乐公司</a:t>
+            </a:r>
+            <a:endParaRPr lang="en-US" altLang="zh-CN" sz="2800" b="1" baseline="-25000">
+              <a:solidFill>
+                <a:srgbClr val="333333"/>
+              </a:solidFill>
+              <a:latin typeface="微软雅黑" pitchFamily="34" charset="-122"/>
+              <a:ea typeface="微软雅黑" pitchFamily="34" charset="-122"/>
+            </a:endParaRPr>
+          </a:p>
+        </p:txBody>
+      </p:sp>
+      <p:sp>
+        <p:nvSpPr>
+          <p:cNvPr id="37897" name="Line 224"/>
+          <p:cNvSpPr>
+            <a:spLocks noChangeShapeType="1"/>
+          </p:cNvSpPr>
+          <p:nvPr/>
+        </p:nvSpPr>
+        <p:spPr bwMode="auto">
+          <a:xfrm flipH="1">
+            <a:off x="6713538" y="3902075"/>
+            <a:ext cx="2000250" cy="0"/>
+          </a:xfrm>
+          <a:prstGeom prst="line">
+            <a:avLst/>
+          </a:prstGeom>
+          <a:noFill/>
+          <a:ln w="25400">
+            <a:solidFill>
+              <a:schemeClr val="tx1"/>
+            </a:solidFill>
+            <a:prstDash val="sysDot"/>
+            <a:round/>
+            <a:headEnd type="none" w="lg" len="med"/>
+            <a:tailEnd type="triangle" w="lg" len="med"/>
+          </a:ln>
+          <a:extLst>
+            <a:ext uri="{909E8E84-426E-40DD-AFC4-6F175D3DCCD1}">
+              <a14:hiddenFill xmlns:a14="http://schemas.microsoft.com/office/drawing/2010/main">
+                <a:noFill/>
+              </a14:hiddenFill>
+            </a:ext>
+          </a:extLst>
+        </p:spPr>
+        <p:txBody>
+          <a:bodyPr wrap="none" anchor="ctr"/>
+          <a:lstStyle/>
+          <a:p>
+            <a:endParaRPr lang="zh-CN" altLang="en-US"/>
+          </a:p>
+        </p:txBody>
+      </p:sp>
+      <p:sp>
+        <p:nvSpPr>
+          <p:cNvPr id="37898" name="Text Box 225"/>
+          <p:cNvSpPr txBox="1">
+            <a:spLocks noChangeArrowheads="1"/>
+          </p:cNvSpPr>
+          <p:nvPr/>
+        </p:nvSpPr>
+        <p:spPr bwMode="auto">
+          <a:xfrm>
+            <a:off x="6467475" y="3478213"/>
+            <a:ext cx="2863850" cy="379412"/>
+          </a:xfrm>
+          <a:prstGeom prst="rect">
+            <a:avLst/>
+          </a:prstGeom>
+          <a:noFill/>
+          <a:ln>
+            <a:noFill/>
+          </a:ln>
+          <a:extLst>
+            <a:ext uri="{909E8E84-426E-40DD-AFC4-6F175D3DCCD1}">
+              <a14:hiddenFill xmlns:a14="http://schemas.microsoft.com/office/drawing/2010/main">
+                <a:solidFill>
+                  <a:srgbClr val="FFFFFF"/>
+                </a:solidFill>
+              </a14:hiddenFill>
+            </a:ext>
+            <a:ext uri="{91240B29-F687-4F45-9708-019B960494DF}">
+              <a14:hiddenLine xmlns:a14="http://schemas.microsoft.com/office/drawing/2010/main" w="31750" algn="ctr">
+                <a:solidFill>
+                  <a:srgbClr val="000000"/>
+                </a:solidFill>
+                <a:miter lim="800000"/>
+                <a:headEnd/>
+                <a:tailEnd/>
+              </a14:hiddenLine>
+            </a:ext>
+          </a:extLst>
+        </p:spPr>
+        <p:txBody>
+          <a:bodyPr>
+            <a:spAutoFit/>
+          </a:bodyPr>
+          <a:lstStyle>
+            <a:lvl1pPr eaLnBrk="0" hangingPunct="0">
+              <a:defRPr sz="2000">
+                <a:solidFill>
+                  <a:schemeClr val="tx1"/>
+                </a:solidFill>
+                <a:latin typeface="Arial" charset="0"/>
+                <a:cs typeface="Arial" charset="0"/>
+              </a:defRPr>
+            </a:lvl1pPr>
+            <a:lvl2pPr marL="742950" indent="-285750" eaLnBrk="0" hangingPunct="0">
+              <a:defRPr sz="2000">
+                <a:solidFill>
+                  <a:schemeClr val="tx1"/>
+                </a:solidFill>
+                <a:latin typeface="Arial" charset="0"/>
+                <a:cs typeface="Arial" charset="0"/>
+              </a:defRPr>
+            </a:lvl2pPr>
+            <a:lvl3pPr marL="1143000" indent="-228600" eaLnBrk="0" hangingPunct="0">
+              <a:defRPr sz="2000">
+                <a:solidFill>
+                  <a:schemeClr val="tx1"/>
+                </a:solidFill>
+                <a:latin typeface="Arial" charset="0"/>
+                <a:cs typeface="Arial" charset="0"/>
+              </a:defRPr>
+            </a:lvl3pPr>
+            <a:lvl4pPr marL="1600200" indent="-228600" eaLnBrk="0" hangingPunct="0">
+              <a:defRPr sz="2000">
+                <a:solidFill>
+                  <a:schemeClr val="tx1"/>
+                </a:solidFill>
+                <a:latin typeface="Arial" charset="0"/>
+                <a:cs typeface="Arial" charset="0"/>
+              </a:defRPr>
+            </a:lvl4pPr>
+            <a:lvl5pPr marL="2057400" indent="-228600" eaLnBrk="0" hangingPunct="0">
+              <a:defRPr sz="2000">
+                <a:solidFill>
+                  <a:schemeClr val="tx1"/>
+                </a:solidFill>
+                <a:latin typeface="Arial" charset="0"/>
+                <a:cs typeface="Arial" charset="0"/>
+              </a:defRPr>
+            </a:lvl5pPr>
+            <a:lvl6pPr marL="2514600" indent="-228600" eaLnBrk="0" fontAlgn="base" hangingPunct="0">
+              <a:spcBef>
+                <a:spcPct val="0"/>
+              </a:spcBef>
+              <a:spcAft>
+                <a:spcPct val="0"/>
+              </a:spcAft>
+              <a:defRPr sz="2000">
+                <a:solidFill>
+                  <a:schemeClr val="tx1"/>
+                </a:solidFill>
+                <a:latin typeface="Arial" charset="0"/>
+                <a:cs typeface="Arial" charset="0"/>
+              </a:defRPr>
+            </a:lvl6pPr>
+            <a:lvl7pPr marL="2971800" indent="-228600" eaLnBrk="0" fontAlgn="base" hangingPunct="0">
+              <a:spcBef>
+                <a:spcPct val="0"/>
+              </a:spcBef>
+              <a:spcAft>
+                <a:spcPct val="0"/>
+              </a:spcAft>
+              <a:defRPr sz="2000">
+                <a:solidFill>
+                  <a:schemeClr val="tx1"/>
+                </a:solidFill>
+                <a:latin typeface="Arial" charset="0"/>
+                <a:cs typeface="Arial" charset="0"/>
+              </a:defRPr>
+            </a:lvl7pPr>
+            <a:lvl8pPr marL="3429000" indent="-228600" eaLnBrk="0" fontAlgn="base" hangingPunct="0">
+              <a:spcBef>
+                <a:spcPct val="0"/>
+              </a:spcBef>
+              <a:spcAft>
+                <a:spcPct val="0"/>
+              </a:spcAft>
+              <a:defRPr sz="2000">
+                <a:solidFill>
+                  <a:schemeClr val="tx1"/>
+                </a:solidFill>
+                <a:latin typeface="Arial" charset="0"/>
+                <a:cs typeface="Arial" charset="0"/>
+              </a:defRPr>
+            </a:lvl8pPr>
+            <a:lvl9pPr marL="3886200" indent="-228600" eaLnBrk="0" fontAlgn="base" hangingPunct="0">
+              <a:spcBef>
+                <a:spcPct val="0"/>
+              </a:spcBef>
+              <a:spcAft>
+                <a:spcPct val="0"/>
+              </a:spcAft>
+              <a:defRPr sz="2000">
+                <a:solidFill>
+                  <a:schemeClr val="tx1"/>
+                </a:solidFill>
+                <a:latin typeface="Arial" charset="0"/>
+                <a:cs typeface="Arial" charset="0"/>
+              </a:defRPr>
+            </a:lvl9pPr>
+          </a:lstStyle>
+          <a:p>
+            <a:pPr eaLnBrk="1" hangingPunct="1">
+              <a:spcBef>
+                <a:spcPct val="50000"/>
+              </a:spcBef>
+            </a:pPr>
+            <a:r>
+              <a:rPr lang="zh-CN" altLang="en-US" sz="2800" b="1" baseline="-25000">
+                <a:solidFill>
+                  <a:srgbClr val="333333"/>
+                </a:solidFill>
+                <a:latin typeface="微软雅黑" pitchFamily="34" charset="-122"/>
+                <a:ea typeface="微软雅黑" pitchFamily="34" charset="-122"/>
+              </a:rPr>
+              <a:t>让每个家庭都有一辆汽车</a:t>
+            </a:r>
+            <a:endParaRPr lang="en-US" altLang="zh-CN" sz="2800" b="1" baseline="-25000">
+              <a:solidFill>
+                <a:srgbClr val="333333"/>
+              </a:solidFill>
+              <a:latin typeface="微软雅黑" pitchFamily="34" charset="-122"/>
+              <a:ea typeface="微软雅黑" pitchFamily="34" charset="-122"/>
+            </a:endParaRPr>
+          </a:p>
+        </p:txBody>
+      </p:sp>
+      <p:sp>
+        <p:nvSpPr>
+          <p:cNvPr id="37899" name="Line 226"/>
+          <p:cNvSpPr>
+            <a:spLocks noChangeShapeType="1"/>
+          </p:cNvSpPr>
+          <p:nvPr/>
+        </p:nvSpPr>
+        <p:spPr bwMode="auto">
+          <a:xfrm flipH="1">
+            <a:off x="6037263" y="6076950"/>
+            <a:ext cx="2000250" cy="0"/>
+          </a:xfrm>
+          <a:prstGeom prst="line">
+            <a:avLst/>
+          </a:prstGeom>
+          <a:noFill/>
+          <a:ln w="25400">
+            <a:solidFill>
+              <a:schemeClr val="tx1"/>
+            </a:solidFill>
+            <a:prstDash val="sysDot"/>
+            <a:round/>
+            <a:headEnd type="none" w="lg" len="med"/>
+            <a:tailEnd type="triangle" w="lg" len="med"/>
+          </a:ln>
+          <a:extLst>
+            <a:ext uri="{909E8E84-426E-40DD-AFC4-6F175D3DCCD1}">
+              <a14:hiddenFill xmlns:a14="http://schemas.microsoft.com/office/drawing/2010/main">
+                <a:noFill/>
+              </a14:hiddenFill>
+            </a:ext>
+          </a:extLst>
+        </p:spPr>
+        <p:txBody>
+          <a:bodyPr wrap="none" anchor="ctr"/>
+          <a:lstStyle/>
+          <a:p>
+            <a:endParaRPr lang="zh-CN" altLang="en-US"/>
+          </a:p>
+        </p:txBody>
+      </p:sp>
+      <p:sp>
+        <p:nvSpPr>
+          <p:cNvPr id="37900" name="Text Box 227"/>
+          <p:cNvSpPr txBox="1">
+            <a:spLocks noChangeArrowheads="1"/>
+          </p:cNvSpPr>
+          <p:nvPr/>
+        </p:nvSpPr>
+        <p:spPr bwMode="auto">
+          <a:xfrm>
+            <a:off x="6038850" y="5662613"/>
+            <a:ext cx="3248025" cy="379412"/>
+          </a:xfrm>
+          <a:prstGeom prst="rect">
+            <a:avLst/>
+          </a:prstGeom>
+          <a:noFill/>
+          <a:ln>
+            <a:noFill/>
+          </a:ln>
+          <a:extLst>
+            <a:ext uri="{909E8E84-426E-40DD-AFC4-6F175D3DCCD1}">
+              <a14:hiddenFill xmlns:a14="http://schemas.microsoft.com/office/drawing/2010/main">
+                <a:solidFill>
+                  <a:srgbClr val="FFFFFF"/>
+                </a:solidFill>
+              </a14:hiddenFill>
+            </a:ext>
+            <a:ext uri="{91240B29-F687-4F45-9708-019B960494DF}">
+              <a14:hiddenLine xmlns:a14="http://schemas.microsoft.com/office/drawing/2010/main" w="31750" algn="ctr">
+                <a:solidFill>
+                  <a:srgbClr val="000000"/>
+                </a:solidFill>
+                <a:miter lim="800000"/>
+                <a:headEnd/>
+                <a:tailEnd/>
+              </a14:hiddenLine>
+            </a:ext>
+          </a:extLst>
+        </p:spPr>
+        <p:txBody>
+          <a:bodyPr>
+            <a:spAutoFit/>
+          </a:bodyPr>
+          <a:lstStyle>
+            <a:lvl1pPr eaLnBrk="0" hangingPunct="0">
+              <a:defRPr sz="2000">
+                <a:solidFill>
+                  <a:schemeClr val="tx1"/>
+                </a:solidFill>
+                <a:latin typeface="Arial" charset="0"/>
+                <a:cs typeface="Arial" charset="0"/>
+              </a:defRPr>
+            </a:lvl1pPr>
+            <a:lvl2pPr marL="742950" indent="-285750" eaLnBrk="0" hangingPunct="0">
+              <a:defRPr sz="2000">
+                <a:solidFill>
+                  <a:schemeClr val="tx1"/>
+                </a:solidFill>
+                <a:latin typeface="Arial" charset="0"/>
+                <a:cs typeface="Arial" charset="0"/>
+              </a:defRPr>
+            </a:lvl2pPr>
+            <a:lvl3pPr marL="1143000" indent="-228600" eaLnBrk="0" hangingPunct="0">
+              <a:defRPr sz="2000">
+                <a:solidFill>
+                  <a:schemeClr val="tx1"/>
+                </a:solidFill>
+                <a:latin typeface="Arial" charset="0"/>
+                <a:cs typeface="Arial" charset="0"/>
+              </a:defRPr>
+            </a:lvl3pPr>
+            <a:lvl4pPr marL="1600200" indent="-228600" eaLnBrk="0" hangingPunct="0">
+              <a:defRPr sz="2000">
+                <a:solidFill>
+                  <a:schemeClr val="tx1"/>
+                </a:solidFill>
+                <a:latin typeface="Arial" charset="0"/>
+                <a:cs typeface="Arial" charset="0"/>
+              </a:defRPr>
+            </a:lvl4pPr>
+            <a:lvl5pPr marL="2057400" indent="-228600" eaLnBrk="0" hangingPunct="0">
+              <a:defRPr sz="2000">
+                <a:solidFill>
+                  <a:schemeClr val="tx1"/>
+                </a:solidFill>
+                <a:latin typeface="Arial" charset="0"/>
+                <a:cs typeface="Arial" charset="0"/>
+              </a:defRPr>
+            </a:lvl5pPr>
+            <a:lvl6pPr marL="2514600" indent="-228600" eaLnBrk="0" fontAlgn="base" hangingPunct="0">
+              <a:spcBef>
+                <a:spcPct val="0"/>
+              </a:spcBef>
+              <a:spcAft>
+                <a:spcPct val="0"/>
+              </a:spcAft>
+              <a:defRPr sz="2000">
+                <a:solidFill>
+                  <a:schemeClr val="tx1"/>
+                </a:solidFill>
+                <a:latin typeface="Arial" charset="0"/>
+                <a:cs typeface="Arial" charset="0"/>
+              </a:defRPr>
+            </a:lvl6pPr>
+            <a:lvl7pPr marL="2971800" indent="-228600" eaLnBrk="0" fontAlgn="base" hangingPunct="0">
+              <a:spcBef>
+                <a:spcPct val="0"/>
+              </a:spcBef>
+              <a:spcAft>
+                <a:spcPct val="0"/>
+              </a:spcAft>
+              <a:defRPr sz="2000">
+                <a:solidFill>
+                  <a:schemeClr val="tx1"/>
+                </a:solidFill>
+                <a:latin typeface="Arial" charset="0"/>
+                <a:cs typeface="Arial" charset="0"/>
+              </a:defRPr>
+            </a:lvl7pPr>
+            <a:lvl8pPr marL="3429000" indent="-228600" eaLnBrk="0" fontAlgn="base" hangingPunct="0">
+              <a:spcBef>
+                <a:spcPct val="0"/>
+              </a:spcBef>
+              <a:spcAft>
+                <a:spcPct val="0"/>
+              </a:spcAft>
+              <a:defRPr sz="2000">
+                <a:solidFill>
+                  <a:schemeClr val="tx1"/>
+                </a:solidFill>
+                <a:latin typeface="Arial" charset="0"/>
+                <a:cs typeface="Arial" charset="0"/>
+              </a:defRPr>
+            </a:lvl8pPr>
+            <a:lvl9pPr marL="3886200" indent="-228600" eaLnBrk="0" fontAlgn="base" hangingPunct="0">
+              <a:spcBef>
+                <a:spcPct val="0"/>
+              </a:spcBef>
+              <a:spcAft>
+                <a:spcPct val="0"/>
+              </a:spcAft>
+              <a:defRPr sz="2000">
+                <a:solidFill>
+                  <a:schemeClr val="tx1"/>
+                </a:solidFill>
+                <a:latin typeface="Arial" charset="0"/>
+                <a:cs typeface="Arial" charset="0"/>
+              </a:defRPr>
+            </a:lvl9pPr>
+          </a:lstStyle>
+          <a:p>
+            <a:pPr eaLnBrk="1" hangingPunct="1">
+              <a:spcBef>
+                <a:spcPct val="50000"/>
+              </a:spcBef>
+            </a:pPr>
+            <a:r>
+              <a:rPr lang="zh-CN" altLang="en-US" sz="2800" b="1" baseline="-25000">
+                <a:solidFill>
+                  <a:srgbClr val="333333"/>
+                </a:solidFill>
+                <a:latin typeface="微软雅黑" pitchFamily="34" charset="-122"/>
+                <a:ea typeface="微软雅黑" pitchFamily="34" charset="-122"/>
+              </a:rPr>
+              <a:t>让每个桌面都有一台计算机</a:t>
+            </a:r>
+            <a:endParaRPr lang="en-US" altLang="zh-CN" sz="2800" b="1" baseline="-25000">
+              <a:solidFill>
+                <a:srgbClr val="333333"/>
+              </a:solidFill>
+              <a:latin typeface="微软雅黑" pitchFamily="34" charset="-122"/>
+              <a:ea typeface="微软雅黑" pitchFamily="34" charset="-122"/>
+            </a:endParaRPr>
+          </a:p>
+        </p:txBody>
+      </p:sp>
+      <p:pic>
+        <p:nvPicPr>
+          <p:cNvPr id="37901" name="Picture 3"/>
+          <p:cNvPicPr>
+            <a:picLocks noChangeAspect="1" noChangeArrowheads="1"/>
+          </p:cNvPicPr>
+          <p:nvPr/>
+        </p:nvPicPr>
+        <p:blipFill>
+          <a:blip r:embed="rId2">
+            <a:extLst>
+              <a:ext uri="{28A0092B-C50C-407E-A947-70E740481C1C}">
+                <a14:useLocalDpi xmlns:a14="http://schemas.microsoft.com/office/drawing/2010/main" val="0"/>
+              </a:ext>
+            </a:extLst>
+          </a:blip>
+          <a:srcRect/>
+          <a:stretch>
+            <a:fillRect/>
+          </a:stretch>
+        </p:blipFill>
+        <p:spPr bwMode="auto">
+          <a:xfrm>
+            <a:off x="5715000" y="3627438"/>
+            <a:ext cx="785813" cy="292100"/>
+          </a:xfrm>
+          <a:prstGeom prst="rect">
+            <a:avLst/>
+          </a:prstGeom>
+          <a:noFill/>
+          <a:ln>
+            <a:noFill/>
+          </a:ln>
+          <a:extLst>
+            <a:ext uri="{909E8E84-426E-40DD-AFC4-6F175D3DCCD1}">
+              <a14:hiddenFill xmlns:a14="http://schemas.microsoft.com/office/drawing/2010/main">
+                <a:solidFill>
+                  <a:srgbClr val="FFFFFF"/>
+                </a:solidFill>
+              </a14:hiddenFill>
+            </a:ext>
+            <a:ext uri="{91240B29-F687-4F45-9708-019B960494DF}">
+              <a14:hiddenLine xmlns:a14="http://schemas.microsoft.com/office/drawing/2010/main" w="9525">
+                <a:solidFill>
+                  <a:srgbClr val="000000"/>
+                </a:solidFill>
+                <a:miter lim="800000"/>
+                <a:headEnd/>
+                <a:tailEnd/>
+              </a14:hiddenLine>
+            </a:ext>
+          </a:extLst>
+        </p:spPr>
+      </p:pic>
+      <p:pic>
+        <p:nvPicPr>
+          <p:cNvPr id="37902" name="Picture 4"/>
+          <p:cNvPicPr>
+            <a:picLocks noChangeAspect="1" noChangeArrowheads="1"/>
+          </p:cNvPicPr>
+          <p:nvPr/>
+        </p:nvPicPr>
+        <p:blipFill>
+          <a:blip r:embed="rId3">
+            <a:extLst>
+              <a:ext uri="{28A0092B-C50C-407E-A947-70E740481C1C}">
+                <a14:useLocalDpi xmlns:a14="http://schemas.microsoft.com/office/drawing/2010/main" val="0"/>
+              </a:ext>
+            </a:extLst>
+          </a:blip>
+          <a:srcRect/>
+          <a:stretch>
+            <a:fillRect/>
+          </a:stretch>
+        </p:blipFill>
+        <p:spPr bwMode="auto">
+          <a:xfrm>
+            <a:off x="5129213" y="5827713"/>
+            <a:ext cx="714375" cy="179387"/>
+          </a:xfrm>
+          <a:prstGeom prst="rect">
+            <a:avLst/>
+          </a:prstGeom>
+          <a:noFill/>
+          <a:ln>
+            <a:noFill/>
+          </a:ln>
+          <a:extLst>
+            <a:ext uri="{909E8E84-426E-40DD-AFC4-6F175D3DCCD1}">
+              <a14:hiddenFill xmlns:a14="http://schemas.microsoft.com/office/drawing/2010/main">
+                <a:solidFill>
+                  <a:srgbClr val="FFFFFF"/>
+                </a:solidFill>
+              </a14:hiddenFill>
+            </a:ext>
+            <a:ext uri="{91240B29-F687-4F45-9708-019B960494DF}">
+              <a14:hiddenLine xmlns:a14="http://schemas.microsoft.com/office/drawing/2010/main" w="9525">
+                <a:solidFill>
+                  <a:srgbClr val="000000"/>
+                </a:solidFill>
+                <a:miter lim="800000"/>
+                <a:headEnd/>
+                <a:tailEnd/>
+              </a14:hiddenLine>
+            </a:ext>
+          </a:extLst>
+        </p:spPr>
+      </p:pic>
+      <p:pic>
+        <p:nvPicPr>
+          <p:cNvPr id="37903" name="Picture 3"/>
+          <p:cNvPicPr>
+            <a:picLocks noChangeAspect="1" noChangeArrowheads="1"/>
+          </p:cNvPicPr>
+          <p:nvPr/>
+        </p:nvPicPr>
+        <p:blipFill>
+          <a:blip r:embed="rId4">
+            <a:extLst>
+              <a:ext uri="{28A0092B-C50C-407E-A947-70E740481C1C}">
+                <a14:useLocalDpi xmlns:a14="http://schemas.microsoft.com/office/drawing/2010/main" val="0"/>
+              </a:ext>
+            </a:extLst>
+          </a:blip>
+          <a:srcRect/>
+          <a:stretch>
+            <a:fillRect/>
+          </a:stretch>
+        </p:blipFill>
+        <p:spPr bwMode="auto">
+          <a:xfrm>
+            <a:off x="2686050" y="5013325"/>
+            <a:ext cx="660400" cy="357188"/>
+          </a:xfrm>
+          <a:prstGeom prst="rect">
+            <a:avLst/>
+          </a:prstGeom>
+          <a:noFill/>
+          <a:ln>
+            <a:noFill/>
+          </a:ln>
+          <a:extLst>
+            <a:ext uri="{909E8E84-426E-40DD-AFC4-6F175D3DCCD1}">
+              <a14:hiddenFill xmlns:a14="http://schemas.microsoft.com/office/drawing/2010/main">
+                <a:solidFill>
+                  <a:srgbClr val="FFFFFF"/>
+                </a:solidFill>
+              </a14:hiddenFill>
+            </a:ext>
+            <a:ext uri="{91240B29-F687-4F45-9708-019B960494DF}">
+              <a14:hiddenLine xmlns:a14="http://schemas.microsoft.com/office/drawing/2010/main" w="9525">
+                <a:solidFill>
+                  <a:srgbClr val="000000"/>
+                </a:solidFill>
+                <a:miter lim="800000"/>
+                <a:headEnd/>
+                <a:tailEnd/>
+              </a14:hiddenLine>
+            </a:ext>
+          </a:extLst>
+        </p:spPr>
+      </p:pic>
+      <p:pic>
+        <p:nvPicPr>
+          <p:cNvPr id="37904" name="Picture 6"/>
+          <p:cNvPicPr>
+            <a:picLocks noChangeAspect="1" noChangeArrowheads="1"/>
+          </p:cNvPicPr>
+          <p:nvPr/>
+        </p:nvPicPr>
+        <p:blipFill>
+          <a:blip r:embed="rId5">
+            <a:extLst>
+              <a:ext uri="{28A0092B-C50C-407E-A947-70E740481C1C}">
+                <a14:useLocalDpi xmlns:a14="http://schemas.microsoft.com/office/drawing/2010/main" val="0"/>
+              </a:ext>
+            </a:extLst>
+          </a:blip>
+          <a:srcRect/>
+          <a:stretch>
+            <a:fillRect/>
+          </a:stretch>
+        </p:blipFill>
+        <p:spPr bwMode="auto">
+          <a:xfrm>
+            <a:off x="3414713" y="2808288"/>
+            <a:ext cx="781050" cy="361950"/>
+          </a:xfrm>
+          <a:prstGeom prst="rect">
+            <a:avLst/>
+          </a:prstGeom>
+          <a:noFill/>
+          <a:ln>
+            <a:noFill/>
+          </a:ln>
+          <a:extLst>
+            <a:ext uri="{909E8E84-426E-40DD-AFC4-6F175D3DCCD1}">
+              <a14:hiddenFill xmlns:a14="http://schemas.microsoft.com/office/drawing/2010/main">
+                <a:solidFill>
+                  <a:srgbClr val="FFFFFF"/>
+                </a:solidFill>
+              </a14:hiddenFill>
+            </a:ext>
+            <a:ext uri="{91240B29-F687-4F45-9708-019B960494DF}">
+              <a14:hiddenLine xmlns:a14="http://schemas.microsoft.com/office/drawing/2010/main" w="9525">
+                <a:solidFill>
+                  <a:srgbClr val="000000"/>
+                </a:solidFill>
+                <a:miter lim="800000"/>
+                <a:headEnd/>
+                <a:tailEnd/>
+              </a14:hiddenLine>
+            </a:ext>
+          </a:extLst>
+        </p:spPr>
+      </p:pic>
+    </p:spTree>
+    <p:extLst>
+      <p:ext uri="{BB962C8B-B14F-4D97-AF65-F5344CB8AC3E}">
+        <p14:creationId xmlns:p14="http://schemas.microsoft.com/office/powerpoint/2010/main" val="3851747804"/>
+      </p:ext>
+    </p:extLst>
+  </p:cSld>
+  <p:clrMapOvr>
+    <a:masterClrMapping/>
+  </p:clrMapOvr>
+  <p:timing>
+    <p:tnLst>
+      <p:par>
+        <p:cTn id="1" dur="indefinite" restart="never" nodeType="tmRoot"/>
+      </p:par>
+    </p:tnLst>
+  </p:timing>
+</p:sld>
+</file>
+
+<file path=ppt/slides/slide36.xml><?xml version="1.0" encoding="utf-8"?>
+<p:sld xmlns:a="http://schemas.openxmlformats.org/drawingml/2006/main" xmlns:r="http://schemas.openxmlformats.org/officeDocument/2006/relationships" xmlns:p="http://schemas.openxmlformats.org/presentationml/2006/main">
+  <p:cSld>
+    <p:spTree>
+      <p:nvGrpSpPr>
+        <p:cNvPr id="1" name=""/>
+        <p:cNvGrpSpPr/>
+        <p:nvPr/>
+      </p:nvGrpSpPr>
+      <p:grpSpPr>
+        <a:xfrm>
+          <a:off x="0" y="0"/>
+          <a:ext cx="0" cy="0"/>
+          <a:chOff x="0" y="0"/>
+          <a:chExt cx="0" cy="0"/>
+        </a:xfrm>
+      </p:grpSpPr>
+      <p:sp>
+        <p:nvSpPr>
+          <p:cNvPr id="38914" name="标题 1"/>
+          <p:cNvSpPr>
+            <a:spLocks noGrp="1"/>
+          </p:cNvSpPr>
+          <p:nvPr>
+            <p:ph type="title"/>
+          </p:nvPr>
+        </p:nvSpPr>
+        <p:spPr/>
+        <p:txBody>
+          <a:bodyPr/>
+          <a:lstStyle/>
+          <a:p>
+            <a:r>
+              <a:rPr lang="zh-CN" altLang="en-US" smtClean="0"/>
+              <a:t>准备知识</a:t>
+            </a:r>
+            <a:r>
+              <a:rPr lang="en-US" altLang="zh-CN" smtClean="0"/>
+              <a:t>——</a:t>
+            </a:r>
+            <a:r>
+              <a:rPr lang="zh-CN" altLang="en-US" smtClean="0"/>
+              <a:t>项目愿景</a:t>
+            </a:r>
+          </a:p>
+        </p:txBody>
+      </p:sp>
+      <p:sp>
+        <p:nvSpPr>
+          <p:cNvPr id="38915" name="内容占位符 2"/>
+          <p:cNvSpPr>
+            <a:spLocks noGrp="1"/>
+          </p:cNvSpPr>
+          <p:nvPr>
+            <p:ph idx="1"/>
+          </p:nvPr>
+        </p:nvSpPr>
+        <p:spPr>
+          <a:xfrm>
+            <a:off x="457200" y="1331914"/>
+            <a:ext cx="8229600" cy="4794250"/>
+          </a:xfrm>
+        </p:spPr>
+        <p:txBody>
+          <a:bodyPr/>
+          <a:lstStyle/>
+          <a:p>
+            <a:r>
+              <a:rPr lang="zh-CN" altLang="en-US" b="1" dirty="0" smtClean="0">
+                <a:solidFill>
+                  <a:srgbClr val="FF0000"/>
+                </a:solidFill>
+              </a:rPr>
+              <a:t>软件项目的愿景是什么？</a:t>
+            </a:r>
+            <a:endParaRPr lang="en-US" altLang="zh-CN" b="1" dirty="0" smtClean="0">
+              <a:solidFill>
+                <a:srgbClr val="FF0000"/>
+              </a:solidFill>
+            </a:endParaRPr>
+          </a:p>
+          <a:p>
+            <a:pPr lvl="1"/>
+            <a:r>
+              <a:rPr lang="zh-CN" altLang="en-US" dirty="0" smtClean="0"/>
+              <a:t>回答了“</a:t>
+            </a:r>
+            <a:r>
+              <a:rPr lang="zh-CN" altLang="en-US" dirty="0" smtClean="0">
+                <a:solidFill>
+                  <a:srgbClr val="FF0000"/>
+                </a:solidFill>
+              </a:rPr>
+              <a:t>为什么开发这个系统</a:t>
+            </a:r>
+            <a:r>
+              <a:rPr lang="zh-CN" altLang="en-US" dirty="0" smtClean="0"/>
+              <a:t>”的问题。</a:t>
+            </a:r>
+            <a:endParaRPr lang="en-US" altLang="zh-CN" dirty="0" smtClean="0"/>
+          </a:p>
+          <a:p>
+            <a:pPr lvl="1"/>
+            <a:r>
+              <a:rPr lang="zh-CN" altLang="en-US" dirty="0" smtClean="0"/>
+              <a:t>软件项目的愿景必须符合公司的发展战略</a:t>
+            </a:r>
+            <a:endParaRPr lang="en-US" altLang="zh-CN" dirty="0" smtClean="0"/>
+          </a:p>
+          <a:p>
+            <a:pPr>
+              <a:buFont typeface="Wingdings" pitchFamily="2" charset="2"/>
+              <a:buNone/>
+            </a:pPr>
+            <a:endParaRPr lang="zh-CN" altLang="en-US" dirty="0" smtClean="0"/>
+          </a:p>
+        </p:txBody>
+      </p:sp>
+      <p:grpSp>
+        <p:nvGrpSpPr>
+          <p:cNvPr id="38916" name="组合 11"/>
+          <p:cNvGrpSpPr>
+            <a:grpSpLocks/>
+          </p:cNvGrpSpPr>
+          <p:nvPr/>
+        </p:nvGrpSpPr>
+        <p:grpSpPr bwMode="auto">
+          <a:xfrm>
+            <a:off x="558800" y="3648075"/>
+            <a:ext cx="3760788" cy="2786063"/>
+            <a:chOff x="4754724" y="2357430"/>
+            <a:chExt cx="3761815" cy="2787496"/>
+          </a:xfrm>
+        </p:grpSpPr>
+        <p:sp>
+          <p:nvSpPr>
+            <p:cNvPr id="4" name="圆角矩形 3"/>
+            <p:cNvSpPr/>
+            <p:nvPr/>
+          </p:nvSpPr>
+          <p:spPr>
+            <a:xfrm>
+              <a:off x="4754724" y="2357430"/>
+              <a:ext cx="3587108" cy="2418227"/>
+            </a:xfrm>
+            <a:prstGeom prst="roundRect">
+              <a:avLst>
+                <a:gd name="adj" fmla="val 7123"/>
+              </a:avLst>
+            </a:prstGeom>
+            <a:gradFill>
+              <a:gsLst>
+                <a:gs pos="0">
+                  <a:srgbClr val="92D050"/>
+                </a:gs>
+                <a:gs pos="100000">
+                  <a:srgbClr val="009900"/>
+                </a:gs>
+                <a:gs pos="100000">
+                  <a:schemeClr val="accent1">
+                    <a:tint val="23500"/>
+                    <a:satMod val="160000"/>
+                  </a:schemeClr>
+                </a:gs>
+              </a:gsLst>
+              <a:lin ang="5400000" scaled="0"/>
+            </a:gradFill>
+            <a:ln>
+              <a:noFill/>
+            </a:ln>
+            <a:effectLst>
+              <a:reflection blurRad="6350" stA="52000" endA="300" endPos="35000" dir="5400000" sy="-100000" algn="bl" rotWithShape="0"/>
+            </a:effectLst>
+          </p:spPr>
+          <p:style>
+            <a:lnRef idx="2">
+              <a:schemeClr val="accent1">
+                <a:shade val="50000"/>
+              </a:schemeClr>
+            </a:lnRef>
+            <a:fillRef idx="1">
+              <a:schemeClr val="accent1"/>
+            </a:fillRef>
+            <a:effectRef idx="0">
+              <a:schemeClr val="accent1"/>
+            </a:effectRef>
+            <a:fontRef idx="minor">
+              <a:schemeClr val="lt1"/>
+            </a:fontRef>
+          </p:style>
+          <p:txBody>
+            <a:bodyPr anchor="ctr"/>
+            <a:lstStyle/>
+            <a:p>
+              <a:pPr algn="ctr">
+                <a:defRPr/>
+              </a:pPr>
+              <a:r>
+                <a:rPr lang="zh-CN" altLang="en-US" sz="2400" b="1" dirty="0">
+                  <a:solidFill>
+                    <a:schemeClr val="bg1"/>
+                  </a:solidFill>
+                  <a:latin typeface="微软雅黑" pitchFamily="34" charset="-122"/>
+                  <a:ea typeface="微软雅黑" pitchFamily="34" charset="-122"/>
+                </a:rPr>
+                <a:t>你在做什么项目？</a:t>
+              </a:r>
+              <a:endParaRPr lang="en-US" altLang="zh-CN" sz="2400" b="1" dirty="0">
+                <a:solidFill>
+                  <a:schemeClr val="bg1"/>
+                </a:solidFill>
+                <a:latin typeface="微软雅黑" pitchFamily="34" charset="-122"/>
+                <a:ea typeface="微软雅黑" pitchFamily="34" charset="-122"/>
+              </a:endParaRPr>
+            </a:p>
+            <a:p>
+              <a:pPr algn="ctr" fontAlgn="auto">
+                <a:spcBef>
+                  <a:spcPts val="0"/>
+                </a:spcBef>
+                <a:spcAft>
+                  <a:spcPts val="0"/>
+                </a:spcAft>
+                <a:defRPr/>
+              </a:pPr>
+              <a:endParaRPr lang="en-US" altLang="zh-CN" dirty="0"/>
+            </a:p>
+            <a:p>
+              <a:pPr algn="ctr" fontAlgn="auto">
+                <a:spcBef>
+                  <a:spcPts val="0"/>
+                </a:spcBef>
+                <a:spcAft>
+                  <a:spcPts val="0"/>
+                </a:spcAft>
+                <a:defRPr/>
+              </a:pPr>
+              <a:endParaRPr lang="en-US" altLang="zh-CN" dirty="0"/>
+            </a:p>
+            <a:p>
+              <a:pPr algn="ctr" fontAlgn="auto">
+                <a:spcBef>
+                  <a:spcPts val="0"/>
+                </a:spcBef>
+                <a:spcAft>
+                  <a:spcPts val="0"/>
+                </a:spcAft>
+                <a:defRPr/>
+              </a:pPr>
+              <a:endParaRPr lang="en-US" altLang="zh-CN" dirty="0"/>
+            </a:p>
+            <a:p>
+              <a:pPr algn="ctr" fontAlgn="auto">
+                <a:spcBef>
+                  <a:spcPts val="0"/>
+                </a:spcBef>
+                <a:spcAft>
+                  <a:spcPts val="0"/>
+                </a:spcAft>
+                <a:defRPr/>
+              </a:pPr>
+              <a:endParaRPr lang="en-US" altLang="zh-CN" dirty="0"/>
+            </a:p>
+            <a:p>
+              <a:pPr algn="ctr" fontAlgn="auto">
+                <a:spcBef>
+                  <a:spcPts val="0"/>
+                </a:spcBef>
+                <a:spcAft>
+                  <a:spcPts val="0"/>
+                </a:spcAft>
+                <a:defRPr/>
+              </a:pPr>
+              <a:endParaRPr lang="en-US" altLang="zh-CN" dirty="0"/>
+            </a:p>
+            <a:p>
+              <a:pPr algn="ctr" fontAlgn="auto">
+                <a:spcBef>
+                  <a:spcPts val="0"/>
+                </a:spcBef>
+                <a:spcAft>
+                  <a:spcPts val="0"/>
+                </a:spcAft>
+                <a:defRPr/>
+              </a:pPr>
+              <a:endParaRPr lang="zh-CN" altLang="en-US" dirty="0"/>
+            </a:p>
+          </p:txBody>
+        </p:sp>
+        <p:sp>
+          <p:nvSpPr>
+            <p:cNvPr id="5" name="TextBox 40"/>
+            <p:cNvSpPr txBox="1">
+              <a:spLocks noChangeArrowheads="1"/>
+            </p:cNvSpPr>
+            <p:nvPr/>
+          </p:nvSpPr>
+          <p:spPr bwMode="auto">
+            <a:xfrm>
+              <a:off x="4857720" y="2928935"/>
+              <a:ext cx="3357563" cy="2215991"/>
+            </a:xfrm>
+            <a:prstGeom prst="rect">
+              <a:avLst/>
+            </a:prstGeom>
+            <a:noFill/>
+            <a:ln w="9525">
+              <a:noFill/>
+              <a:miter lim="800000"/>
+              <a:headEnd/>
+              <a:tailEnd/>
+            </a:ln>
+          </p:spPr>
+          <p:txBody>
+            <a:bodyPr>
+              <a:spAutoFit/>
+            </a:bodyPr>
+            <a:lstStyle/>
+            <a:p>
+              <a:pPr>
+                <a:defRPr/>
+              </a:pPr>
+              <a:endParaRPr lang="en-US" altLang="zh-CN" dirty="0">
+                <a:ln w="18415" cmpd="sng">
+                  <a:solidFill>
+                    <a:srgbClr val="FFFFFF"/>
+                  </a:solidFill>
+                  <a:prstDash val="solid"/>
+                </a:ln>
+                <a:solidFill>
+                  <a:srgbClr val="FFFFFF"/>
+                </a:solidFill>
+                <a:effectLst>
+                  <a:outerShdw blurRad="63500" dir="3600000" algn="tl" rotWithShape="0">
+                    <a:srgbClr val="000000">
+                      <a:alpha val="70000"/>
+                    </a:srgbClr>
+                  </a:outerShdw>
+                </a:effectLst>
+              </a:endParaRPr>
+            </a:p>
+            <a:p>
+              <a:pPr>
+                <a:defRPr/>
+              </a:pPr>
+              <a:r>
+                <a:rPr lang="zh-CN" altLang="en-US" sz="2400" dirty="0">
+                  <a:ln w="18415" cmpd="sng">
+                    <a:solidFill>
+                      <a:srgbClr val="FFFFFF"/>
+                    </a:solidFill>
+                    <a:prstDash val="solid"/>
+                  </a:ln>
+                  <a:solidFill>
+                    <a:srgbClr val="FFFFFF"/>
+                  </a:solidFill>
+                  <a:effectLst>
+                    <a:outerShdw blurRad="63500" dir="3600000" algn="tl" rotWithShape="0">
+                      <a:srgbClr val="000000">
+                        <a:alpha val="70000"/>
+                      </a:srgbClr>
+                    </a:outerShdw>
+                  </a:effectLst>
+                  <a:latin typeface="微软雅黑" pitchFamily="34" charset="-122"/>
+                  <a:ea typeface="微软雅黑" pitchFamily="34" charset="-122"/>
+                </a:rPr>
+                <a:t>一个</a:t>
+              </a:r>
+              <a:r>
+                <a:rPr lang="en-US" altLang="zh-CN" sz="2400" dirty="0">
+                  <a:ln w="18415" cmpd="sng">
+                    <a:solidFill>
+                      <a:srgbClr val="FFFFFF"/>
+                    </a:solidFill>
+                    <a:prstDash val="solid"/>
+                  </a:ln>
+                  <a:solidFill>
+                    <a:srgbClr val="FFFFFF"/>
+                  </a:solidFill>
+                  <a:effectLst>
+                    <a:outerShdw blurRad="63500" dir="3600000" algn="tl" rotWithShape="0">
+                      <a:srgbClr val="000000">
+                        <a:alpha val="70000"/>
+                      </a:srgbClr>
+                    </a:outerShdw>
+                  </a:effectLst>
+                  <a:latin typeface="微软雅黑" pitchFamily="34" charset="-122"/>
+                  <a:ea typeface="微软雅黑" pitchFamily="34" charset="-122"/>
+                </a:rPr>
+                <a:t>JAVA</a:t>
+              </a:r>
+              <a:r>
+                <a:rPr lang="zh-CN" altLang="en-US" sz="2400" dirty="0">
+                  <a:ln w="18415" cmpd="sng">
+                    <a:solidFill>
+                      <a:srgbClr val="FFFFFF"/>
+                    </a:solidFill>
+                    <a:prstDash val="solid"/>
+                  </a:ln>
+                  <a:solidFill>
+                    <a:srgbClr val="FFFFFF"/>
+                  </a:solidFill>
+                  <a:effectLst>
+                    <a:outerShdw blurRad="63500" dir="3600000" algn="tl" rotWithShape="0">
+                      <a:srgbClr val="000000">
+                        <a:alpha val="70000"/>
+                      </a:srgbClr>
+                    </a:outerShdw>
+                  </a:effectLst>
+                  <a:latin typeface="微软雅黑" pitchFamily="34" charset="-122"/>
+                  <a:ea typeface="微软雅黑" pitchFamily="34" charset="-122"/>
+                </a:rPr>
+                <a:t>项目</a:t>
+              </a:r>
+              <a:endParaRPr lang="en-US" altLang="zh-CN" sz="2400" dirty="0">
+                <a:ln w="18415" cmpd="sng">
+                  <a:solidFill>
+                    <a:srgbClr val="FFFFFF"/>
+                  </a:solidFill>
+                  <a:prstDash val="solid"/>
+                </a:ln>
+                <a:solidFill>
+                  <a:srgbClr val="FFFFFF"/>
+                </a:solidFill>
+                <a:effectLst>
+                  <a:outerShdw blurRad="63500" dir="3600000" algn="tl" rotWithShape="0">
+                    <a:srgbClr val="000000">
+                      <a:alpha val="70000"/>
+                    </a:srgbClr>
+                  </a:outerShdw>
+                </a:effectLst>
+                <a:latin typeface="微软雅黑" pitchFamily="34" charset="-122"/>
+                <a:ea typeface="微软雅黑" pitchFamily="34" charset="-122"/>
+              </a:endParaRPr>
+            </a:p>
+            <a:p>
+              <a:pPr>
+                <a:defRPr/>
+              </a:pPr>
+              <a:r>
+                <a:rPr lang="zh-CN" altLang="en-US" sz="2400" dirty="0">
+                  <a:ln w="18415" cmpd="sng">
+                    <a:solidFill>
+                      <a:srgbClr val="FFFFFF"/>
+                    </a:solidFill>
+                    <a:prstDash val="solid"/>
+                  </a:ln>
+                  <a:solidFill>
+                    <a:srgbClr val="FFFFFF"/>
+                  </a:solidFill>
+                  <a:effectLst>
+                    <a:outerShdw blurRad="63500" dir="3600000" algn="tl" rotWithShape="0">
+                      <a:srgbClr val="000000">
+                        <a:alpha val="70000"/>
+                      </a:srgbClr>
+                    </a:outerShdw>
+                  </a:effectLst>
+                  <a:latin typeface="微软雅黑" pitchFamily="34" charset="-122"/>
+                  <a:ea typeface="微软雅黑" pitchFamily="34" charset="-122"/>
+                </a:rPr>
+                <a:t>一个数据仓库项目</a:t>
+              </a:r>
+              <a:endParaRPr lang="en-US" altLang="zh-CN" sz="2400" dirty="0">
+                <a:ln w="18415" cmpd="sng">
+                  <a:solidFill>
+                    <a:srgbClr val="FFFFFF"/>
+                  </a:solidFill>
+                  <a:prstDash val="solid"/>
+                </a:ln>
+                <a:solidFill>
+                  <a:srgbClr val="FFFFFF"/>
+                </a:solidFill>
+                <a:effectLst>
+                  <a:outerShdw blurRad="63500" dir="3600000" algn="tl" rotWithShape="0">
+                    <a:srgbClr val="000000">
+                      <a:alpha val="70000"/>
+                    </a:srgbClr>
+                  </a:outerShdw>
+                </a:effectLst>
+                <a:latin typeface="微软雅黑" pitchFamily="34" charset="-122"/>
+                <a:ea typeface="微软雅黑" pitchFamily="34" charset="-122"/>
+              </a:endParaRPr>
+            </a:p>
+            <a:p>
+              <a:pPr>
+                <a:defRPr/>
+              </a:pPr>
+              <a:r>
+                <a:rPr lang="zh-CN" altLang="en-US" sz="2400" dirty="0">
+                  <a:ln w="18415" cmpd="sng">
+                    <a:solidFill>
+                      <a:srgbClr val="FFFFFF"/>
+                    </a:solidFill>
+                    <a:prstDash val="solid"/>
+                  </a:ln>
+                  <a:solidFill>
+                    <a:srgbClr val="FFFFFF"/>
+                  </a:solidFill>
+                  <a:effectLst>
+                    <a:outerShdw blurRad="63500" dir="3600000" algn="tl" rotWithShape="0">
+                      <a:srgbClr val="000000">
+                        <a:alpha val="70000"/>
+                      </a:srgbClr>
+                    </a:outerShdw>
+                  </a:effectLst>
+                  <a:latin typeface="微软雅黑" pitchFamily="34" charset="-122"/>
+                  <a:ea typeface="微软雅黑" pitchFamily="34" charset="-122"/>
+                </a:rPr>
+                <a:t>一个敏捷开发项目</a:t>
+              </a:r>
+              <a:endParaRPr lang="en-US" altLang="zh-CN" sz="2400" dirty="0">
+                <a:ln w="18415" cmpd="sng">
+                  <a:solidFill>
+                    <a:srgbClr val="FFFFFF"/>
+                  </a:solidFill>
+                  <a:prstDash val="solid"/>
+                </a:ln>
+                <a:solidFill>
+                  <a:srgbClr val="FFFFFF"/>
+                </a:solidFill>
+                <a:effectLst>
+                  <a:outerShdw blurRad="63500" dir="3600000" algn="tl" rotWithShape="0">
+                    <a:srgbClr val="000000">
+                      <a:alpha val="70000"/>
+                    </a:srgbClr>
+                  </a:outerShdw>
+                </a:effectLst>
+                <a:latin typeface="微软雅黑" pitchFamily="34" charset="-122"/>
+                <a:ea typeface="微软雅黑" pitchFamily="34" charset="-122"/>
+              </a:endParaRPr>
+            </a:p>
+            <a:p>
+              <a:pPr>
+                <a:defRPr/>
+              </a:pPr>
+              <a:r>
+                <a:rPr lang="zh-CN" altLang="en-US" sz="2400" dirty="0">
+                  <a:ln w="18415" cmpd="sng">
+                    <a:solidFill>
+                      <a:srgbClr val="FFFFFF"/>
+                    </a:solidFill>
+                    <a:prstDash val="solid"/>
+                  </a:ln>
+                  <a:solidFill>
+                    <a:srgbClr val="FFFFFF"/>
+                  </a:solidFill>
+                  <a:effectLst>
+                    <a:outerShdw blurRad="63500" dir="3600000" algn="tl" rotWithShape="0">
+                      <a:srgbClr val="000000">
+                        <a:alpha val="70000"/>
+                      </a:srgbClr>
+                    </a:outerShdw>
+                  </a:effectLst>
+                  <a:latin typeface="微软雅黑" pitchFamily="34" charset="-122"/>
+                  <a:ea typeface="微软雅黑" pitchFamily="34" charset="-122"/>
+                </a:rPr>
+                <a:t>一个消息中间件项目</a:t>
+              </a:r>
+              <a:endParaRPr lang="en-US" altLang="zh-CN" sz="2400" dirty="0">
+                <a:ln w="18415" cmpd="sng">
+                  <a:solidFill>
+                    <a:srgbClr val="FFFFFF"/>
+                  </a:solidFill>
+                  <a:prstDash val="solid"/>
+                </a:ln>
+                <a:solidFill>
+                  <a:srgbClr val="FFFFFF"/>
+                </a:solidFill>
+                <a:effectLst>
+                  <a:outerShdw blurRad="63500" dir="3600000" algn="tl" rotWithShape="0">
+                    <a:srgbClr val="000000">
+                      <a:alpha val="70000"/>
+                    </a:srgbClr>
+                  </a:outerShdw>
+                </a:effectLst>
+                <a:latin typeface="微软雅黑" pitchFamily="34" charset="-122"/>
+                <a:ea typeface="微软雅黑" pitchFamily="34" charset="-122"/>
+              </a:endParaRPr>
+            </a:p>
+            <a:p>
+              <a:pPr algn="ctr">
+                <a:defRPr/>
+              </a:pPr>
+              <a:endParaRPr lang="en-US" altLang="zh-CN" sz="2400" dirty="0">
+                <a:ln w="18415" cmpd="sng">
+                  <a:solidFill>
+                    <a:srgbClr val="FFFFFF"/>
+                  </a:solidFill>
+                  <a:prstDash val="solid"/>
+                </a:ln>
+                <a:solidFill>
+                  <a:srgbClr val="FFFFFF"/>
+                </a:solidFill>
+                <a:effectLst>
+                  <a:outerShdw blurRad="63500" dir="3600000" algn="tl" rotWithShape="0">
+                    <a:srgbClr val="000000">
+                      <a:alpha val="70000"/>
+                    </a:srgbClr>
+                  </a:outerShdw>
+                </a:effectLst>
+                <a:latin typeface="微软雅黑" pitchFamily="34" charset="-122"/>
+                <a:ea typeface="微软雅黑" pitchFamily="34" charset="-122"/>
+              </a:endParaRPr>
+            </a:p>
+          </p:txBody>
+        </p:sp>
+        <p:sp>
+          <p:nvSpPr>
+            <p:cNvPr id="38926" name="矩形 5"/>
+            <p:cNvSpPr>
+              <a:spLocks noChangeArrowheads="1"/>
+            </p:cNvSpPr>
+            <p:nvPr/>
+          </p:nvSpPr>
+          <p:spPr bwMode="auto">
+            <a:xfrm>
+              <a:off x="6786578" y="3000372"/>
+              <a:ext cx="1729961" cy="1938992"/>
+            </a:xfrm>
+            <a:prstGeom prst="rect">
+              <a:avLst/>
+            </a:prstGeom>
+            <a:noFill/>
+            <a:ln>
+              <a:noFill/>
+            </a:ln>
+            <a:extLst>
+              <a:ext uri="{909E8E84-426E-40DD-AFC4-6F175D3DCCD1}">
+                <a14:hiddenFill xmlns:a14="http://schemas.microsoft.com/office/drawing/2010/main">
+                  <a:solidFill>
+                    <a:srgbClr val="FFFFFF"/>
+                  </a:solidFill>
+                </a14:hiddenFill>
+              </a:ext>
+              <a:ext uri="{91240B29-F687-4F45-9708-019B960494DF}">
+                <a14:hiddenLine xmlns:a14="http://schemas.microsoft.com/office/drawing/2010/main" w="9525">
+                  <a:solidFill>
+                    <a:srgbClr val="000000"/>
+                  </a:solidFill>
+                  <a:miter lim="800000"/>
+                  <a:headEnd/>
+                  <a:tailEnd/>
+                </a14:hiddenLine>
+              </a:ext>
+            </a:extLst>
+          </p:spPr>
+          <p:txBody>
+            <a:bodyPr wrap="none">
+              <a:spAutoFit/>
+            </a:bodyPr>
+            <a:lstStyle/>
+            <a:p>
+              <a:r>
+                <a:rPr lang="en-US" altLang="zh-CN" sz="12000" b="1">
+                  <a:solidFill>
+                    <a:srgbClr val="FF0000"/>
+                  </a:solidFill>
+                  <a:latin typeface="Berlin Sans FB Demi" charset="0"/>
+                  <a:ea typeface="宋体" charset="-122"/>
+                </a:rPr>
+                <a:t>×</a:t>
+              </a:r>
+              <a:endParaRPr lang="zh-CN" altLang="en-US" sz="12000" b="1">
+                <a:solidFill>
+                  <a:srgbClr val="FF0000"/>
+                </a:solidFill>
+                <a:latin typeface="Berlin Sans FB Demi" charset="0"/>
+                <a:ea typeface="宋体" charset="-122"/>
+              </a:endParaRPr>
+            </a:p>
+          </p:txBody>
+        </p:sp>
+      </p:grpSp>
+      <p:grpSp>
+        <p:nvGrpSpPr>
+          <p:cNvPr id="3" name="组合 6"/>
+          <p:cNvGrpSpPr>
+            <a:grpSpLocks/>
+          </p:cNvGrpSpPr>
+          <p:nvPr/>
+        </p:nvGrpSpPr>
+        <p:grpSpPr bwMode="auto">
+          <a:xfrm>
+            <a:off x="4378325" y="3627438"/>
+            <a:ext cx="3586163" cy="2625725"/>
+            <a:chOff x="4754724" y="2907026"/>
+            <a:chExt cx="3587108" cy="2948252"/>
+          </a:xfrm>
+        </p:grpSpPr>
+        <p:sp>
+          <p:nvSpPr>
+            <p:cNvPr id="8" name="圆角矩形 7"/>
+            <p:cNvSpPr/>
+            <p:nvPr/>
+          </p:nvSpPr>
+          <p:spPr>
+            <a:xfrm>
+              <a:off x="4754724" y="2907026"/>
+              <a:ext cx="3587108" cy="2714644"/>
+            </a:xfrm>
+            <a:prstGeom prst="roundRect">
+              <a:avLst>
+                <a:gd name="adj" fmla="val 7123"/>
+              </a:avLst>
+            </a:prstGeom>
+            <a:gradFill>
+              <a:gsLst>
+                <a:gs pos="0">
+                  <a:srgbClr val="92D050"/>
+                </a:gs>
+                <a:gs pos="100000">
+                  <a:srgbClr val="009900"/>
+                </a:gs>
+                <a:gs pos="100000">
+                  <a:schemeClr val="accent1">
+                    <a:tint val="23500"/>
+                    <a:satMod val="160000"/>
+                  </a:schemeClr>
+                </a:gs>
+              </a:gsLst>
+              <a:lin ang="5400000" scaled="0"/>
+            </a:gradFill>
+            <a:ln>
+              <a:noFill/>
+            </a:ln>
+            <a:effectLst>
+              <a:reflection blurRad="6350" stA="52000" endA="300" endPos="35000" dir="5400000" sy="-100000" algn="bl" rotWithShape="0"/>
+            </a:effectLst>
+          </p:spPr>
+          <p:style>
+            <a:lnRef idx="2">
+              <a:schemeClr val="accent1">
+                <a:shade val="50000"/>
+              </a:schemeClr>
+            </a:lnRef>
+            <a:fillRef idx="1">
+              <a:schemeClr val="accent1"/>
+            </a:fillRef>
+            <a:effectRef idx="0">
+              <a:schemeClr val="accent1"/>
+            </a:effectRef>
+            <a:fontRef idx="minor">
+              <a:schemeClr val="lt1"/>
+            </a:fontRef>
+          </p:style>
+          <p:txBody>
+            <a:bodyPr anchor="ctr"/>
+            <a:lstStyle/>
+            <a:p>
+              <a:pPr algn="ctr" fontAlgn="auto">
+                <a:spcBef>
+                  <a:spcPts val="0"/>
+                </a:spcBef>
+                <a:spcAft>
+                  <a:spcPts val="0"/>
+                </a:spcAft>
+                <a:defRPr/>
+              </a:pPr>
+              <a:endParaRPr lang="zh-CN" altLang="en-US"/>
+            </a:p>
+          </p:txBody>
+        </p:sp>
+        <p:sp>
+          <p:nvSpPr>
+            <p:cNvPr id="9" name="TextBox 40"/>
+            <p:cNvSpPr txBox="1">
+              <a:spLocks noChangeArrowheads="1"/>
+            </p:cNvSpPr>
+            <p:nvPr/>
+          </p:nvSpPr>
+          <p:spPr bwMode="auto">
+            <a:xfrm>
+              <a:off x="4857720" y="3048319"/>
+              <a:ext cx="3357563" cy="2806959"/>
+            </a:xfrm>
+            <a:prstGeom prst="rect">
+              <a:avLst/>
+            </a:prstGeom>
+            <a:noFill/>
+            <a:ln w="9525">
+              <a:noFill/>
+              <a:miter lim="800000"/>
+              <a:headEnd/>
+              <a:tailEnd/>
+            </a:ln>
+          </p:spPr>
+          <p:txBody>
+            <a:bodyPr>
+              <a:spAutoFit/>
+            </a:bodyPr>
+            <a:lstStyle/>
+            <a:p>
+              <a:pPr algn="ctr">
+                <a:defRPr/>
+              </a:pPr>
+              <a:r>
+                <a:rPr lang="zh-CN" altLang="en-US" sz="2400" dirty="0">
+                  <a:ln w="18415" cmpd="sng">
+                    <a:solidFill>
+                      <a:srgbClr val="FFFFFF"/>
+                    </a:solidFill>
+                    <a:prstDash val="solid"/>
+                  </a:ln>
+                  <a:solidFill>
+                    <a:srgbClr val="FFFFFF"/>
+                  </a:solidFill>
+                  <a:effectLst>
+                    <a:outerShdw blurRad="63500" dir="3600000" algn="tl" rotWithShape="0">
+                      <a:srgbClr val="000000">
+                        <a:alpha val="70000"/>
+                      </a:srgbClr>
+                    </a:outerShdw>
+                  </a:effectLst>
+                  <a:latin typeface="微软雅黑" pitchFamily="34" charset="-122"/>
+                  <a:ea typeface="微软雅黑" pitchFamily="34" charset="-122"/>
+                </a:rPr>
+                <a:t>你在做什么项目？</a:t>
+              </a:r>
+              <a:endParaRPr lang="en-US" altLang="zh-CN" sz="2400" dirty="0">
+                <a:ln w="18415" cmpd="sng">
+                  <a:solidFill>
+                    <a:srgbClr val="FFFFFF"/>
+                  </a:solidFill>
+                  <a:prstDash val="solid"/>
+                </a:ln>
+                <a:solidFill>
+                  <a:srgbClr val="FFFFFF"/>
+                </a:solidFill>
+                <a:effectLst>
+                  <a:outerShdw blurRad="63500" dir="3600000" algn="tl" rotWithShape="0">
+                    <a:srgbClr val="000000">
+                      <a:alpha val="70000"/>
+                    </a:srgbClr>
+                  </a:outerShdw>
+                </a:effectLst>
+                <a:latin typeface="微软雅黑" pitchFamily="34" charset="-122"/>
+                <a:ea typeface="微软雅黑" pitchFamily="34" charset="-122"/>
+              </a:endParaRPr>
+            </a:p>
+            <a:p>
+              <a:pPr>
+                <a:defRPr/>
+              </a:pPr>
+              <a:endParaRPr lang="en-US" altLang="zh-CN" dirty="0">
+                <a:ln w="18415" cmpd="sng">
+                  <a:solidFill>
+                    <a:srgbClr val="FFFFFF"/>
+                  </a:solidFill>
+                  <a:prstDash val="solid"/>
+                </a:ln>
+                <a:solidFill>
+                  <a:srgbClr val="FFFFFF"/>
+                </a:solidFill>
+                <a:effectLst>
+                  <a:outerShdw blurRad="63500" dir="3600000" algn="tl" rotWithShape="0">
+                    <a:srgbClr val="000000">
+                      <a:alpha val="70000"/>
+                    </a:srgbClr>
+                  </a:outerShdw>
+                </a:effectLst>
+              </a:endParaRPr>
+            </a:p>
+            <a:p>
+              <a:pPr>
+                <a:defRPr/>
+              </a:pPr>
+              <a:r>
+                <a:rPr lang="zh-CN" altLang="en-US" sz="2400" dirty="0">
+                  <a:ln w="18415" cmpd="sng">
+                    <a:solidFill>
+                      <a:srgbClr val="FFFFFF"/>
+                    </a:solidFill>
+                    <a:prstDash val="solid"/>
+                  </a:ln>
+                  <a:solidFill>
+                    <a:srgbClr val="FFFFFF"/>
+                  </a:solidFill>
+                  <a:effectLst>
+                    <a:outerShdw blurRad="63500" dir="3600000" algn="tl" rotWithShape="0">
+                      <a:srgbClr val="000000">
+                        <a:alpha val="70000"/>
+                      </a:srgbClr>
+                    </a:outerShdw>
+                  </a:effectLst>
+                  <a:latin typeface="微软雅黑" pitchFamily="34" charset="-122"/>
+                  <a:ea typeface="微软雅黑" pitchFamily="34" charset="-122"/>
+                </a:rPr>
+                <a:t>我们要做的是一个提升企业办公效率的项目</a:t>
+              </a:r>
+              <a:endParaRPr lang="en-US" altLang="zh-CN" sz="2400" dirty="0">
+                <a:ln w="18415" cmpd="sng">
+                  <a:solidFill>
+                    <a:srgbClr val="FFFFFF"/>
+                  </a:solidFill>
+                  <a:prstDash val="solid"/>
+                </a:ln>
+                <a:solidFill>
+                  <a:srgbClr val="FFFFFF"/>
+                </a:solidFill>
+                <a:effectLst>
+                  <a:outerShdw blurRad="63500" dir="3600000" algn="tl" rotWithShape="0">
+                    <a:srgbClr val="000000">
+                      <a:alpha val="70000"/>
+                    </a:srgbClr>
+                  </a:outerShdw>
+                </a:effectLst>
+                <a:latin typeface="微软雅黑" pitchFamily="34" charset="-122"/>
+                <a:ea typeface="微软雅黑" pitchFamily="34" charset="-122"/>
+              </a:endParaRPr>
+            </a:p>
+            <a:p>
+              <a:pPr algn="ctr">
+                <a:defRPr/>
+              </a:pPr>
+              <a:endParaRPr lang="en-US" altLang="zh-CN" sz="2400" dirty="0">
+                <a:ln w="18415" cmpd="sng">
+                  <a:solidFill>
+                    <a:srgbClr val="FFFFFF"/>
+                  </a:solidFill>
+                  <a:prstDash val="solid"/>
+                </a:ln>
+                <a:solidFill>
+                  <a:srgbClr val="FFFFFF"/>
+                </a:solidFill>
+                <a:effectLst>
+                  <a:outerShdw blurRad="63500" dir="3600000" algn="tl" rotWithShape="0">
+                    <a:srgbClr val="000000">
+                      <a:alpha val="70000"/>
+                    </a:srgbClr>
+                  </a:outerShdw>
+                </a:effectLst>
+                <a:latin typeface="微软雅黑" pitchFamily="34" charset="-122"/>
+                <a:ea typeface="微软雅黑" pitchFamily="34" charset="-122"/>
+              </a:endParaRPr>
+            </a:p>
+          </p:txBody>
+        </p:sp>
+      </p:grpSp>
+      <p:sp>
+        <p:nvSpPr>
+          <p:cNvPr id="10" name="矩形 9"/>
+          <p:cNvSpPr>
+            <a:spLocks noChangeArrowheads="1"/>
+          </p:cNvSpPr>
+          <p:nvPr/>
+        </p:nvSpPr>
+        <p:spPr bwMode="auto">
+          <a:xfrm>
+            <a:off x="6113463" y="4408488"/>
+            <a:ext cx="1444625" cy="1939925"/>
+          </a:xfrm>
+          <a:prstGeom prst="rect">
+            <a:avLst/>
+          </a:prstGeom>
+          <a:noFill/>
+          <a:ln>
+            <a:noFill/>
+          </a:ln>
+          <a:extLst>
+            <a:ext uri="{909E8E84-426E-40DD-AFC4-6F175D3DCCD1}">
+              <a14:hiddenFill xmlns:a14="http://schemas.microsoft.com/office/drawing/2010/main">
+                <a:solidFill>
+                  <a:srgbClr val="FFFFFF"/>
+                </a:solidFill>
+              </a14:hiddenFill>
+            </a:ext>
+            <a:ext uri="{91240B29-F687-4F45-9708-019B960494DF}">
+              <a14:hiddenLine xmlns:a14="http://schemas.microsoft.com/office/drawing/2010/main" w="9525">
+                <a:solidFill>
+                  <a:srgbClr val="000000"/>
+                </a:solidFill>
+                <a:miter lim="800000"/>
+                <a:headEnd/>
+                <a:tailEnd/>
+              </a14:hiddenLine>
+            </a:ext>
+          </a:extLst>
+        </p:spPr>
+        <p:txBody>
+          <a:bodyPr wrap="none">
+            <a:spAutoFit/>
+          </a:bodyPr>
+          <a:lstStyle/>
+          <a:p>
+            <a:r>
+              <a:rPr lang="en-US" altLang="zh-CN" sz="12000" b="1">
+                <a:solidFill>
+                  <a:srgbClr val="FF0000"/>
+                </a:solidFill>
+                <a:latin typeface="Berlin Sans FB Demi" charset="0"/>
+                <a:ea typeface="宋体" charset="-122"/>
+              </a:rPr>
+              <a:t>√</a:t>
+            </a:r>
+            <a:endParaRPr lang="zh-CN" altLang="en-US" sz="12000" b="1">
+              <a:solidFill>
+                <a:srgbClr val="FF0000"/>
+              </a:solidFill>
+              <a:latin typeface="Berlin Sans FB Demi" charset="0"/>
+              <a:ea typeface="宋体" charset="-122"/>
+            </a:endParaRPr>
+          </a:p>
+        </p:txBody>
+      </p:sp>
+      <p:pic>
+        <p:nvPicPr>
+          <p:cNvPr id="38919" name="Picture 4" descr="C:\Documents and Settings\鱼不愚\桌面\001.png"/>
+          <p:cNvPicPr>
+            <a:picLocks noChangeAspect="1" noChangeArrowheads="1"/>
+          </p:cNvPicPr>
+          <p:nvPr/>
+        </p:nvPicPr>
+        <p:blipFill>
+          <a:blip r:embed="rId2">
+            <a:extLst>
+              <a:ext uri="{28A0092B-C50C-407E-A947-70E740481C1C}">
+                <a14:useLocalDpi xmlns:a14="http://schemas.microsoft.com/office/drawing/2010/main" val="0"/>
+              </a:ext>
+            </a:extLst>
+          </a:blip>
+          <a:srcRect/>
+          <a:stretch>
+            <a:fillRect/>
+          </a:stretch>
+        </p:blipFill>
+        <p:spPr bwMode="auto">
+          <a:xfrm>
+            <a:off x="7054850" y="1012825"/>
+            <a:ext cx="2089150" cy="1724025"/>
+          </a:xfrm>
+          <a:prstGeom prst="rect">
+            <a:avLst/>
+          </a:prstGeom>
+          <a:noFill/>
+          <a:ln>
+            <a:noFill/>
+          </a:ln>
+          <a:extLst>
+            <a:ext uri="{909E8E84-426E-40DD-AFC4-6F175D3DCCD1}">
+              <a14:hiddenFill xmlns:a14="http://schemas.microsoft.com/office/drawing/2010/main">
+                <a:solidFill>
+                  <a:srgbClr val="FFFFFF"/>
+                </a:solidFill>
+              </a14:hiddenFill>
+            </a:ext>
+            <a:ext uri="{91240B29-F687-4F45-9708-019B960494DF}">
+              <a14:hiddenLine xmlns:a14="http://schemas.microsoft.com/office/drawing/2010/main" w="9525">
+                <a:solidFill>
+                  <a:srgbClr val="000000"/>
+                </a:solidFill>
+                <a:miter lim="800000"/>
+                <a:headEnd/>
+                <a:tailEnd/>
+              </a14:hiddenLine>
+            </a:ext>
+          </a:extLst>
+        </p:spPr>
+      </p:pic>
+      <p:sp>
+        <p:nvSpPr>
+          <p:cNvPr id="38920" name="TextBox 42"/>
+          <p:cNvSpPr txBox="1">
+            <a:spLocks noChangeArrowheads="1"/>
+          </p:cNvSpPr>
+          <p:nvPr/>
+        </p:nvSpPr>
+        <p:spPr bwMode="auto">
+          <a:xfrm>
+            <a:off x="6654800" y="1331913"/>
+            <a:ext cx="2274888" cy="1312862"/>
+          </a:xfrm>
+          <a:prstGeom prst="rect">
+            <a:avLst/>
+          </a:prstGeom>
+          <a:noFill/>
+          <a:ln>
+            <a:noFill/>
+          </a:ln>
+          <a:extLst>
+            <a:ext uri="{909E8E84-426E-40DD-AFC4-6F175D3DCCD1}">
+              <a14:hiddenFill xmlns:a14="http://schemas.microsoft.com/office/drawing/2010/main">
+                <a:solidFill>
+                  <a:srgbClr val="FFFFFF"/>
+                </a:solidFill>
+              </a14:hiddenFill>
+            </a:ext>
+            <a:ext uri="{91240B29-F687-4F45-9708-019B960494DF}">
+              <a14:hiddenLine xmlns:a14="http://schemas.microsoft.com/office/drawing/2010/main" w="9525">
+                <a:solidFill>
+                  <a:srgbClr val="000000"/>
+                </a:solidFill>
+                <a:miter lim="800000"/>
+                <a:headEnd/>
+                <a:tailEnd/>
+              </a14:hiddenLine>
+            </a:ext>
+          </a:extLst>
+        </p:spPr>
+        <p:txBody>
+          <a:bodyPr>
+            <a:spAutoFit/>
+          </a:bodyPr>
+          <a:lstStyle>
+            <a:lvl1pPr eaLnBrk="0" hangingPunct="0">
+              <a:defRPr sz="2000">
+                <a:solidFill>
+                  <a:schemeClr val="tx1"/>
+                </a:solidFill>
+                <a:latin typeface="Arial" charset="0"/>
+                <a:cs typeface="Arial" charset="0"/>
+              </a:defRPr>
+            </a:lvl1pPr>
+            <a:lvl2pPr marL="742950" indent="-285750" eaLnBrk="0" hangingPunct="0">
+              <a:defRPr sz="2000">
+                <a:solidFill>
+                  <a:schemeClr val="tx1"/>
+                </a:solidFill>
+                <a:latin typeface="Arial" charset="0"/>
+                <a:cs typeface="Arial" charset="0"/>
+              </a:defRPr>
+            </a:lvl2pPr>
+            <a:lvl3pPr marL="1143000" indent="-228600" eaLnBrk="0" hangingPunct="0">
+              <a:defRPr sz="2000">
+                <a:solidFill>
+                  <a:schemeClr val="tx1"/>
+                </a:solidFill>
+                <a:latin typeface="Arial" charset="0"/>
+                <a:cs typeface="Arial" charset="0"/>
+              </a:defRPr>
+            </a:lvl3pPr>
+            <a:lvl4pPr marL="1600200" indent="-228600" eaLnBrk="0" hangingPunct="0">
+              <a:defRPr sz="2000">
+                <a:solidFill>
+                  <a:schemeClr val="tx1"/>
+                </a:solidFill>
+                <a:latin typeface="Arial" charset="0"/>
+                <a:cs typeface="Arial" charset="0"/>
+              </a:defRPr>
+            </a:lvl4pPr>
+            <a:lvl5pPr marL="2057400" indent="-228600" eaLnBrk="0" hangingPunct="0">
+              <a:defRPr sz="2000">
+                <a:solidFill>
+                  <a:schemeClr val="tx1"/>
+                </a:solidFill>
+                <a:latin typeface="Arial" charset="0"/>
+                <a:cs typeface="Arial" charset="0"/>
+              </a:defRPr>
+            </a:lvl5pPr>
+            <a:lvl6pPr marL="2514600" indent="-228600" eaLnBrk="0" fontAlgn="base" hangingPunct="0">
+              <a:spcBef>
+                <a:spcPct val="0"/>
+              </a:spcBef>
+              <a:spcAft>
+                <a:spcPct val="0"/>
+              </a:spcAft>
+              <a:defRPr sz="2000">
+                <a:solidFill>
+                  <a:schemeClr val="tx1"/>
+                </a:solidFill>
+                <a:latin typeface="Arial" charset="0"/>
+                <a:cs typeface="Arial" charset="0"/>
+              </a:defRPr>
+            </a:lvl6pPr>
+            <a:lvl7pPr marL="2971800" indent="-228600" eaLnBrk="0" fontAlgn="base" hangingPunct="0">
+              <a:spcBef>
+                <a:spcPct val="0"/>
+              </a:spcBef>
+              <a:spcAft>
+                <a:spcPct val="0"/>
+              </a:spcAft>
+              <a:defRPr sz="2000">
+                <a:solidFill>
+                  <a:schemeClr val="tx1"/>
+                </a:solidFill>
+                <a:latin typeface="Arial" charset="0"/>
+                <a:cs typeface="Arial" charset="0"/>
+              </a:defRPr>
+            </a:lvl7pPr>
+            <a:lvl8pPr marL="3429000" indent="-228600" eaLnBrk="0" fontAlgn="base" hangingPunct="0">
+              <a:spcBef>
+                <a:spcPct val="0"/>
+              </a:spcBef>
+              <a:spcAft>
+                <a:spcPct val="0"/>
+              </a:spcAft>
+              <a:defRPr sz="2000">
+                <a:solidFill>
+                  <a:schemeClr val="tx1"/>
+                </a:solidFill>
+                <a:latin typeface="Arial" charset="0"/>
+                <a:cs typeface="Arial" charset="0"/>
+              </a:defRPr>
+            </a:lvl8pPr>
+            <a:lvl9pPr marL="3886200" indent="-228600" eaLnBrk="0" fontAlgn="base" hangingPunct="0">
+              <a:spcBef>
+                <a:spcPct val="0"/>
+              </a:spcBef>
+              <a:spcAft>
+                <a:spcPct val="0"/>
+              </a:spcAft>
+              <a:defRPr sz="2000">
+                <a:solidFill>
+                  <a:schemeClr val="tx1"/>
+                </a:solidFill>
+                <a:latin typeface="Arial" charset="0"/>
+                <a:cs typeface="Arial" charset="0"/>
+              </a:defRPr>
+            </a:lvl9pPr>
+          </a:lstStyle>
+          <a:p>
+            <a:pPr algn="ctr" eaLnBrk="1" hangingPunct="1"/>
+            <a:r>
+              <a:rPr lang="zh-CN" altLang="en-US" sz="2400" b="1">
+                <a:solidFill>
+                  <a:srgbClr val="FF0000"/>
+                </a:solidFill>
+                <a:latin typeface="微软雅黑" pitchFamily="34" charset="-122"/>
+                <a:ea typeface="微软雅黑" pitchFamily="34" charset="-122"/>
+              </a:rPr>
+              <a:t>愿景</a:t>
+            </a:r>
+            <a:endParaRPr lang="en-US" altLang="zh-CN" sz="2400" b="1">
+              <a:solidFill>
+                <a:srgbClr val="FF0000"/>
+              </a:solidFill>
+              <a:latin typeface="微软雅黑" pitchFamily="34" charset="-122"/>
+              <a:ea typeface="微软雅黑" pitchFamily="34" charset="-122"/>
+            </a:endParaRPr>
+          </a:p>
+          <a:p>
+            <a:pPr algn="ctr" eaLnBrk="1" hangingPunct="1"/>
+            <a:r>
+              <a:rPr lang="zh-CN" altLang="en-US" sz="2400" b="1">
+                <a:solidFill>
+                  <a:srgbClr val="FF0000"/>
+                </a:solidFill>
+                <a:latin typeface="微软雅黑" pitchFamily="34" charset="-122"/>
+                <a:ea typeface="微软雅黑" pitchFamily="34" charset="-122"/>
+              </a:rPr>
+              <a:t>往往涉及</a:t>
+            </a:r>
+            <a:endParaRPr lang="en-US" altLang="zh-CN" sz="2400" b="1">
+              <a:solidFill>
+                <a:srgbClr val="FF0000"/>
+              </a:solidFill>
+              <a:latin typeface="微软雅黑" pitchFamily="34" charset="-122"/>
+              <a:ea typeface="微软雅黑" pitchFamily="34" charset="-122"/>
+            </a:endParaRPr>
+          </a:p>
+          <a:p>
+            <a:pPr algn="ctr" eaLnBrk="1" hangingPunct="1"/>
+            <a:r>
+              <a:rPr lang="zh-CN" altLang="en-US" sz="2400" b="1">
+                <a:solidFill>
+                  <a:srgbClr val="FF0000"/>
+                </a:solidFill>
+                <a:latin typeface="微软雅黑" pitchFamily="34" charset="-122"/>
+                <a:ea typeface="微软雅黑" pitchFamily="34" charset="-122"/>
+              </a:rPr>
+              <a:t>公司战略</a:t>
+            </a:r>
+            <a:endParaRPr lang="en-US" altLang="zh-CN" sz="2400" b="1">
+              <a:solidFill>
+                <a:srgbClr val="FF0000"/>
+              </a:solidFill>
+              <a:latin typeface="微软雅黑" pitchFamily="34" charset="-122"/>
+              <a:ea typeface="微软雅黑" pitchFamily="34" charset="-122"/>
+            </a:endParaRPr>
+          </a:p>
+          <a:p>
+            <a:pPr algn="ctr" eaLnBrk="1" hangingPunct="1"/>
+            <a:endParaRPr lang="en-US" altLang="zh-CN" sz="2400" b="1">
+              <a:latin typeface="微软雅黑" pitchFamily="34" charset="-122"/>
+              <a:ea typeface="微软雅黑" pitchFamily="34" charset="-122"/>
+            </a:endParaRPr>
+          </a:p>
+          <a:p>
+            <a:pPr algn="ctr" eaLnBrk="1" hangingPunct="1"/>
+            <a:endParaRPr lang="en-US" altLang="zh-CN" sz="2400" b="1">
+              <a:latin typeface="微软雅黑" pitchFamily="34" charset="-122"/>
+              <a:ea typeface="微软雅黑" pitchFamily="34" charset="-122"/>
+            </a:endParaRPr>
+          </a:p>
+        </p:txBody>
+      </p:sp>
+      <p:sp>
+        <p:nvSpPr>
+          <p:cNvPr id="16" name="燕尾形箭头 15"/>
+          <p:cNvSpPr/>
+          <p:nvPr/>
+        </p:nvSpPr>
+        <p:spPr>
+          <a:xfrm rot="6849917">
+            <a:off x="6923088" y="2806700"/>
+            <a:ext cx="1143000" cy="571500"/>
+          </a:xfrm>
+          <a:prstGeom prst="notchedRightArrow">
+            <a:avLst/>
+          </a:prstGeom>
+          <a:solidFill>
+            <a:srgbClr val="009900"/>
+          </a:solidFill>
+          <a:ln>
+            <a:solidFill>
+              <a:srgbClr val="CCFF33"/>
+            </a:solidFill>
+          </a:ln>
+        </p:spPr>
+        <p:style>
+          <a:lnRef idx="1">
+            <a:schemeClr val="accent3"/>
+          </a:lnRef>
+          <a:fillRef idx="3">
+            <a:schemeClr val="accent3"/>
+          </a:fillRef>
+          <a:effectRef idx="2">
+            <a:schemeClr val="accent3"/>
+          </a:effectRef>
+          <a:fontRef idx="minor">
+            <a:schemeClr val="lt1"/>
+          </a:fontRef>
+        </p:style>
+        <p:txBody>
+          <a:bodyPr anchor="ctr"/>
+          <a:lstStyle/>
+          <a:p>
+            <a:pPr algn="ctr">
+              <a:defRPr/>
+            </a:pPr>
+            <a:endParaRPr lang="zh-CN" altLang="en-US">
+              <a:solidFill>
+                <a:srgbClr val="FFFFFF"/>
+              </a:solidFill>
+              <a:ea typeface="宋体" pitchFamily="2" charset="-122"/>
+            </a:endParaRPr>
+          </a:p>
+        </p:txBody>
+      </p:sp>
+    </p:spTree>
+    <p:extLst>
+      <p:ext uri="{BB962C8B-B14F-4D97-AF65-F5344CB8AC3E}">
+        <p14:creationId xmlns:p14="http://schemas.microsoft.com/office/powerpoint/2010/main" val="2817541483"/>
+      </p:ext>
+    </p:extLst>
+  </p:cSld>
+  <p:clrMapOvr>
+    <a:masterClrMapping/>
+  </p:clrMapOvr>
+  <p:timing>
+    <p:tnLst>
+      <p:par>
+        <p:cTn id="1" dur="indefinite" restart="never" nodeType="tmRoot">
+          <p:childTnLst>
+            <p:seq concurrent="1" nextAc="seek">
+              <p:cTn id="2" dur="indefinite" nodeType="mainSeq">
+                <p:childTnLst>
+                  <p:par>
+                    <p:cTn id="3" fill="hold" nodeType="clickPar">
+                      <p:stCondLst>
+                        <p:cond delay="indefinite"/>
+                        <p:cond evt="onBegin" delay="0">
+                          <p:tn val="2"/>
+                        </p:cond>
+                      </p:stCondLst>
+                      <p:childTnLst>
+                        <p:par>
+                          <p:cTn id="4" fill="hold" nodeType="withGroup">
+                            <p:stCondLst>
+                              <p:cond delay="0"/>
+                            </p:stCondLst>
+                            <p:childTnLst>
+                              <p:par>
+                                <p:cTn id="5" presetID="10" presetClass="entr" presetSubtype="0" fill="hold" nodeType="withEffect">
+                                  <p:stCondLst>
+                                    <p:cond delay="0"/>
+                                  </p:stCondLst>
+                                  <p:childTnLst>
+                                    <p:set>
+                                      <p:cBhvr>
+                                        <p:cTn id="6" dur="1" fill="hold">
+                                          <p:stCondLst>
+                                            <p:cond delay="0"/>
+                                          </p:stCondLst>
+                                        </p:cTn>
+                                        <p:tgtEl>
+                                          <p:spTgt spid="3"/>
+                                        </p:tgtEl>
+                                        <p:attrNameLst>
+                                          <p:attrName>style.visibility</p:attrName>
+                                        </p:attrNameLst>
+                                      </p:cBhvr>
+                                      <p:to>
+                                        <p:strVal val="visible"/>
+                                      </p:to>
+                                    </p:set>
+                                    <p:animEffect transition="in" filter="fade">
+                                      <p:cBhvr>
+                                        <p:cTn id="7" dur="2000"/>
+                                        <p:tgtEl>
+                                          <p:spTgt spid="3"/>
+                                        </p:tgtEl>
+                                      </p:cBhvr>
+                                    </p:animEffect>
+                                  </p:childTnLst>
+                                </p:cTn>
+                              </p:par>
+                            </p:childTnLst>
+                          </p:cTn>
+                        </p:par>
+                        <p:par>
+                          <p:cTn id="8" fill="hold" nodeType="afterGroup">
+                            <p:stCondLst>
+                              <p:cond delay="2000"/>
+                            </p:stCondLst>
+                            <p:childTnLst>
+                              <p:par>
+                                <p:cTn id="9" presetID="10" presetClass="entr" presetSubtype="0" fill="hold" grpId="0" nodeType="afterEffect">
+                                  <p:stCondLst>
+                                    <p:cond delay="0"/>
+                                  </p:stCondLst>
+                                  <p:childTnLst>
+                                    <p:set>
+                                      <p:cBhvr>
+                                        <p:cTn id="10" dur="1" fill="hold">
+                                          <p:stCondLst>
+                                            <p:cond delay="0"/>
+                                          </p:stCondLst>
+                                        </p:cTn>
+                                        <p:tgtEl>
+                                          <p:spTgt spid="10"/>
+                                        </p:tgtEl>
+                                        <p:attrNameLst>
+                                          <p:attrName>style.visibility</p:attrName>
+                                        </p:attrNameLst>
+                                      </p:cBhvr>
+                                      <p:to>
+                                        <p:strVal val="visible"/>
+                                      </p:to>
+                                    </p:set>
+                                    <p:animEffect transition="in" filter="fade">
+                                      <p:cBhvr>
+                                        <p:cTn id="11" dur="2000"/>
+                                        <p:tgtEl>
+                                          <p:spTgt spid="10"/>
+                                        </p:tgtEl>
+                                      </p:cBhvr>
+                                    </p:animEffect>
+                                  </p:childTnLst>
+                                </p:cTn>
+                              </p:par>
+                            </p:childTnLst>
+                          </p:cTn>
+                        </p:par>
+                        <p:par>
+                          <p:cTn id="12" fill="hold" nodeType="afterGroup">
+                            <p:stCondLst>
+                              <p:cond delay="4000"/>
+                            </p:stCondLst>
+                            <p:childTnLst>
+                              <p:par>
+                                <p:cTn id="13" presetID="10" presetClass="entr" presetSubtype="0" fill="hold" grpId="0" nodeType="afterEffect">
+                                  <p:stCondLst>
+                                    <p:cond delay="0"/>
+                                  </p:stCondLst>
+                                  <p:childTnLst>
+                                    <p:set>
+                                      <p:cBhvr>
+                                        <p:cTn id="14" dur="1" fill="hold">
+                                          <p:stCondLst>
+                                            <p:cond delay="0"/>
+                                          </p:stCondLst>
+                                        </p:cTn>
+                                        <p:tgtEl>
+                                          <p:spTgt spid="16"/>
+                                        </p:tgtEl>
+                                        <p:attrNameLst>
+                                          <p:attrName>style.visibility</p:attrName>
+                                        </p:attrNameLst>
+                                      </p:cBhvr>
+                                      <p:to>
+                                        <p:strVal val="visible"/>
+                                      </p:to>
+                                    </p:set>
+                                    <p:animEffect transition="in" filter="fade">
+                                      <p:cBhvr>
+                                        <p:cTn id="15" dur="2000"/>
+                                        <p:tgtEl>
+                                          <p:spTgt spid="16"/>
+                                        </p:tgtEl>
+                                      </p:cBhvr>
+                                    </p:animEffect>
+                                  </p:childTnLst>
+                                </p:cTn>
+                              </p:par>
+                            </p:childTnLst>
+                          </p:cTn>
+                        </p:par>
+                      </p:childTnLst>
+                    </p:cTn>
+                  </p:par>
+                </p:childTnLst>
+              </p:cTn>
+              <p:prevCondLst>
+                <p:cond evt="onPrev" delay="0">
+                  <p:tgtEl>
+                    <p:sldTgt/>
+                  </p:tgtEl>
+                </p:cond>
+              </p:prevCondLst>
+              <p:nextCondLst>
+                <p:cond evt="onNext" delay="0">
+                  <p:tgtEl>
+                    <p:sldTgt/>
+                  </p:tgtEl>
+                </p:cond>
+              </p:nextCondLst>
+            </p:seq>
+          </p:childTnLst>
+        </p:cTn>
+      </p:par>
+    </p:tnLst>
+    <p:bldLst>
+      <p:bldP spid="10" grpId="0"/>
+      <p:bldP spid="16" grpId="0" animBg="1"/>
+    </p:bldLst>
+  </p:timing>
+</p:sld>
+</file>
+
+<file path=ppt/slides/slide37.xml><?xml version="1.0" encoding="utf-8"?>
+<p:sld xmlns:a="http://schemas.openxmlformats.org/drawingml/2006/main" xmlns:r="http://schemas.openxmlformats.org/officeDocument/2006/relationships" xmlns:p="http://schemas.openxmlformats.org/presentationml/2006/main">
+  <p:cSld>
+    <p:spTree>
+      <p:nvGrpSpPr>
+        <p:cNvPr id="1" name=""/>
+        <p:cNvGrpSpPr/>
+        <p:nvPr/>
+      </p:nvGrpSpPr>
+      <p:grpSpPr>
+        <a:xfrm>
+          <a:off x="0" y="0"/>
+          <a:ext cx="0" cy="0"/>
+          <a:chOff x="0" y="0"/>
+          <a:chExt cx="0" cy="0"/>
+        </a:xfrm>
+      </p:grpSpPr>
+      <p:sp>
+        <p:nvSpPr>
+          <p:cNvPr id="39938" name="标题 1"/>
+          <p:cNvSpPr>
+            <a:spLocks noGrp="1"/>
+          </p:cNvSpPr>
+          <p:nvPr>
+            <p:ph type="title"/>
+          </p:nvPr>
+        </p:nvSpPr>
+        <p:spPr/>
+        <p:txBody>
+          <a:bodyPr/>
+          <a:lstStyle/>
+          <a:p>
+            <a:r>
+              <a:rPr lang="zh-CN" altLang="en-US" smtClean="0"/>
+              <a:t>准备知识</a:t>
+            </a:r>
+            <a:r>
+              <a:rPr lang="en-US" altLang="zh-CN" smtClean="0"/>
+              <a:t>——</a:t>
+            </a:r>
+            <a:r>
+              <a:rPr lang="zh-CN" altLang="en-US" smtClean="0"/>
+              <a:t>项目愿景</a:t>
+            </a:r>
+          </a:p>
+        </p:txBody>
+      </p:sp>
+      <p:sp>
+        <p:nvSpPr>
+          <p:cNvPr id="39939" name="内容占位符 2"/>
+          <p:cNvSpPr>
+            <a:spLocks noGrp="1"/>
+          </p:cNvSpPr>
+          <p:nvPr>
+            <p:ph idx="1"/>
+          </p:nvPr>
+        </p:nvSpPr>
+        <p:spPr>
+          <a:xfrm>
+            <a:off x="457200" y="1340768"/>
+            <a:ext cx="8229600" cy="4785395"/>
+          </a:xfrm>
+        </p:spPr>
+        <p:txBody>
+          <a:bodyPr/>
+          <a:lstStyle/>
+          <a:p>
+            <a:r>
+              <a:rPr lang="zh-CN" altLang="en-US" b="1" dirty="0" smtClean="0">
+                <a:solidFill>
+                  <a:srgbClr val="FF0000"/>
+                </a:solidFill>
+              </a:rPr>
+              <a:t>愿景从哪里来？</a:t>
+            </a:r>
+            <a:endParaRPr lang="en-US" altLang="zh-CN" b="1" dirty="0" smtClean="0">
+              <a:solidFill>
+                <a:srgbClr val="FF0000"/>
+              </a:solidFill>
+            </a:endParaRPr>
+          </a:p>
+          <a:p>
+            <a:pPr lvl="1"/>
+            <a:r>
+              <a:rPr lang="zh-CN" altLang="en-US" dirty="0" smtClean="0"/>
+              <a:t>来自</a:t>
+            </a:r>
+            <a:r>
+              <a:rPr lang="zh-CN" altLang="en-US" dirty="0" smtClean="0">
+                <a:solidFill>
+                  <a:srgbClr val="FF0000"/>
+                </a:solidFill>
+              </a:rPr>
+              <a:t>要改善的组织</a:t>
+            </a:r>
+            <a:r>
+              <a:rPr lang="zh-CN" altLang="en-US" dirty="0" smtClean="0"/>
+              <a:t>中</a:t>
+            </a:r>
+            <a:r>
+              <a:rPr lang="zh-CN" altLang="en-US" dirty="0" smtClean="0">
+                <a:solidFill>
+                  <a:srgbClr val="FF0000"/>
+                </a:solidFill>
+              </a:rPr>
+              <a:t>最有权力的干系人</a:t>
+            </a:r>
+            <a:r>
+              <a:rPr lang="en-US" altLang="zh-CN" dirty="0" smtClean="0"/>
+              <a:t>——</a:t>
+            </a:r>
+            <a:r>
+              <a:rPr lang="zh-CN" altLang="en-US" dirty="0" smtClean="0"/>
+              <a:t>老大</a:t>
+            </a:r>
+          </a:p>
+          <a:p>
+            <a:pPr lvl="1"/>
+            <a:r>
+              <a:rPr lang="zh-CN" altLang="en-US" dirty="0" smtClean="0"/>
+              <a:t>软件项目的愿景是“老大”愿意掏钱开发这个系统的目的。</a:t>
+            </a:r>
+            <a:endParaRPr lang="en-US" altLang="zh-CN" dirty="0" smtClean="0"/>
+          </a:p>
+          <a:p>
+            <a:pPr>
+              <a:buFont typeface="Wingdings" pitchFamily="2" charset="2"/>
+              <a:buNone/>
+            </a:pPr>
+            <a:endParaRPr lang="zh-CN" altLang="en-US" dirty="0" smtClean="0"/>
+          </a:p>
+        </p:txBody>
+      </p:sp>
+      <p:grpSp>
+        <p:nvGrpSpPr>
+          <p:cNvPr id="39940" name="组合 3"/>
+          <p:cNvGrpSpPr>
+            <a:grpSpLocks/>
+          </p:cNvGrpSpPr>
+          <p:nvPr/>
+        </p:nvGrpSpPr>
+        <p:grpSpPr bwMode="auto">
+          <a:xfrm>
+            <a:off x="214313" y="4572000"/>
+            <a:ext cx="1800225" cy="1655763"/>
+            <a:chOff x="214282" y="3643314"/>
+            <a:chExt cx="1800493" cy="1655216"/>
+          </a:xfrm>
+        </p:grpSpPr>
+        <p:pic>
+          <p:nvPicPr>
+            <p:cNvPr id="39950" name="Picture 4"/>
+            <p:cNvPicPr>
+              <a:picLocks noChangeAspect="1" noChangeArrowheads="1"/>
+            </p:cNvPicPr>
+            <p:nvPr/>
+          </p:nvPicPr>
+          <p:blipFill>
+            <a:blip r:embed="rId2">
+              <a:clrChange>
+                <a:clrFrom>
+                  <a:srgbClr val="FEFFFF"/>
+                </a:clrFrom>
+                <a:clrTo>
+                  <a:srgbClr val="FEFFFF">
+                    <a:alpha val="0"/>
+                  </a:srgbClr>
+                </a:clrTo>
+              </a:clrChange>
+              <a:extLst>
+                <a:ext uri="{28A0092B-C50C-407E-A947-70E740481C1C}">
+                  <a14:useLocalDpi xmlns:a14="http://schemas.microsoft.com/office/drawing/2010/main" val="0"/>
+                </a:ext>
+              </a:extLst>
+            </a:blip>
+            <a:srcRect l="13832" t="5829" r="7787" b="6735"/>
+            <a:stretch>
+              <a:fillRect/>
+            </a:stretch>
+          </p:blipFill>
+          <p:spPr bwMode="auto">
+            <a:xfrm>
+              <a:off x="642910" y="3643314"/>
+              <a:ext cx="753794" cy="1330225"/>
+            </a:xfrm>
+            <a:prstGeom prst="rect">
+              <a:avLst/>
+            </a:prstGeom>
+            <a:noFill/>
+            <a:ln>
+              <a:noFill/>
+            </a:ln>
+            <a:extLst>
+              <a:ext uri="{909E8E84-426E-40DD-AFC4-6F175D3DCCD1}">
+                <a14:hiddenFill xmlns:a14="http://schemas.microsoft.com/office/drawing/2010/main">
+                  <a:solidFill>
+                    <a:srgbClr val="FFFFFF"/>
+                  </a:solidFill>
+                </a14:hiddenFill>
+              </a:ext>
+              <a:ext uri="{91240B29-F687-4F45-9708-019B960494DF}">
+                <a14:hiddenLine xmlns:a14="http://schemas.microsoft.com/office/drawing/2010/main" w="9525">
+                  <a:solidFill>
+                    <a:srgbClr val="000000"/>
+                  </a:solidFill>
+                  <a:miter lim="800000"/>
+                  <a:headEnd/>
+                  <a:tailEnd/>
+                </a14:hiddenLine>
+              </a:ext>
+            </a:extLst>
+          </p:spPr>
+        </p:pic>
+        <p:sp>
+          <p:nvSpPr>
+            <p:cNvPr id="39951" name="TextBox 5"/>
+            <p:cNvSpPr txBox="1">
+              <a:spLocks noChangeArrowheads="1"/>
+            </p:cNvSpPr>
+            <p:nvPr/>
+          </p:nvSpPr>
+          <p:spPr bwMode="auto">
+            <a:xfrm>
+              <a:off x="214282" y="4929198"/>
+              <a:ext cx="1800493" cy="369332"/>
+            </a:xfrm>
+            <a:prstGeom prst="rect">
+              <a:avLst/>
+            </a:prstGeom>
+            <a:noFill/>
+            <a:ln>
+              <a:noFill/>
+            </a:ln>
+            <a:extLst>
+              <a:ext uri="{909E8E84-426E-40DD-AFC4-6F175D3DCCD1}">
+                <a14:hiddenFill xmlns:a14="http://schemas.microsoft.com/office/drawing/2010/main">
+                  <a:solidFill>
+                    <a:srgbClr val="FFFFFF"/>
+                  </a:solidFill>
+                </a14:hiddenFill>
+              </a:ext>
+              <a:ext uri="{91240B29-F687-4F45-9708-019B960494DF}">
+                <a14:hiddenLine xmlns:a14="http://schemas.microsoft.com/office/drawing/2010/main" w="9525">
+                  <a:solidFill>
+                    <a:srgbClr val="000000"/>
+                  </a:solidFill>
+                  <a:miter lim="800000"/>
+                  <a:headEnd/>
+                  <a:tailEnd/>
+                </a14:hiddenLine>
+              </a:ext>
+            </a:extLst>
+          </p:spPr>
+          <p:txBody>
+            <a:bodyPr wrap="none">
+              <a:spAutoFit/>
+            </a:bodyPr>
+            <a:lstStyle>
+              <a:lvl1pPr eaLnBrk="0" hangingPunct="0">
+                <a:defRPr sz="2000">
+                  <a:solidFill>
+                    <a:schemeClr val="tx1"/>
+                  </a:solidFill>
+                  <a:latin typeface="Arial" charset="0"/>
+                  <a:cs typeface="Arial" charset="0"/>
+                </a:defRPr>
+              </a:lvl1pPr>
+              <a:lvl2pPr marL="742950" indent="-285750" eaLnBrk="0" hangingPunct="0">
+                <a:defRPr sz="2000">
+                  <a:solidFill>
+                    <a:schemeClr val="tx1"/>
+                  </a:solidFill>
+                  <a:latin typeface="Arial" charset="0"/>
+                  <a:cs typeface="Arial" charset="0"/>
+                </a:defRPr>
+              </a:lvl2pPr>
+              <a:lvl3pPr marL="1143000" indent="-228600" eaLnBrk="0" hangingPunct="0">
+                <a:defRPr sz="2000">
+                  <a:solidFill>
+                    <a:schemeClr val="tx1"/>
+                  </a:solidFill>
+                  <a:latin typeface="Arial" charset="0"/>
+                  <a:cs typeface="Arial" charset="0"/>
+                </a:defRPr>
+              </a:lvl3pPr>
+              <a:lvl4pPr marL="1600200" indent="-228600" eaLnBrk="0" hangingPunct="0">
+                <a:defRPr sz="2000">
+                  <a:solidFill>
+                    <a:schemeClr val="tx1"/>
+                  </a:solidFill>
+                  <a:latin typeface="Arial" charset="0"/>
+                  <a:cs typeface="Arial" charset="0"/>
+                </a:defRPr>
+              </a:lvl4pPr>
+              <a:lvl5pPr marL="2057400" indent="-228600" eaLnBrk="0" hangingPunct="0">
+                <a:defRPr sz="2000">
+                  <a:solidFill>
+                    <a:schemeClr val="tx1"/>
+                  </a:solidFill>
+                  <a:latin typeface="Arial" charset="0"/>
+                  <a:cs typeface="Arial" charset="0"/>
+                </a:defRPr>
+              </a:lvl5pPr>
+              <a:lvl6pPr marL="2514600" indent="-228600" eaLnBrk="0" fontAlgn="base" hangingPunct="0">
+                <a:spcBef>
+                  <a:spcPct val="0"/>
+                </a:spcBef>
+                <a:spcAft>
+                  <a:spcPct val="0"/>
+                </a:spcAft>
+                <a:defRPr sz="2000">
+                  <a:solidFill>
+                    <a:schemeClr val="tx1"/>
+                  </a:solidFill>
+                  <a:latin typeface="Arial" charset="0"/>
+                  <a:cs typeface="Arial" charset="0"/>
+                </a:defRPr>
+              </a:lvl6pPr>
+              <a:lvl7pPr marL="2971800" indent="-228600" eaLnBrk="0" fontAlgn="base" hangingPunct="0">
+                <a:spcBef>
+                  <a:spcPct val="0"/>
+                </a:spcBef>
+                <a:spcAft>
+                  <a:spcPct val="0"/>
+                </a:spcAft>
+                <a:defRPr sz="2000">
+                  <a:solidFill>
+                    <a:schemeClr val="tx1"/>
+                  </a:solidFill>
+                  <a:latin typeface="Arial" charset="0"/>
+                  <a:cs typeface="Arial" charset="0"/>
+                </a:defRPr>
+              </a:lvl7pPr>
+              <a:lvl8pPr marL="3429000" indent="-228600" eaLnBrk="0" fontAlgn="base" hangingPunct="0">
+                <a:spcBef>
+                  <a:spcPct val="0"/>
+                </a:spcBef>
+                <a:spcAft>
+                  <a:spcPct val="0"/>
+                </a:spcAft>
+                <a:defRPr sz="2000">
+                  <a:solidFill>
+                    <a:schemeClr val="tx1"/>
+                  </a:solidFill>
+                  <a:latin typeface="Arial" charset="0"/>
+                  <a:cs typeface="Arial" charset="0"/>
+                </a:defRPr>
+              </a:lvl8pPr>
+              <a:lvl9pPr marL="3886200" indent="-228600" eaLnBrk="0" fontAlgn="base" hangingPunct="0">
+                <a:spcBef>
+                  <a:spcPct val="0"/>
+                </a:spcBef>
+                <a:spcAft>
+                  <a:spcPct val="0"/>
+                </a:spcAft>
+                <a:defRPr sz="2000">
+                  <a:solidFill>
+                    <a:schemeClr val="tx1"/>
+                  </a:solidFill>
+                  <a:latin typeface="Arial" charset="0"/>
+                  <a:cs typeface="Arial" charset="0"/>
+                </a:defRPr>
+              </a:lvl9pPr>
+            </a:lstStyle>
+            <a:p>
+              <a:pPr eaLnBrk="1" hangingPunct="1"/>
+              <a:r>
+                <a:rPr lang="zh-CN" altLang="en-US">
+                  <a:latin typeface="黑体" pitchFamily="2" charset="-122"/>
+                  <a:ea typeface="黑体" pitchFamily="2" charset="-122"/>
+                </a:rPr>
+                <a:t>某企业财务主管</a:t>
+              </a:r>
+            </a:p>
+          </p:txBody>
+        </p:sp>
+      </p:grpSp>
+      <p:grpSp>
+        <p:nvGrpSpPr>
+          <p:cNvPr id="39941" name="组合 6"/>
+          <p:cNvGrpSpPr>
+            <a:grpSpLocks/>
+          </p:cNvGrpSpPr>
+          <p:nvPr/>
+        </p:nvGrpSpPr>
+        <p:grpSpPr bwMode="auto">
+          <a:xfrm>
+            <a:off x="3162300" y="4643438"/>
+            <a:ext cx="1338263" cy="1584325"/>
+            <a:chOff x="3161734" y="4714884"/>
+            <a:chExt cx="1338828" cy="1583778"/>
+          </a:xfrm>
+        </p:grpSpPr>
+        <p:pic>
+          <p:nvPicPr>
+            <p:cNvPr id="39948" name="Picture 5"/>
+            <p:cNvPicPr>
+              <a:picLocks noChangeAspect="1" noChangeArrowheads="1"/>
+            </p:cNvPicPr>
+            <p:nvPr/>
+          </p:nvPicPr>
+          <p:blipFill>
+            <a:blip r:embed="rId3">
+              <a:clrChange>
+                <a:clrFrom>
+                  <a:srgbClr val="FFFFFF"/>
+                </a:clrFrom>
+                <a:clrTo>
+                  <a:srgbClr val="FFFFFF">
+                    <a:alpha val="0"/>
+                  </a:srgbClr>
+                </a:clrTo>
+              </a:clrChange>
+              <a:extLst>
+                <a:ext uri="{28A0092B-C50C-407E-A947-70E740481C1C}">
+                  <a14:useLocalDpi xmlns:a14="http://schemas.microsoft.com/office/drawing/2010/main" val="0"/>
+                </a:ext>
+              </a:extLst>
+            </a:blip>
+            <a:srcRect/>
+            <a:stretch>
+              <a:fillRect/>
+            </a:stretch>
+          </p:blipFill>
+          <p:spPr bwMode="auto">
+            <a:xfrm>
+              <a:off x="3442300" y="4714884"/>
+              <a:ext cx="772510" cy="1229710"/>
+            </a:xfrm>
+            <a:prstGeom prst="rect">
+              <a:avLst/>
+            </a:prstGeom>
+            <a:noFill/>
+            <a:ln>
+              <a:noFill/>
+            </a:ln>
+            <a:extLst>
+              <a:ext uri="{909E8E84-426E-40DD-AFC4-6F175D3DCCD1}">
+                <a14:hiddenFill xmlns:a14="http://schemas.microsoft.com/office/drawing/2010/main">
+                  <a:solidFill>
+                    <a:srgbClr val="FFFFFF"/>
+                  </a:solidFill>
+                </a14:hiddenFill>
+              </a:ext>
+              <a:ext uri="{91240B29-F687-4F45-9708-019B960494DF}">
+                <a14:hiddenLine xmlns:a14="http://schemas.microsoft.com/office/drawing/2010/main" w="9525">
+                  <a:solidFill>
+                    <a:srgbClr val="000000"/>
+                  </a:solidFill>
+                  <a:miter lim="800000"/>
+                  <a:headEnd/>
+                  <a:tailEnd/>
+                </a14:hiddenLine>
+              </a:ext>
+            </a:extLst>
+          </p:spPr>
+        </p:pic>
+        <p:sp>
+          <p:nvSpPr>
+            <p:cNvPr id="39949" name="TextBox 8"/>
+            <p:cNvSpPr txBox="1">
+              <a:spLocks noChangeArrowheads="1"/>
+            </p:cNvSpPr>
+            <p:nvPr/>
+          </p:nvSpPr>
+          <p:spPr bwMode="auto">
+            <a:xfrm>
+              <a:off x="3161734" y="5929330"/>
+              <a:ext cx="1338828" cy="369332"/>
+            </a:xfrm>
+            <a:prstGeom prst="rect">
+              <a:avLst/>
+            </a:prstGeom>
+            <a:noFill/>
+            <a:ln>
+              <a:noFill/>
+            </a:ln>
+            <a:extLst>
+              <a:ext uri="{909E8E84-426E-40DD-AFC4-6F175D3DCCD1}">
+                <a14:hiddenFill xmlns:a14="http://schemas.microsoft.com/office/drawing/2010/main">
+                  <a:solidFill>
+                    <a:srgbClr val="FFFFFF"/>
+                  </a:solidFill>
+                </a14:hiddenFill>
+              </a:ext>
+              <a:ext uri="{91240B29-F687-4F45-9708-019B960494DF}">
+                <a14:hiddenLine xmlns:a14="http://schemas.microsoft.com/office/drawing/2010/main" w="9525">
+                  <a:solidFill>
+                    <a:srgbClr val="000000"/>
+                  </a:solidFill>
+                  <a:miter lim="800000"/>
+                  <a:headEnd/>
+                  <a:tailEnd/>
+                </a14:hiddenLine>
+              </a:ext>
+            </a:extLst>
+          </p:spPr>
+          <p:txBody>
+            <a:bodyPr wrap="none">
+              <a:spAutoFit/>
+            </a:bodyPr>
+            <a:lstStyle>
+              <a:lvl1pPr eaLnBrk="0" hangingPunct="0">
+                <a:defRPr sz="2000">
+                  <a:solidFill>
+                    <a:schemeClr val="tx1"/>
+                  </a:solidFill>
+                  <a:latin typeface="Arial" charset="0"/>
+                  <a:cs typeface="Arial" charset="0"/>
+                </a:defRPr>
+              </a:lvl1pPr>
+              <a:lvl2pPr marL="742950" indent="-285750" eaLnBrk="0" hangingPunct="0">
+                <a:defRPr sz="2000">
+                  <a:solidFill>
+                    <a:schemeClr val="tx1"/>
+                  </a:solidFill>
+                  <a:latin typeface="Arial" charset="0"/>
+                  <a:cs typeface="Arial" charset="0"/>
+                </a:defRPr>
+              </a:lvl2pPr>
+              <a:lvl3pPr marL="1143000" indent="-228600" eaLnBrk="0" hangingPunct="0">
+                <a:defRPr sz="2000">
+                  <a:solidFill>
+                    <a:schemeClr val="tx1"/>
+                  </a:solidFill>
+                  <a:latin typeface="Arial" charset="0"/>
+                  <a:cs typeface="Arial" charset="0"/>
+                </a:defRPr>
+              </a:lvl3pPr>
+              <a:lvl4pPr marL="1600200" indent="-228600" eaLnBrk="0" hangingPunct="0">
+                <a:defRPr sz="2000">
+                  <a:solidFill>
+                    <a:schemeClr val="tx1"/>
+                  </a:solidFill>
+                  <a:latin typeface="Arial" charset="0"/>
+                  <a:cs typeface="Arial" charset="0"/>
+                </a:defRPr>
+              </a:lvl4pPr>
+              <a:lvl5pPr marL="2057400" indent="-228600" eaLnBrk="0" hangingPunct="0">
+                <a:defRPr sz="2000">
+                  <a:solidFill>
+                    <a:schemeClr val="tx1"/>
+                  </a:solidFill>
+                  <a:latin typeface="Arial" charset="0"/>
+                  <a:cs typeface="Arial" charset="0"/>
+                </a:defRPr>
+              </a:lvl5pPr>
+              <a:lvl6pPr marL="2514600" indent="-228600" eaLnBrk="0" fontAlgn="base" hangingPunct="0">
+                <a:spcBef>
+                  <a:spcPct val="0"/>
+                </a:spcBef>
+                <a:spcAft>
+                  <a:spcPct val="0"/>
+                </a:spcAft>
+                <a:defRPr sz="2000">
+                  <a:solidFill>
+                    <a:schemeClr val="tx1"/>
+                  </a:solidFill>
+                  <a:latin typeface="Arial" charset="0"/>
+                  <a:cs typeface="Arial" charset="0"/>
+                </a:defRPr>
+              </a:lvl6pPr>
+              <a:lvl7pPr marL="2971800" indent="-228600" eaLnBrk="0" fontAlgn="base" hangingPunct="0">
+                <a:spcBef>
+                  <a:spcPct val="0"/>
+                </a:spcBef>
+                <a:spcAft>
+                  <a:spcPct val="0"/>
+                </a:spcAft>
+                <a:defRPr sz="2000">
+                  <a:solidFill>
+                    <a:schemeClr val="tx1"/>
+                  </a:solidFill>
+                  <a:latin typeface="Arial" charset="0"/>
+                  <a:cs typeface="Arial" charset="0"/>
+                </a:defRPr>
+              </a:lvl7pPr>
+              <a:lvl8pPr marL="3429000" indent="-228600" eaLnBrk="0" fontAlgn="base" hangingPunct="0">
+                <a:spcBef>
+                  <a:spcPct val="0"/>
+                </a:spcBef>
+                <a:spcAft>
+                  <a:spcPct val="0"/>
+                </a:spcAft>
+                <a:defRPr sz="2000">
+                  <a:solidFill>
+                    <a:schemeClr val="tx1"/>
+                  </a:solidFill>
+                  <a:latin typeface="Arial" charset="0"/>
+                  <a:cs typeface="Arial" charset="0"/>
+                </a:defRPr>
+              </a:lvl8pPr>
+              <a:lvl9pPr marL="3886200" indent="-228600" eaLnBrk="0" fontAlgn="base" hangingPunct="0">
+                <a:spcBef>
+                  <a:spcPct val="0"/>
+                </a:spcBef>
+                <a:spcAft>
+                  <a:spcPct val="0"/>
+                </a:spcAft>
+                <a:defRPr sz="2000">
+                  <a:solidFill>
+                    <a:schemeClr val="tx1"/>
+                  </a:solidFill>
+                  <a:latin typeface="Arial" charset="0"/>
+                  <a:cs typeface="Arial" charset="0"/>
+                </a:defRPr>
+              </a:lvl9pPr>
+            </a:lstStyle>
+            <a:p>
+              <a:pPr eaLnBrk="1" hangingPunct="1"/>
+              <a:r>
+                <a:rPr lang="zh-CN" altLang="en-US">
+                  <a:latin typeface="黑体" pitchFamily="2" charset="-122"/>
+                  <a:ea typeface="黑体" pitchFamily="2" charset="-122"/>
+                </a:rPr>
+                <a:t>某企业总裁</a:t>
+              </a:r>
+            </a:p>
+          </p:txBody>
+        </p:sp>
+      </p:grpSp>
+      <p:grpSp>
+        <p:nvGrpSpPr>
+          <p:cNvPr id="39942" name="组合 9"/>
+          <p:cNvGrpSpPr>
+            <a:grpSpLocks/>
+          </p:cNvGrpSpPr>
+          <p:nvPr/>
+        </p:nvGrpSpPr>
+        <p:grpSpPr bwMode="auto">
+          <a:xfrm>
+            <a:off x="6000750" y="4643438"/>
+            <a:ext cx="1338263" cy="1655762"/>
+            <a:chOff x="6000760" y="4643446"/>
+            <a:chExt cx="1338828" cy="1655216"/>
+          </a:xfrm>
+        </p:grpSpPr>
+        <p:pic>
+          <p:nvPicPr>
+            <p:cNvPr id="39946" name="Picture 3"/>
+            <p:cNvPicPr>
+              <a:picLocks noChangeAspect="1" noChangeArrowheads="1"/>
+            </p:cNvPicPr>
+            <p:nvPr/>
+          </p:nvPicPr>
+          <p:blipFill>
+            <a:blip r:embed="rId4">
+              <a:clrChange>
+                <a:clrFrom>
+                  <a:srgbClr val="FFFFFF"/>
+                </a:clrFrom>
+                <a:clrTo>
+                  <a:srgbClr val="FFFFFF">
+                    <a:alpha val="0"/>
+                  </a:srgbClr>
+                </a:clrTo>
+              </a:clrChange>
+              <a:extLst>
+                <a:ext uri="{28A0092B-C50C-407E-A947-70E740481C1C}">
+                  <a14:useLocalDpi xmlns:a14="http://schemas.microsoft.com/office/drawing/2010/main" val="0"/>
+                </a:ext>
+              </a:extLst>
+            </a:blip>
+            <a:srcRect l="9956" r="5420" b="2901"/>
+            <a:stretch>
+              <a:fillRect/>
+            </a:stretch>
+          </p:blipFill>
+          <p:spPr bwMode="auto">
+            <a:xfrm>
+              <a:off x="6286512" y="4643446"/>
+              <a:ext cx="753794" cy="1285884"/>
+            </a:xfrm>
+            <a:prstGeom prst="rect">
+              <a:avLst/>
+            </a:prstGeom>
+            <a:noFill/>
+            <a:ln>
+              <a:noFill/>
+            </a:ln>
+            <a:extLst>
+              <a:ext uri="{909E8E84-426E-40DD-AFC4-6F175D3DCCD1}">
+                <a14:hiddenFill xmlns:a14="http://schemas.microsoft.com/office/drawing/2010/main">
+                  <a:solidFill>
+                    <a:srgbClr val="FFFFFF"/>
+                  </a:solidFill>
+                </a14:hiddenFill>
+              </a:ext>
+              <a:ext uri="{91240B29-F687-4F45-9708-019B960494DF}">
+                <a14:hiddenLine xmlns:a14="http://schemas.microsoft.com/office/drawing/2010/main" w="9525">
+                  <a:solidFill>
+                    <a:srgbClr val="000000"/>
+                  </a:solidFill>
+                  <a:miter lim="800000"/>
+                  <a:headEnd/>
+                  <a:tailEnd/>
+                </a14:hiddenLine>
+              </a:ext>
+            </a:extLst>
+          </p:spPr>
+        </p:pic>
+        <p:sp>
+          <p:nvSpPr>
+            <p:cNvPr id="39947" name="TextBox 11"/>
+            <p:cNvSpPr txBox="1">
+              <a:spLocks noChangeArrowheads="1"/>
+            </p:cNvSpPr>
+            <p:nvPr/>
+          </p:nvSpPr>
+          <p:spPr bwMode="auto">
+            <a:xfrm>
+              <a:off x="6000760" y="5929330"/>
+              <a:ext cx="1338828" cy="369332"/>
+            </a:xfrm>
+            <a:prstGeom prst="rect">
+              <a:avLst/>
+            </a:prstGeom>
+            <a:noFill/>
+            <a:ln>
+              <a:noFill/>
+            </a:ln>
+            <a:extLst>
+              <a:ext uri="{909E8E84-426E-40DD-AFC4-6F175D3DCCD1}">
+                <a14:hiddenFill xmlns:a14="http://schemas.microsoft.com/office/drawing/2010/main">
+                  <a:solidFill>
+                    <a:srgbClr val="FFFFFF"/>
+                  </a:solidFill>
+                </a14:hiddenFill>
+              </a:ext>
+              <a:ext uri="{91240B29-F687-4F45-9708-019B960494DF}">
+                <a14:hiddenLine xmlns:a14="http://schemas.microsoft.com/office/drawing/2010/main" w="9525">
+                  <a:solidFill>
+                    <a:srgbClr val="000000"/>
+                  </a:solidFill>
+                  <a:miter lim="800000"/>
+                  <a:headEnd/>
+                  <a:tailEnd/>
+                </a14:hiddenLine>
+              </a:ext>
+            </a:extLst>
+          </p:spPr>
+          <p:txBody>
+            <a:bodyPr wrap="none">
+              <a:spAutoFit/>
+            </a:bodyPr>
+            <a:lstStyle>
+              <a:lvl1pPr eaLnBrk="0" hangingPunct="0">
+                <a:defRPr sz="2000">
+                  <a:solidFill>
+                    <a:schemeClr val="tx1"/>
+                  </a:solidFill>
+                  <a:latin typeface="Arial" charset="0"/>
+                  <a:cs typeface="Arial" charset="0"/>
+                </a:defRPr>
+              </a:lvl1pPr>
+              <a:lvl2pPr marL="742950" indent="-285750" eaLnBrk="0" hangingPunct="0">
+                <a:defRPr sz="2000">
+                  <a:solidFill>
+                    <a:schemeClr val="tx1"/>
+                  </a:solidFill>
+                  <a:latin typeface="Arial" charset="0"/>
+                  <a:cs typeface="Arial" charset="0"/>
+                </a:defRPr>
+              </a:lvl2pPr>
+              <a:lvl3pPr marL="1143000" indent="-228600" eaLnBrk="0" hangingPunct="0">
+                <a:defRPr sz="2000">
+                  <a:solidFill>
+                    <a:schemeClr val="tx1"/>
+                  </a:solidFill>
+                  <a:latin typeface="Arial" charset="0"/>
+                  <a:cs typeface="Arial" charset="0"/>
+                </a:defRPr>
+              </a:lvl3pPr>
+              <a:lvl4pPr marL="1600200" indent="-228600" eaLnBrk="0" hangingPunct="0">
+                <a:defRPr sz="2000">
+                  <a:solidFill>
+                    <a:schemeClr val="tx1"/>
+                  </a:solidFill>
+                  <a:latin typeface="Arial" charset="0"/>
+                  <a:cs typeface="Arial" charset="0"/>
+                </a:defRPr>
+              </a:lvl4pPr>
+              <a:lvl5pPr marL="2057400" indent="-228600" eaLnBrk="0" hangingPunct="0">
+                <a:defRPr sz="2000">
+                  <a:solidFill>
+                    <a:schemeClr val="tx1"/>
+                  </a:solidFill>
+                  <a:latin typeface="Arial" charset="0"/>
+                  <a:cs typeface="Arial" charset="0"/>
+                </a:defRPr>
+              </a:lvl5pPr>
+              <a:lvl6pPr marL="2514600" indent="-228600" eaLnBrk="0" fontAlgn="base" hangingPunct="0">
+                <a:spcBef>
+                  <a:spcPct val="0"/>
+                </a:spcBef>
+                <a:spcAft>
+                  <a:spcPct val="0"/>
+                </a:spcAft>
+                <a:defRPr sz="2000">
+                  <a:solidFill>
+                    <a:schemeClr val="tx1"/>
+                  </a:solidFill>
+                  <a:latin typeface="Arial" charset="0"/>
+                  <a:cs typeface="Arial" charset="0"/>
+                </a:defRPr>
+              </a:lvl6pPr>
+              <a:lvl7pPr marL="2971800" indent="-228600" eaLnBrk="0" fontAlgn="base" hangingPunct="0">
+                <a:spcBef>
+                  <a:spcPct val="0"/>
+                </a:spcBef>
+                <a:spcAft>
+                  <a:spcPct val="0"/>
+                </a:spcAft>
+                <a:defRPr sz="2000">
+                  <a:solidFill>
+                    <a:schemeClr val="tx1"/>
+                  </a:solidFill>
+                  <a:latin typeface="Arial" charset="0"/>
+                  <a:cs typeface="Arial" charset="0"/>
+                </a:defRPr>
+              </a:lvl7pPr>
+              <a:lvl8pPr marL="3429000" indent="-228600" eaLnBrk="0" fontAlgn="base" hangingPunct="0">
+                <a:spcBef>
+                  <a:spcPct val="0"/>
+                </a:spcBef>
+                <a:spcAft>
+                  <a:spcPct val="0"/>
+                </a:spcAft>
+                <a:defRPr sz="2000">
+                  <a:solidFill>
+                    <a:schemeClr val="tx1"/>
+                  </a:solidFill>
+                  <a:latin typeface="Arial" charset="0"/>
+                  <a:cs typeface="Arial" charset="0"/>
+                </a:defRPr>
+              </a:lvl8pPr>
+              <a:lvl9pPr marL="3886200" indent="-228600" eaLnBrk="0" fontAlgn="base" hangingPunct="0">
+                <a:spcBef>
+                  <a:spcPct val="0"/>
+                </a:spcBef>
+                <a:spcAft>
+                  <a:spcPct val="0"/>
+                </a:spcAft>
+                <a:defRPr sz="2000">
+                  <a:solidFill>
+                    <a:schemeClr val="tx1"/>
+                  </a:solidFill>
+                  <a:latin typeface="Arial" charset="0"/>
+                  <a:cs typeface="Arial" charset="0"/>
+                </a:defRPr>
+              </a:lvl9pPr>
+            </a:lstStyle>
+            <a:p>
+              <a:pPr eaLnBrk="1" hangingPunct="1"/>
+              <a:r>
+                <a:rPr lang="zh-CN" altLang="en-US">
+                  <a:latin typeface="黑体" pitchFamily="2" charset="-122"/>
+                  <a:ea typeface="黑体" pitchFamily="2" charset="-122"/>
+                </a:rPr>
+                <a:t>某政府官员</a:t>
+              </a:r>
+            </a:p>
+          </p:txBody>
+        </p:sp>
+      </p:grpSp>
+      <p:sp>
+        <p:nvSpPr>
+          <p:cNvPr id="13" name="云形标注 12"/>
+          <p:cNvSpPr/>
+          <p:nvPr/>
+        </p:nvSpPr>
+        <p:spPr>
+          <a:xfrm>
+            <a:off x="1285875" y="3286125"/>
+            <a:ext cx="2286000" cy="1285875"/>
+          </a:xfrm>
+          <a:prstGeom prst="cloudCallout">
+            <a:avLst>
+              <a:gd name="adj1" fmla="val -43182"/>
+              <a:gd name="adj2" fmla="val 71207"/>
+            </a:avLst>
+          </a:prstGeom>
+        </p:spPr>
+        <p:style>
+          <a:lnRef idx="2">
+            <a:schemeClr val="accent1">
+              <a:shade val="50000"/>
+            </a:schemeClr>
+          </a:lnRef>
+          <a:fillRef idx="1">
+            <a:schemeClr val="accent1"/>
+          </a:fillRef>
+          <a:effectRef idx="0">
+            <a:schemeClr val="accent1"/>
+          </a:effectRef>
+          <a:fontRef idx="minor">
+            <a:schemeClr val="lt1"/>
+          </a:fontRef>
+        </p:style>
+        <p:txBody>
+          <a:bodyPr anchor="ctr"/>
+          <a:lstStyle/>
+          <a:p>
+            <a:pPr algn="ctr">
+              <a:defRPr/>
+            </a:pPr>
+            <a:r>
+              <a:rPr lang="zh-CN" altLang="en-US" dirty="0">
+                <a:latin typeface="黑体" pitchFamily="2" charset="-122"/>
+                <a:ea typeface="黑体" pitchFamily="2" charset="-122"/>
+              </a:rPr>
+              <a:t>我非常需要</a:t>
+            </a:r>
+            <a:r>
+              <a:rPr lang="zh-CN" altLang="en-US" dirty="0">
+                <a:solidFill>
+                  <a:srgbClr val="FF0000"/>
+                </a:solidFill>
+                <a:latin typeface="黑体" pitchFamily="2" charset="-122"/>
+                <a:ea typeface="黑体" pitchFamily="2" charset="-122"/>
+              </a:rPr>
+              <a:t>提高</a:t>
+            </a:r>
+            <a:r>
+              <a:rPr lang="zh-CN" altLang="en-US" dirty="0">
+                <a:latin typeface="黑体" pitchFamily="2" charset="-122"/>
+                <a:ea typeface="黑体" pitchFamily="2" charset="-122"/>
+              </a:rPr>
+              <a:t>财务工作效率</a:t>
+            </a:r>
+          </a:p>
+        </p:txBody>
+      </p:sp>
+      <p:sp>
+        <p:nvSpPr>
+          <p:cNvPr id="14" name="云形标注 13"/>
+          <p:cNvSpPr/>
+          <p:nvPr/>
+        </p:nvSpPr>
+        <p:spPr>
+          <a:xfrm>
+            <a:off x="4071938" y="3357563"/>
+            <a:ext cx="2286000" cy="1285875"/>
+          </a:xfrm>
+          <a:prstGeom prst="cloudCallout">
+            <a:avLst>
+              <a:gd name="adj1" fmla="val -43182"/>
+              <a:gd name="adj2" fmla="val 71207"/>
+            </a:avLst>
+          </a:prstGeom>
+        </p:spPr>
+        <p:style>
+          <a:lnRef idx="2">
+            <a:schemeClr val="accent1">
+              <a:shade val="50000"/>
+            </a:schemeClr>
+          </a:lnRef>
+          <a:fillRef idx="1">
+            <a:schemeClr val="accent1"/>
+          </a:fillRef>
+          <a:effectRef idx="0">
+            <a:schemeClr val="accent1"/>
+          </a:effectRef>
+          <a:fontRef idx="minor">
+            <a:schemeClr val="lt1"/>
+          </a:fontRef>
+        </p:style>
+        <p:txBody>
+          <a:bodyPr anchor="ctr"/>
+          <a:lstStyle/>
+          <a:p>
+            <a:pPr algn="ctr">
+              <a:defRPr/>
+            </a:pPr>
+            <a:r>
+              <a:rPr lang="zh-CN" altLang="en-US" dirty="0">
+                <a:latin typeface="黑体" pitchFamily="2" charset="-122"/>
+                <a:ea typeface="黑体" pitchFamily="2" charset="-122"/>
+              </a:rPr>
+              <a:t>我非常需要</a:t>
+            </a:r>
+            <a:r>
+              <a:rPr lang="zh-CN" altLang="en-US" dirty="0">
+                <a:solidFill>
+                  <a:srgbClr val="FF0000"/>
+                </a:solidFill>
+                <a:latin typeface="黑体" pitchFamily="2" charset="-122"/>
+                <a:ea typeface="黑体" pitchFamily="2" charset="-122"/>
+              </a:rPr>
+              <a:t>领先</a:t>
+            </a:r>
+            <a:r>
+              <a:rPr lang="zh-CN" altLang="en-US" dirty="0">
+                <a:latin typeface="黑体" pitchFamily="2" charset="-122"/>
+                <a:ea typeface="黑体" pitchFamily="2" charset="-122"/>
+              </a:rPr>
+              <a:t>商业竞争对手</a:t>
+            </a:r>
+          </a:p>
+        </p:txBody>
+      </p:sp>
+      <p:sp>
+        <p:nvSpPr>
+          <p:cNvPr id="15" name="云形标注 14"/>
+          <p:cNvSpPr/>
+          <p:nvPr/>
+        </p:nvSpPr>
+        <p:spPr>
+          <a:xfrm>
+            <a:off x="6858000" y="3357563"/>
+            <a:ext cx="2286000" cy="1285875"/>
+          </a:xfrm>
+          <a:prstGeom prst="cloudCallout">
+            <a:avLst>
+              <a:gd name="adj1" fmla="val -43182"/>
+              <a:gd name="adj2" fmla="val 71207"/>
+            </a:avLst>
+          </a:prstGeom>
+        </p:spPr>
+        <p:style>
+          <a:lnRef idx="2">
+            <a:schemeClr val="accent1">
+              <a:shade val="50000"/>
+            </a:schemeClr>
+          </a:lnRef>
+          <a:fillRef idx="1">
+            <a:schemeClr val="accent1"/>
+          </a:fillRef>
+          <a:effectRef idx="0">
+            <a:schemeClr val="accent1"/>
+          </a:effectRef>
+          <a:fontRef idx="minor">
+            <a:schemeClr val="lt1"/>
+          </a:fontRef>
+        </p:style>
+        <p:txBody>
+          <a:bodyPr anchor="ctr"/>
+          <a:lstStyle/>
+          <a:p>
+            <a:pPr algn="ctr">
+              <a:defRPr/>
+            </a:pPr>
+            <a:r>
+              <a:rPr lang="zh-CN" altLang="en-US" dirty="0">
+                <a:latin typeface="黑体" pitchFamily="2" charset="-122"/>
+                <a:ea typeface="黑体" pitchFamily="2" charset="-122"/>
+              </a:rPr>
+              <a:t>我非常需要</a:t>
+            </a:r>
+            <a:r>
+              <a:rPr lang="zh-CN" altLang="en-US" dirty="0">
+                <a:solidFill>
+                  <a:srgbClr val="FF0000"/>
+                </a:solidFill>
+                <a:latin typeface="黑体" pitchFamily="2" charset="-122"/>
+                <a:ea typeface="黑体" pitchFamily="2" charset="-122"/>
+              </a:rPr>
+              <a:t>彰显</a:t>
+            </a:r>
+            <a:r>
+              <a:rPr lang="zh-CN" altLang="en-US" dirty="0">
+                <a:latin typeface="黑体" pitchFamily="2" charset="-122"/>
+                <a:ea typeface="黑体" pitchFamily="2" charset="-122"/>
+              </a:rPr>
+              <a:t>政绩</a:t>
+            </a:r>
+          </a:p>
+        </p:txBody>
+      </p:sp>
+    </p:spTree>
+    <p:extLst>
+      <p:ext uri="{BB962C8B-B14F-4D97-AF65-F5344CB8AC3E}">
+        <p14:creationId xmlns:p14="http://schemas.microsoft.com/office/powerpoint/2010/main" val="1756783030"/>
+      </p:ext>
+    </p:extLst>
+  </p:cSld>
+  <p:clrMapOvr>
+    <a:masterClrMapping/>
+  </p:clrMapOvr>
+  <p:timing>
+    <p:tnLst>
+      <p:par>
+        <p:cTn id="1" dur="indefinite" restart="never" nodeType="tmRoot"/>
+      </p:par>
+    </p:tnLst>
+  </p:timing>
+</p:sld>
+</file>
+
+<file path=ppt/slides/slide38.xml><?xml version="1.0" encoding="utf-8"?>
+<p:sld xmlns:a="http://schemas.openxmlformats.org/drawingml/2006/main" xmlns:r="http://schemas.openxmlformats.org/officeDocument/2006/relationships" xmlns:p="http://schemas.openxmlformats.org/presentationml/2006/main">
+  <p:cSld>
+    <p:spTree>
+      <p:nvGrpSpPr>
+        <p:cNvPr id="1" name=""/>
+        <p:cNvGrpSpPr/>
+        <p:nvPr/>
+      </p:nvGrpSpPr>
+      <p:grpSpPr>
+        <a:xfrm>
+          <a:off x="0" y="0"/>
+          <a:ext cx="0" cy="0"/>
+          <a:chOff x="0" y="0"/>
+          <a:chExt cx="0" cy="0"/>
+        </a:xfrm>
+      </p:grpSpPr>
+      <p:sp>
+        <p:nvSpPr>
+          <p:cNvPr id="40962" name="标题 1"/>
+          <p:cNvSpPr>
+            <a:spLocks noGrp="1"/>
+          </p:cNvSpPr>
+          <p:nvPr>
+            <p:ph type="title"/>
+          </p:nvPr>
+        </p:nvSpPr>
+        <p:spPr/>
+        <p:txBody>
+          <a:bodyPr/>
+          <a:lstStyle/>
+          <a:p>
+            <a:r>
+              <a:rPr lang="zh-CN" altLang="en-US" smtClean="0"/>
+              <a:t>准备知识</a:t>
+            </a:r>
+            <a:r>
+              <a:rPr lang="en-US" altLang="zh-CN" smtClean="0"/>
+              <a:t>——</a:t>
+            </a:r>
+            <a:r>
+              <a:rPr lang="zh-CN" altLang="en-US" smtClean="0"/>
+              <a:t>项目愿景</a:t>
+            </a:r>
+          </a:p>
+        </p:txBody>
+      </p:sp>
+      <p:sp>
+        <p:nvSpPr>
+          <p:cNvPr id="40963" name="内容占位符 2"/>
+          <p:cNvSpPr>
+            <a:spLocks noGrp="1"/>
+          </p:cNvSpPr>
+          <p:nvPr>
+            <p:ph idx="1"/>
+          </p:nvPr>
+        </p:nvSpPr>
+        <p:spPr>
+          <a:xfrm>
+            <a:off x="457200" y="1268760"/>
+            <a:ext cx="8229600" cy="4857403"/>
+          </a:xfrm>
+        </p:spPr>
+        <p:txBody>
+          <a:bodyPr/>
+          <a:lstStyle/>
+          <a:p>
+            <a:r>
+              <a:rPr lang="zh-CN" altLang="en-US" b="1" dirty="0" smtClean="0">
+                <a:solidFill>
+                  <a:srgbClr val="FF0000"/>
+                </a:solidFill>
+              </a:rPr>
+              <a:t>愿景是否可以作为最终度量？</a:t>
+            </a:r>
+            <a:endParaRPr lang="en-US" altLang="zh-CN" b="1" dirty="0" smtClean="0">
+              <a:solidFill>
+                <a:srgbClr val="FF0000"/>
+              </a:solidFill>
+            </a:endParaRPr>
+          </a:p>
+          <a:p>
+            <a:pPr lvl="1"/>
+            <a:r>
+              <a:rPr lang="zh-CN" altLang="en-US" dirty="0" smtClean="0"/>
+              <a:t>愿景必须指出度量指标</a:t>
+            </a:r>
+            <a:endParaRPr lang="en-US" altLang="zh-CN" dirty="0" smtClean="0"/>
+          </a:p>
+          <a:p>
+            <a:pPr lvl="1"/>
+            <a:r>
+              <a:rPr lang="zh-CN" altLang="en-US" dirty="0" smtClean="0"/>
+              <a:t>度量指标是</a:t>
+            </a:r>
+            <a:r>
+              <a:rPr lang="zh-CN" altLang="en-US" dirty="0" smtClean="0">
+                <a:solidFill>
+                  <a:srgbClr val="FF0000"/>
+                </a:solidFill>
+              </a:rPr>
+              <a:t>改善</a:t>
+            </a:r>
+            <a:r>
+              <a:rPr lang="zh-CN" altLang="en-US" dirty="0" smtClean="0"/>
+              <a:t>组织的指标，不是做具体的事</a:t>
+            </a:r>
+            <a:endParaRPr lang="en-US" altLang="zh-CN" dirty="0" smtClean="0"/>
+          </a:p>
+          <a:p>
+            <a:pPr>
+              <a:buFont typeface="Wingdings" pitchFamily="2" charset="2"/>
+              <a:buNone/>
+            </a:pPr>
+            <a:endParaRPr lang="zh-CN" altLang="en-US" dirty="0" smtClean="0"/>
+          </a:p>
+        </p:txBody>
+      </p:sp>
+      <p:grpSp>
+        <p:nvGrpSpPr>
+          <p:cNvPr id="40964" name="组合 3"/>
+          <p:cNvGrpSpPr>
+            <a:grpSpLocks/>
+          </p:cNvGrpSpPr>
+          <p:nvPr/>
+        </p:nvGrpSpPr>
+        <p:grpSpPr bwMode="auto">
+          <a:xfrm>
+            <a:off x="4665663" y="3541713"/>
+            <a:ext cx="3582987" cy="2428875"/>
+            <a:chOff x="774370" y="2928934"/>
+            <a:chExt cx="3583316" cy="3362620"/>
+          </a:xfrm>
+        </p:grpSpPr>
+        <p:sp>
+          <p:nvSpPr>
+            <p:cNvPr id="5" name="剪去同侧角的矩形 4"/>
+            <p:cNvSpPr/>
+            <p:nvPr/>
+          </p:nvSpPr>
+          <p:spPr>
+            <a:xfrm>
+              <a:off x="774370" y="2944173"/>
+              <a:ext cx="3571900" cy="3347381"/>
+            </a:xfrm>
+            <a:prstGeom prst="snip2SameRect">
+              <a:avLst>
+                <a:gd name="adj1" fmla="val 8711"/>
+                <a:gd name="adj2" fmla="val 0"/>
+              </a:avLst>
+            </a:prstGeom>
+            <a:noFill/>
+            <a:ln>
+              <a:solidFill>
+                <a:srgbClr val="0070C0"/>
+              </a:solidFill>
+            </a:ln>
+            <a:effectLst>
+              <a:glow rad="63500">
+                <a:schemeClr val="accent5">
+                  <a:satMod val="175000"/>
+                  <a:alpha val="40000"/>
+                </a:schemeClr>
+              </a:glow>
+            </a:effectLst>
+          </p:spPr>
+          <p:style>
+            <a:lnRef idx="2">
+              <a:schemeClr val="accent1">
+                <a:shade val="50000"/>
+              </a:schemeClr>
+            </a:lnRef>
+            <a:fillRef idx="1">
+              <a:schemeClr val="accent1"/>
+            </a:fillRef>
+            <a:effectRef idx="0">
+              <a:schemeClr val="accent1"/>
+            </a:effectRef>
+            <a:fontRef idx="minor">
+              <a:schemeClr val="lt1"/>
+            </a:fontRef>
+          </p:style>
+          <p:txBody>
+            <a:bodyPr anchor="ctr"/>
+            <a:lstStyle/>
+            <a:p>
+              <a:pPr algn="ctr">
+                <a:defRPr/>
+              </a:pPr>
+              <a:endParaRPr lang="zh-CN" altLang="en-US">
+                <a:solidFill>
+                  <a:srgbClr val="FFFFFF"/>
+                </a:solidFill>
+                <a:ea typeface="宋体" pitchFamily="2" charset="-122"/>
+              </a:endParaRPr>
+            </a:p>
+          </p:txBody>
+        </p:sp>
+        <p:sp>
+          <p:nvSpPr>
+            <p:cNvPr id="6" name="内容占位符 2"/>
+            <p:cNvSpPr txBox="1">
+              <a:spLocks/>
+            </p:cNvSpPr>
+            <p:nvPr/>
+          </p:nvSpPr>
+          <p:spPr>
+            <a:xfrm>
+              <a:off x="785786" y="2928934"/>
+              <a:ext cx="3571900" cy="3357586"/>
+            </a:xfrm>
+            <a:prstGeom prst="rect">
+              <a:avLst/>
+            </a:prstGeom>
+            <a:effectLst>
+              <a:glow rad="63500">
+                <a:schemeClr val="accent5">
+                  <a:satMod val="175000"/>
+                  <a:alpha val="40000"/>
+                </a:schemeClr>
+              </a:glow>
+            </a:effectLst>
+          </p:spPr>
+          <p:txBody>
+            <a:bodyPr/>
+            <a:lstStyle/>
+            <a:p>
+              <a:pPr algn="ctr">
+                <a:spcBef>
+                  <a:spcPct val="20000"/>
+                </a:spcBef>
+                <a:buFont typeface="Arial" pitchFamily="34" charset="0"/>
+                <a:buNone/>
+                <a:defRPr/>
+              </a:pPr>
+              <a:endParaRPr lang="en-US" altLang="zh-CN" b="1" dirty="0">
+                <a:latin typeface="经典特宋简" pitchFamily="49" charset="-122"/>
+                <a:ea typeface="经典特宋简" pitchFamily="49" charset="-122"/>
+              </a:endParaRPr>
+            </a:p>
+            <a:p>
+              <a:pPr algn="ctr">
+                <a:lnSpc>
+                  <a:spcPct val="150000"/>
+                </a:lnSpc>
+                <a:spcBef>
+                  <a:spcPct val="20000"/>
+                </a:spcBef>
+                <a:buFont typeface="Arial" pitchFamily="34" charset="0"/>
+                <a:buNone/>
+                <a:defRPr/>
+              </a:pPr>
+              <a:r>
+                <a:rPr lang="zh-CN" altLang="en-US" dirty="0">
+                  <a:latin typeface="微软雅黑" pitchFamily="34" charset="-122"/>
+                  <a:ea typeface="微软雅黑" pitchFamily="34" charset="-122"/>
+                </a:rPr>
+                <a:t>减少采集数据所花费的时间</a:t>
+              </a:r>
+              <a:endParaRPr lang="en-US" altLang="zh-CN" dirty="0">
+                <a:latin typeface="微软雅黑" pitchFamily="34" charset="-122"/>
+                <a:ea typeface="微软雅黑" pitchFamily="34" charset="-122"/>
+              </a:endParaRPr>
+            </a:p>
+            <a:p>
+              <a:pPr algn="ctr">
+                <a:lnSpc>
+                  <a:spcPct val="150000"/>
+                </a:lnSpc>
+                <a:spcBef>
+                  <a:spcPct val="20000"/>
+                </a:spcBef>
+                <a:buFont typeface="Arial" pitchFamily="34" charset="0"/>
+                <a:buNone/>
+                <a:defRPr/>
+              </a:pPr>
+              <a:r>
+                <a:rPr lang="zh-CN" altLang="en-US" dirty="0">
+                  <a:latin typeface="微软雅黑" pitchFamily="34" charset="-122"/>
+                  <a:ea typeface="微软雅黑" pitchFamily="34" charset="-122"/>
+                </a:rPr>
+                <a:t>提高动画的速度</a:t>
+              </a:r>
+              <a:endParaRPr lang="en-US" altLang="zh-CN" dirty="0">
+                <a:latin typeface="微软雅黑" pitchFamily="34" charset="-122"/>
+                <a:ea typeface="微软雅黑" pitchFamily="34" charset="-122"/>
+              </a:endParaRPr>
+            </a:p>
+            <a:p>
+              <a:pPr algn="ctr">
+                <a:lnSpc>
+                  <a:spcPct val="150000"/>
+                </a:lnSpc>
+                <a:spcBef>
+                  <a:spcPct val="20000"/>
+                </a:spcBef>
+                <a:buFont typeface="Arial" pitchFamily="34" charset="0"/>
+                <a:buNone/>
+                <a:defRPr/>
+              </a:pPr>
+              <a:r>
+                <a:rPr lang="zh-CN" altLang="en-US" dirty="0">
+                  <a:latin typeface="微软雅黑" pitchFamily="34" charset="-122"/>
+                  <a:ea typeface="微软雅黑" pitchFamily="34" charset="-122"/>
+                </a:rPr>
+                <a:t>缩短订单的处理周期</a:t>
+              </a:r>
+            </a:p>
+          </p:txBody>
+        </p:sp>
+      </p:grpSp>
+      <p:grpSp>
+        <p:nvGrpSpPr>
+          <p:cNvPr id="40965" name="组合 6"/>
+          <p:cNvGrpSpPr>
+            <a:grpSpLocks/>
+          </p:cNvGrpSpPr>
+          <p:nvPr/>
+        </p:nvGrpSpPr>
+        <p:grpSpPr bwMode="auto">
+          <a:xfrm>
+            <a:off x="593725" y="3541713"/>
+            <a:ext cx="3590925" cy="2428875"/>
+            <a:chOff x="4748186" y="2928934"/>
+            <a:chExt cx="3590964" cy="3362620"/>
+          </a:xfrm>
+        </p:grpSpPr>
+        <p:sp>
+          <p:nvSpPr>
+            <p:cNvPr id="8" name="剪去同侧角的矩形 7"/>
+            <p:cNvSpPr/>
+            <p:nvPr/>
+          </p:nvSpPr>
+          <p:spPr>
+            <a:xfrm>
+              <a:off x="4767250" y="2944173"/>
+              <a:ext cx="3571900" cy="3347381"/>
+            </a:xfrm>
+            <a:prstGeom prst="snip2SameRect">
+              <a:avLst>
+                <a:gd name="adj1" fmla="val 8711"/>
+                <a:gd name="adj2" fmla="val 0"/>
+              </a:avLst>
+            </a:prstGeom>
+            <a:noFill/>
+            <a:ln>
+              <a:solidFill>
+                <a:srgbClr val="0070C0"/>
+              </a:solidFill>
+            </a:ln>
+            <a:effectLst>
+              <a:glow rad="63500">
+                <a:schemeClr val="accent5">
+                  <a:satMod val="175000"/>
+                  <a:alpha val="40000"/>
+                </a:schemeClr>
+              </a:glow>
+            </a:effectLst>
+          </p:spPr>
+          <p:style>
+            <a:lnRef idx="2">
+              <a:schemeClr val="accent1">
+                <a:shade val="50000"/>
+              </a:schemeClr>
+            </a:lnRef>
+            <a:fillRef idx="1">
+              <a:schemeClr val="accent1"/>
+            </a:fillRef>
+            <a:effectRef idx="0">
+              <a:schemeClr val="accent1"/>
+            </a:effectRef>
+            <a:fontRef idx="minor">
+              <a:schemeClr val="lt1"/>
+            </a:fontRef>
+          </p:style>
+          <p:txBody>
+            <a:bodyPr anchor="ctr"/>
+            <a:lstStyle/>
+            <a:p>
+              <a:pPr algn="ctr">
+                <a:defRPr/>
+              </a:pPr>
+              <a:endParaRPr lang="zh-CN" altLang="en-US">
+                <a:solidFill>
+                  <a:srgbClr val="FFFFFF"/>
+                </a:solidFill>
+                <a:ea typeface="宋体" pitchFamily="2" charset="-122"/>
+              </a:endParaRPr>
+            </a:p>
+          </p:txBody>
+        </p:sp>
+        <p:sp>
+          <p:nvSpPr>
+            <p:cNvPr id="9" name="内容占位符 2"/>
+            <p:cNvSpPr txBox="1">
+              <a:spLocks/>
+            </p:cNvSpPr>
+            <p:nvPr/>
+          </p:nvSpPr>
+          <p:spPr>
+            <a:xfrm>
+              <a:off x="4748186" y="2928934"/>
+              <a:ext cx="3571900" cy="3357586"/>
+            </a:xfrm>
+            <a:prstGeom prst="rect">
+              <a:avLst/>
+            </a:prstGeom>
+            <a:effectLst>
+              <a:glow rad="63500">
+                <a:schemeClr val="accent5">
+                  <a:satMod val="175000"/>
+                  <a:alpha val="40000"/>
+                </a:schemeClr>
+              </a:glow>
+            </a:effectLst>
+          </p:spPr>
+          <p:txBody>
+            <a:bodyPr/>
+            <a:lstStyle/>
+            <a:p>
+              <a:pPr algn="ctr">
+                <a:spcBef>
+                  <a:spcPct val="20000"/>
+                </a:spcBef>
+                <a:buFont typeface="Arial" pitchFamily="34" charset="0"/>
+                <a:buNone/>
+                <a:defRPr/>
+              </a:pPr>
+              <a:endParaRPr lang="en-US" altLang="zh-CN" b="1" dirty="0">
+                <a:latin typeface="经典特宋简" pitchFamily="49" charset="-122"/>
+                <a:ea typeface="经典特宋简" pitchFamily="49" charset="-122"/>
+              </a:endParaRPr>
+            </a:p>
+            <a:p>
+              <a:pPr algn="ctr">
+                <a:lnSpc>
+                  <a:spcPct val="150000"/>
+                </a:lnSpc>
+                <a:spcBef>
+                  <a:spcPct val="20000"/>
+                </a:spcBef>
+                <a:buFont typeface="Arial" pitchFamily="34" charset="0"/>
+                <a:buNone/>
+                <a:defRPr/>
+              </a:pPr>
+              <a:r>
+                <a:rPr lang="zh-CN" altLang="en-US" dirty="0">
+                  <a:latin typeface="微软雅黑" pitchFamily="34" charset="-122"/>
+                  <a:ea typeface="微软雅黑" pitchFamily="34" charset="-122"/>
+                </a:rPr>
+                <a:t>建立一个</a:t>
+              </a:r>
+              <a:r>
+                <a:rPr lang="en-US" altLang="zh-CN" dirty="0">
+                  <a:latin typeface="微软雅黑" pitchFamily="34" charset="-122"/>
+                  <a:ea typeface="微软雅黑" pitchFamily="34" charset="-122"/>
+                </a:rPr>
+                <a:t>CRM</a:t>
+              </a:r>
+              <a:r>
+                <a:rPr lang="zh-CN" altLang="en-US" dirty="0">
+                  <a:latin typeface="微软雅黑" pitchFamily="34" charset="-122"/>
+                  <a:ea typeface="微软雅黑" pitchFamily="34" charset="-122"/>
+                </a:rPr>
+                <a:t>系统</a:t>
+              </a:r>
+              <a:endParaRPr lang="en-US" altLang="zh-CN" dirty="0">
+                <a:latin typeface="微软雅黑" pitchFamily="34" charset="-122"/>
+                <a:ea typeface="微软雅黑" pitchFamily="34" charset="-122"/>
+              </a:endParaRPr>
+            </a:p>
+            <a:p>
+              <a:pPr algn="ctr">
+                <a:lnSpc>
+                  <a:spcPct val="150000"/>
+                </a:lnSpc>
+                <a:spcBef>
+                  <a:spcPct val="20000"/>
+                </a:spcBef>
+                <a:buFont typeface="Arial" pitchFamily="34" charset="0"/>
+                <a:buNone/>
+                <a:defRPr/>
+              </a:pPr>
+              <a:r>
+                <a:rPr lang="zh-CN" altLang="en-US" dirty="0">
+                  <a:latin typeface="微软雅黑" pitchFamily="34" charset="-122"/>
+                  <a:ea typeface="微软雅黑" pitchFamily="34" charset="-122"/>
+                </a:rPr>
+                <a:t>提供在线定机票功能</a:t>
+              </a:r>
+              <a:endParaRPr lang="en-US" altLang="zh-CN" dirty="0">
+                <a:latin typeface="微软雅黑" pitchFamily="34" charset="-122"/>
+                <a:ea typeface="微软雅黑" pitchFamily="34" charset="-122"/>
+              </a:endParaRPr>
+            </a:p>
+            <a:p>
+              <a:pPr algn="ctr">
+                <a:lnSpc>
+                  <a:spcPct val="150000"/>
+                </a:lnSpc>
+                <a:spcBef>
+                  <a:spcPct val="20000"/>
+                </a:spcBef>
+                <a:buFont typeface="Arial" pitchFamily="34" charset="0"/>
+                <a:buNone/>
+                <a:defRPr/>
+              </a:pPr>
+              <a:r>
+                <a:rPr lang="zh-CN" altLang="en-US" dirty="0">
+                  <a:latin typeface="微软雅黑" pitchFamily="34" charset="-122"/>
+                  <a:ea typeface="微软雅黑" pitchFamily="34" charset="-122"/>
+                </a:rPr>
+                <a:t>能够进行风险评估</a:t>
+              </a:r>
+            </a:p>
+          </p:txBody>
+        </p:sp>
+      </p:grpSp>
+      <p:sp>
+        <p:nvSpPr>
+          <p:cNvPr id="40966" name="矩形 9"/>
+          <p:cNvSpPr>
+            <a:spLocks noChangeArrowheads="1"/>
+          </p:cNvSpPr>
+          <p:nvPr/>
+        </p:nvSpPr>
+        <p:spPr bwMode="auto">
+          <a:xfrm>
+            <a:off x="5880100" y="4684713"/>
+            <a:ext cx="1444625" cy="1938337"/>
+          </a:xfrm>
+          <a:prstGeom prst="rect">
+            <a:avLst/>
+          </a:prstGeom>
+          <a:noFill/>
+          <a:ln>
+            <a:noFill/>
+          </a:ln>
+          <a:extLst>
+            <a:ext uri="{909E8E84-426E-40DD-AFC4-6F175D3DCCD1}">
+              <a14:hiddenFill xmlns:a14="http://schemas.microsoft.com/office/drawing/2010/main">
+                <a:solidFill>
+                  <a:srgbClr val="FFFFFF"/>
+                </a:solidFill>
+              </a14:hiddenFill>
+            </a:ext>
+            <a:ext uri="{91240B29-F687-4F45-9708-019B960494DF}">
+              <a14:hiddenLine xmlns:a14="http://schemas.microsoft.com/office/drawing/2010/main" w="9525">
+                <a:solidFill>
+                  <a:srgbClr val="000000"/>
+                </a:solidFill>
+                <a:miter lim="800000"/>
+                <a:headEnd/>
+                <a:tailEnd/>
+              </a14:hiddenLine>
+            </a:ext>
+          </a:extLst>
+        </p:spPr>
+        <p:txBody>
+          <a:bodyPr wrap="none">
+            <a:spAutoFit/>
+          </a:bodyPr>
+          <a:lstStyle/>
+          <a:p>
+            <a:r>
+              <a:rPr lang="zh-CN" altLang="en-US" sz="12000" b="1">
+                <a:solidFill>
+                  <a:srgbClr val="FF0000"/>
+                </a:solidFill>
+                <a:latin typeface="Berlin Sans FB Demi" charset="0"/>
+                <a:ea typeface="宋体" charset="-122"/>
+              </a:rPr>
+              <a:t>√</a:t>
+            </a:r>
+          </a:p>
+        </p:txBody>
+      </p:sp>
+      <p:sp>
+        <p:nvSpPr>
+          <p:cNvPr id="40967" name="矩形 10"/>
+          <p:cNvSpPr>
+            <a:spLocks noChangeArrowheads="1"/>
+          </p:cNvSpPr>
+          <p:nvPr/>
+        </p:nvSpPr>
+        <p:spPr bwMode="auto">
+          <a:xfrm>
+            <a:off x="1450975" y="4756150"/>
+            <a:ext cx="1730375" cy="1938338"/>
+          </a:xfrm>
+          <a:prstGeom prst="rect">
+            <a:avLst/>
+          </a:prstGeom>
+          <a:noFill/>
+          <a:ln>
+            <a:noFill/>
+          </a:ln>
+          <a:extLst>
+            <a:ext uri="{909E8E84-426E-40DD-AFC4-6F175D3DCCD1}">
+              <a14:hiddenFill xmlns:a14="http://schemas.microsoft.com/office/drawing/2010/main">
+                <a:solidFill>
+                  <a:srgbClr val="FFFFFF"/>
+                </a:solidFill>
+              </a14:hiddenFill>
+            </a:ext>
+            <a:ext uri="{91240B29-F687-4F45-9708-019B960494DF}">
+              <a14:hiddenLine xmlns:a14="http://schemas.microsoft.com/office/drawing/2010/main" w="9525">
+                <a:solidFill>
+                  <a:srgbClr val="000000"/>
+                </a:solidFill>
+                <a:miter lim="800000"/>
+                <a:headEnd/>
+                <a:tailEnd/>
+              </a14:hiddenLine>
+            </a:ext>
+          </a:extLst>
+        </p:spPr>
+        <p:txBody>
+          <a:bodyPr wrap="none">
+            <a:spAutoFit/>
+          </a:bodyPr>
+          <a:lstStyle/>
+          <a:p>
+            <a:r>
+              <a:rPr lang="en-US" altLang="zh-CN" sz="12000" b="1">
+                <a:solidFill>
+                  <a:srgbClr val="FF0000"/>
+                </a:solidFill>
+                <a:latin typeface="Berlin Sans FB Demi" charset="0"/>
+                <a:ea typeface="宋体" charset="-122"/>
+              </a:rPr>
+              <a:t>×</a:t>
+            </a:r>
+            <a:endParaRPr lang="zh-CN" altLang="en-US" sz="12000" b="1">
+              <a:solidFill>
+                <a:srgbClr val="FF0000"/>
+              </a:solidFill>
+              <a:latin typeface="Berlin Sans FB Demi" charset="0"/>
+              <a:ea typeface="宋体" charset="-122"/>
+            </a:endParaRPr>
+          </a:p>
+        </p:txBody>
+      </p:sp>
+      <p:grpSp>
+        <p:nvGrpSpPr>
+          <p:cNvPr id="4" name="组合 11"/>
+          <p:cNvGrpSpPr>
+            <a:grpSpLocks/>
+          </p:cNvGrpSpPr>
+          <p:nvPr/>
+        </p:nvGrpSpPr>
+        <p:grpSpPr bwMode="auto">
+          <a:xfrm>
+            <a:off x="4879975" y="4408488"/>
+            <a:ext cx="1214438" cy="1001712"/>
+            <a:chOff x="4929190" y="4143380"/>
+            <a:chExt cx="1214446" cy="1001720"/>
+          </a:xfrm>
+        </p:grpSpPr>
+        <p:cxnSp>
+          <p:nvCxnSpPr>
+            <p:cNvPr id="13" name="直接连接符 12"/>
+            <p:cNvCxnSpPr/>
+            <p:nvPr/>
+          </p:nvCxnSpPr>
+          <p:spPr>
+            <a:xfrm>
+              <a:off x="4929190" y="4143380"/>
+              <a:ext cx="571504" cy="1587"/>
+            </a:xfrm>
+            <a:prstGeom prst="line">
+              <a:avLst/>
+            </a:prstGeom>
+            <a:ln>
+              <a:solidFill>
+                <a:srgbClr val="FF0000"/>
+              </a:solidFill>
+            </a:ln>
+          </p:spPr>
+          <p:style>
+            <a:lnRef idx="3">
+              <a:schemeClr val="accent2"/>
+            </a:lnRef>
+            <a:fillRef idx="0">
+              <a:schemeClr val="accent2"/>
+            </a:fillRef>
+            <a:effectRef idx="2">
+              <a:schemeClr val="accent2"/>
+            </a:effectRef>
+            <a:fontRef idx="minor">
+              <a:schemeClr val="tx1"/>
+            </a:fontRef>
+          </p:style>
+        </p:cxnSp>
+        <p:cxnSp>
+          <p:nvCxnSpPr>
+            <p:cNvPr id="14" name="直接连接符 13"/>
+            <p:cNvCxnSpPr/>
+            <p:nvPr/>
+          </p:nvCxnSpPr>
+          <p:spPr>
+            <a:xfrm>
+              <a:off x="5572132" y="4641859"/>
+              <a:ext cx="571504" cy="1587"/>
+            </a:xfrm>
+            <a:prstGeom prst="line">
+              <a:avLst/>
+            </a:prstGeom>
+            <a:ln>
+              <a:solidFill>
+                <a:srgbClr val="FF0000"/>
+              </a:solidFill>
+            </a:ln>
+          </p:spPr>
+          <p:style>
+            <a:lnRef idx="3">
+              <a:schemeClr val="accent2"/>
+            </a:lnRef>
+            <a:fillRef idx="0">
+              <a:schemeClr val="accent2"/>
+            </a:fillRef>
+            <a:effectRef idx="2">
+              <a:schemeClr val="accent2"/>
+            </a:effectRef>
+            <a:fontRef idx="minor">
+              <a:schemeClr val="tx1"/>
+            </a:fontRef>
+          </p:style>
+        </p:cxnSp>
+        <p:cxnSp>
+          <p:nvCxnSpPr>
+            <p:cNvPr id="15" name="直接连接符 14"/>
+            <p:cNvCxnSpPr/>
+            <p:nvPr/>
+          </p:nvCxnSpPr>
+          <p:spPr>
+            <a:xfrm>
+              <a:off x="5357818" y="5143513"/>
+              <a:ext cx="571504" cy="1587"/>
+            </a:xfrm>
+            <a:prstGeom prst="line">
+              <a:avLst/>
+            </a:prstGeom>
+            <a:ln>
+              <a:solidFill>
+                <a:srgbClr val="FF0000"/>
+              </a:solidFill>
+            </a:ln>
+          </p:spPr>
+          <p:style>
+            <a:lnRef idx="3">
+              <a:schemeClr val="accent2"/>
+            </a:lnRef>
+            <a:fillRef idx="0">
+              <a:schemeClr val="accent2"/>
+            </a:fillRef>
+            <a:effectRef idx="2">
+              <a:schemeClr val="accent2"/>
+            </a:effectRef>
+            <a:fontRef idx="minor">
+              <a:schemeClr val="tx1"/>
+            </a:fontRef>
+          </p:style>
+        </p:cxnSp>
+      </p:grpSp>
+    </p:spTree>
+    <p:extLst>
+      <p:ext uri="{BB962C8B-B14F-4D97-AF65-F5344CB8AC3E}">
+        <p14:creationId xmlns:p14="http://schemas.microsoft.com/office/powerpoint/2010/main" val="1290213629"/>
+      </p:ext>
+    </p:extLst>
+  </p:cSld>
+  <p:clrMapOvr>
+    <a:masterClrMapping/>
+  </p:clrMapOvr>
+  <p:timing>
+    <p:tnLst>
+      <p:par>
+        <p:cTn id="1" dur="indefinite" restart="never" nodeType="tmRoot">
+          <p:childTnLst>
+            <p:seq concurrent="1" nextAc="seek">
+              <p:cTn id="2" dur="indefinite" nodeType="mainSeq">
+                <p:childTnLst>
+                  <p:par>
+                    <p:cTn id="3" fill="hold" nodeType="clickPar">
+                      <p:stCondLst>
+                        <p:cond delay="indefinite"/>
+                      </p:stCondLst>
+                      <p:childTnLst>
+                        <p:par>
+                          <p:cTn id="4" fill="hold" nodeType="withGroup">
+                            <p:stCondLst>
+                              <p:cond delay="0"/>
+                            </p:stCondLst>
+                            <p:childTnLst>
+                              <p:par>
+                                <p:cTn id="5" presetID="10" presetClass="entr" presetSubtype="0" fill="hold" nodeType="clickEffect">
+                                  <p:stCondLst>
+                                    <p:cond delay="0"/>
+                                  </p:stCondLst>
+                                  <p:childTnLst>
+                                    <p:set>
+                                      <p:cBhvr>
+                                        <p:cTn id="6" dur="1" fill="hold">
+                                          <p:stCondLst>
+                                            <p:cond delay="0"/>
+                                          </p:stCondLst>
+                                        </p:cTn>
+                                        <p:tgtEl>
+                                          <p:spTgt spid="4"/>
+                                        </p:tgtEl>
+                                        <p:attrNameLst>
+                                          <p:attrName>style.visibility</p:attrName>
+                                        </p:attrNameLst>
+                                      </p:cBhvr>
+                                      <p:to>
+                                        <p:strVal val="visible"/>
+                                      </p:to>
+                                    </p:set>
+                                    <p:animEffect transition="in" filter="fade">
+                                      <p:cBhvr>
+                                        <p:cTn id="7" dur="2000"/>
+                                        <p:tgtEl>
+                                          <p:spTgt spid="4"/>
+                                        </p:tgtEl>
+                                      </p:cBhvr>
+                                    </p:animEffect>
+                                  </p:childTnLst>
+                                </p:cTn>
+                              </p:par>
+                            </p:childTnLst>
+                          </p:cTn>
+                        </p:par>
+                      </p:childTnLst>
+                    </p:cTn>
+                  </p:par>
+                </p:childTnLst>
+              </p:cTn>
+              <p:prevCondLst>
+                <p:cond evt="onPrev" delay="0">
+                  <p:tgtEl>
+                    <p:sldTgt/>
+                  </p:tgtEl>
+                </p:cond>
+              </p:prevCondLst>
+              <p:nextCondLst>
+                <p:cond evt="onNext" delay="0">
+                  <p:tgtEl>
+                    <p:sldTgt/>
+                  </p:tgtEl>
+                </p:cond>
+              </p:nextCondLst>
+            </p:seq>
+          </p:childTnLst>
+        </p:cTn>
+      </p:par>
+    </p:tnLst>
+  </p:timing>
+</p:sld>
+</file>
+
+<file path=ppt/slides/slide39.xml><?xml version="1.0" encoding="utf-8"?>
+<p:sld xmlns:a="http://schemas.openxmlformats.org/drawingml/2006/main" xmlns:r="http://schemas.openxmlformats.org/officeDocument/2006/relationships" xmlns:p="http://schemas.openxmlformats.org/presentationml/2006/main">
+  <p:cSld>
+    <p:spTree>
+      <p:nvGrpSpPr>
+        <p:cNvPr id="1" name=""/>
+        <p:cNvGrpSpPr/>
+        <p:nvPr/>
+      </p:nvGrpSpPr>
+      <p:grpSpPr>
+        <a:xfrm>
+          <a:off x="0" y="0"/>
+          <a:ext cx="0" cy="0"/>
+          <a:chOff x="0" y="0"/>
+          <a:chExt cx="0" cy="0"/>
+        </a:xfrm>
+      </p:grpSpPr>
+      <p:sp>
+        <p:nvSpPr>
+          <p:cNvPr id="43010" name="标题 1"/>
+          <p:cNvSpPr>
+            <a:spLocks noGrp="1"/>
+          </p:cNvSpPr>
+          <p:nvPr>
+            <p:ph type="title"/>
+          </p:nvPr>
+        </p:nvSpPr>
+        <p:spPr/>
+        <p:txBody>
+          <a:bodyPr/>
+          <a:lstStyle/>
+          <a:p>
+            <a:r>
+              <a:rPr lang="zh-CN" altLang="en-US" smtClean="0"/>
+              <a:t>准备知识</a:t>
+            </a:r>
+            <a:r>
+              <a:rPr lang="en-US" altLang="zh-CN" smtClean="0"/>
+              <a:t>——</a:t>
+            </a:r>
+            <a:r>
+              <a:rPr lang="zh-CN" altLang="en-US" smtClean="0"/>
+              <a:t>项目愿景</a:t>
+            </a:r>
+          </a:p>
+        </p:txBody>
+      </p:sp>
+      <p:sp>
+        <p:nvSpPr>
+          <p:cNvPr id="43011" name="内容占位符 2"/>
+          <p:cNvSpPr>
+            <a:spLocks noGrp="1"/>
+          </p:cNvSpPr>
+          <p:nvPr>
+            <p:ph idx="1"/>
+          </p:nvPr>
+        </p:nvSpPr>
+        <p:spPr>
+          <a:xfrm>
+            <a:off x="457200" y="1268760"/>
+            <a:ext cx="8229600" cy="4857403"/>
+          </a:xfrm>
+        </p:spPr>
+        <p:txBody>
+          <a:bodyPr/>
+          <a:lstStyle/>
+          <a:p>
+            <a:r>
+              <a:rPr lang="zh-CN" altLang="en-US" dirty="0" smtClean="0"/>
+              <a:t>案例项目愿景建模实例</a:t>
+            </a:r>
+            <a:endParaRPr lang="en-US" altLang="zh-CN" dirty="0" smtClean="0"/>
+          </a:p>
+          <a:p>
+            <a:pPr>
+              <a:buFont typeface="Wingdings" pitchFamily="2" charset="2"/>
+              <a:buNone/>
+            </a:pPr>
+            <a:endParaRPr lang="zh-CN" altLang="en-US" dirty="0" smtClean="0"/>
+          </a:p>
+        </p:txBody>
+      </p:sp>
+      <p:graphicFrame>
+        <p:nvGraphicFramePr>
+          <p:cNvPr id="4" name="表格 3"/>
+          <p:cNvGraphicFramePr>
+            <a:graphicFrameLocks noGrp="1"/>
+          </p:cNvGraphicFramePr>
+          <p:nvPr>
+            <p:extLst>
+              <p:ext uri="{D42A27DB-BD31-4B8C-83A1-F6EECF244321}">
+                <p14:modId xmlns:p14="http://schemas.microsoft.com/office/powerpoint/2010/main" val="937385501"/>
+              </p:ext>
+            </p:extLst>
+          </p:nvPr>
+        </p:nvGraphicFramePr>
+        <p:xfrm>
+          <a:off x="1360488" y="2262188"/>
+          <a:ext cx="6096000" cy="4086225"/>
+        </p:xfrm>
+        <a:graphic>
+          <a:graphicData uri="http://schemas.openxmlformats.org/drawingml/2006/table">
+            <a:tbl>
+              <a:tblPr firstRow="1" bandRow="1">
+                <a:tableStyleId>{912C8C85-51F0-491E-9774-3900AFEF0FD7}</a:tableStyleId>
+              </a:tblPr>
+              <a:tblGrid>
+                <a:gridCol w="1464129"/>
+                <a:gridCol w="4631871"/>
+              </a:tblGrid>
+              <a:tr h="611428">
+                <a:tc gridSpan="2">
+                  <a:txBody>
+                    <a:bodyPr/>
+                    <a:lstStyle/>
+                    <a:p>
+                      <a:pPr algn="ctr">
+                        <a:lnSpc>
+                          <a:spcPct val="150000"/>
+                        </a:lnSpc>
+                      </a:pPr>
+                      <a:r>
+                        <a:rPr lang="zh-CN" altLang="en-US" sz="2000" dirty="0" smtClean="0"/>
+                        <a:t>服装进销存系统</a:t>
+                      </a:r>
+                      <a:endParaRPr lang="zh-CN" altLang="en-US" sz="2000" dirty="0">
+                        <a:latin typeface="微软雅黑" pitchFamily="34" charset="-122"/>
+                        <a:ea typeface="微软雅黑" pitchFamily="34" charset="-122"/>
+                      </a:endParaRPr>
+                    </a:p>
+                  </a:txBody>
+                  <a:tcPr marT="45721" marB="45721" anchor="ctr"/>
+                </a:tc>
+                <a:tc hMerge="1">
+                  <a:txBody>
+                    <a:bodyPr/>
+                    <a:lstStyle/>
+                    <a:p>
+                      <a:endParaRPr lang="zh-CN" altLang="en-US" dirty="0"/>
+                    </a:p>
+                  </a:txBody>
+                  <a:tcPr/>
+                </a:tc>
+              </a:tr>
+              <a:tr h="548652">
+                <a:tc>
+                  <a:txBody>
+                    <a:bodyPr/>
+                    <a:lstStyle/>
+                    <a:p>
+                      <a:pPr algn="ctr">
+                        <a:lnSpc>
+                          <a:spcPct val="150000"/>
+                        </a:lnSpc>
+                      </a:pPr>
+                      <a:r>
+                        <a:rPr lang="zh-CN" altLang="en-US" sz="2000" dirty="0" smtClean="0"/>
+                        <a:t>老大</a:t>
+                      </a:r>
+                      <a:endParaRPr lang="zh-CN" altLang="en-US" sz="2000" dirty="0">
+                        <a:latin typeface="微软雅黑" pitchFamily="34" charset="-122"/>
+                        <a:ea typeface="微软雅黑" pitchFamily="34" charset="-122"/>
+                      </a:endParaRPr>
+                    </a:p>
+                  </a:txBody>
+                  <a:tcPr marT="45721" marB="45721" anchor="ctr"/>
+                </a:tc>
+                <a:tc>
+                  <a:txBody>
+                    <a:bodyPr/>
+                    <a:lstStyle/>
+                    <a:p>
+                      <a:pPr>
+                        <a:lnSpc>
+                          <a:spcPct val="150000"/>
+                        </a:lnSpc>
+                      </a:pPr>
+                      <a:r>
+                        <a:rPr lang="zh-CN" altLang="en-US" sz="2000" dirty="0" smtClean="0"/>
+                        <a:t>服装店老板李有乐</a:t>
+                      </a:r>
+                      <a:endParaRPr lang="zh-CN" altLang="en-US" sz="2000" dirty="0">
+                        <a:latin typeface="微软雅黑" pitchFamily="34" charset="-122"/>
+                        <a:ea typeface="微软雅黑" pitchFamily="34" charset="-122"/>
+                      </a:endParaRPr>
+                    </a:p>
+                  </a:txBody>
+                  <a:tcPr marT="45721" marB="45721"/>
+                </a:tc>
+              </a:tr>
+              <a:tr h="548652">
+                <a:tc>
+                  <a:txBody>
+                    <a:bodyPr/>
+                    <a:lstStyle/>
+                    <a:p>
+                      <a:pPr algn="ctr">
+                        <a:lnSpc>
+                          <a:spcPct val="150000"/>
+                        </a:lnSpc>
+                      </a:pPr>
+                      <a:r>
+                        <a:rPr lang="zh-CN" altLang="en-US" sz="2000" dirty="0" smtClean="0"/>
+                        <a:t>愿景</a:t>
+                      </a:r>
+                      <a:endParaRPr lang="zh-CN" altLang="en-US" sz="2000" dirty="0">
+                        <a:latin typeface="微软雅黑" pitchFamily="34" charset="-122"/>
+                        <a:ea typeface="微软雅黑" pitchFamily="34" charset="-122"/>
+                      </a:endParaRPr>
+                    </a:p>
+                  </a:txBody>
+                  <a:tcPr marT="45721" marB="45721" anchor="ctr"/>
+                </a:tc>
+                <a:tc>
+                  <a:txBody>
+                    <a:bodyPr/>
+                    <a:lstStyle/>
+                    <a:p>
+                      <a:pPr>
+                        <a:lnSpc>
+                          <a:spcPct val="150000"/>
+                        </a:lnSpc>
+                      </a:pPr>
+                      <a:r>
+                        <a:rPr lang="zh-CN" altLang="en-US" sz="2000" dirty="0" smtClean="0"/>
+                        <a:t>提高管理效率，增强核心竞争力</a:t>
+                      </a:r>
+                      <a:endParaRPr lang="zh-CN" altLang="en-US" sz="2000" dirty="0">
+                        <a:latin typeface="微软雅黑" pitchFamily="34" charset="-122"/>
+                        <a:ea typeface="微软雅黑" pitchFamily="34" charset="-122"/>
+                      </a:endParaRPr>
+                    </a:p>
+                  </a:txBody>
+                  <a:tcPr marT="45721" marB="45721"/>
+                </a:tc>
+              </a:tr>
+              <a:tr h="2377493">
+                <a:tc>
+                  <a:txBody>
+                    <a:bodyPr/>
+                    <a:lstStyle/>
+                    <a:p>
+                      <a:pPr algn="ctr">
+                        <a:lnSpc>
+                          <a:spcPct val="150000"/>
+                        </a:lnSpc>
+                      </a:pPr>
+                      <a:r>
+                        <a:rPr lang="zh-CN" altLang="en-US" sz="2000" dirty="0" smtClean="0"/>
+                        <a:t>度量指标</a:t>
+                      </a:r>
+                      <a:endParaRPr lang="zh-CN" altLang="en-US" sz="2000" dirty="0">
+                        <a:latin typeface="微软雅黑" pitchFamily="34" charset="-122"/>
+                        <a:ea typeface="微软雅黑" pitchFamily="34" charset="-122"/>
+                      </a:endParaRPr>
+                    </a:p>
+                  </a:txBody>
+                  <a:tcPr marT="45721" marB="45721" anchor="ctr"/>
+                </a:tc>
+                <a:tc>
+                  <a:txBody>
+                    <a:bodyPr/>
+                    <a:lstStyle/>
+                    <a:p>
+                      <a:pPr>
+                        <a:lnSpc>
+                          <a:spcPct val="150000"/>
+                        </a:lnSpc>
+                        <a:buFont typeface="Wingdings" pitchFamily="2" charset="2"/>
+                        <a:buChar char="u"/>
+                      </a:pPr>
+                      <a:r>
+                        <a:rPr lang="zh-CN" altLang="en-US" sz="2000" dirty="0" smtClean="0"/>
+                        <a:t>提高日常销售记录及结算时间</a:t>
+                      </a:r>
+                      <a:endParaRPr lang="en-US" altLang="zh-CN" sz="2000" dirty="0" smtClean="0"/>
+                    </a:p>
+                    <a:p>
+                      <a:pPr>
+                        <a:lnSpc>
+                          <a:spcPct val="150000"/>
+                        </a:lnSpc>
+                        <a:buFont typeface="Wingdings" pitchFamily="2" charset="2"/>
+                        <a:buChar char="u"/>
+                      </a:pPr>
+                      <a:r>
+                        <a:rPr lang="zh-CN" altLang="en-US" sz="2000" dirty="0" smtClean="0"/>
+                        <a:t>缩短统计店员销售额、工资核算、销售利润核算的时间</a:t>
+                      </a:r>
+                      <a:endParaRPr lang="en-US" altLang="zh-CN" sz="2000" dirty="0" smtClean="0"/>
+                    </a:p>
+                    <a:p>
+                      <a:pPr>
+                        <a:lnSpc>
+                          <a:spcPct val="150000"/>
+                        </a:lnSpc>
+                        <a:buFont typeface="Wingdings" pitchFamily="2" charset="2"/>
+                        <a:buChar char="u"/>
+                      </a:pPr>
+                      <a:r>
+                        <a:rPr lang="zh-CN" altLang="en-US" sz="2000" dirty="0" smtClean="0"/>
+                        <a:t>精简收银人员工作量</a:t>
+                      </a:r>
+                      <a:endParaRPr lang="en-US" altLang="zh-CN" sz="2000" dirty="0" smtClean="0"/>
+                    </a:p>
+                    <a:p>
+                      <a:pPr>
+                        <a:lnSpc>
+                          <a:spcPct val="150000"/>
+                        </a:lnSpc>
+                        <a:buFont typeface="Wingdings" pitchFamily="2" charset="2"/>
+                        <a:buChar char="u"/>
+                      </a:pPr>
+                      <a:r>
+                        <a:rPr lang="zh-CN" altLang="en-US" sz="2000" dirty="0" smtClean="0"/>
+                        <a:t>精简库存清点工作量并提供销售支持</a:t>
+                      </a:r>
+                      <a:endParaRPr lang="zh-CN" altLang="en-US" sz="2000" dirty="0">
+                        <a:latin typeface="微软雅黑" pitchFamily="34" charset="-122"/>
+                        <a:ea typeface="微软雅黑" pitchFamily="34" charset="-122"/>
+                      </a:endParaRPr>
+                    </a:p>
+                  </a:txBody>
+                  <a:tcPr marT="45721" marB="45721"/>
+                </a:tc>
+              </a:tr>
+            </a:tbl>
+          </a:graphicData>
+        </a:graphic>
+      </p:graphicFrame>
+    </p:spTree>
+    <p:extLst>
+      <p:ext uri="{BB962C8B-B14F-4D97-AF65-F5344CB8AC3E}">
+        <p14:creationId xmlns:p14="http://schemas.microsoft.com/office/powerpoint/2010/main" val="843364932"/>
+      </p:ext>
+    </p:extLst>
+  </p:cSld>
+  <p:clrMapOvr>
+    <a:masterClrMapping/>
+  </p:clrMapOvr>
+  <p:timing>
+    <p:tnLst>
+      <p:par>
+        <p:cTn id="1" dur="indefinite" restart="never" nodeType="tmRoot">
+          <p:childTnLst>
+            <p:seq concurrent="1" nextAc="seek">
+              <p:cTn id="2" dur="indefinite" nodeType="mainSeq">
+                <p:childTnLst>
+                  <p:par>
+                    <p:cTn id="3" fill="hold" nodeType="clickPar">
+                      <p:stCondLst>
+                        <p:cond delay="indefinite"/>
+                      </p:stCondLst>
+                      <p:childTnLst>
+                        <p:par>
+                          <p:cTn id="4" fill="hold" nodeType="withGroup">
+                            <p:stCondLst>
+                              <p:cond delay="0"/>
+                            </p:stCondLst>
+                            <p:childTnLst>
+                              <p:par>
+                                <p:cTn id="5" presetID="55" presetClass="entr" presetSubtype="0" fill="hold" nodeType="clickEffect">
+                                  <p:stCondLst>
+                                    <p:cond delay="0"/>
+                                  </p:stCondLst>
+                                  <p:childTnLst>
+                                    <p:set>
+                                      <p:cBhvr>
+                                        <p:cTn id="6" dur="1" fill="hold">
+                                          <p:stCondLst>
+                                            <p:cond delay="0"/>
+                                          </p:stCondLst>
+                                        </p:cTn>
+                                        <p:tgtEl>
+                                          <p:spTgt spid="4"/>
+                                        </p:tgtEl>
+                                        <p:attrNameLst>
+                                          <p:attrName>style.visibility</p:attrName>
+                                        </p:attrNameLst>
+                                      </p:cBhvr>
+                                      <p:to>
+                                        <p:strVal val="visible"/>
+                                      </p:to>
+                                    </p:set>
+                                    <p:anim calcmode="lin" valueType="num">
+                                      <p:cBhvr>
+                                        <p:cTn id="7" dur="1000" fill="hold"/>
+                                        <p:tgtEl>
+                                          <p:spTgt spid="4"/>
+                                        </p:tgtEl>
+                                        <p:attrNameLst>
+                                          <p:attrName>ppt_w</p:attrName>
+                                        </p:attrNameLst>
+                                      </p:cBhvr>
+                                      <p:tavLst>
+                                        <p:tav tm="0">
+                                          <p:val>
+                                            <p:strVal val="#ppt_w*0.70"/>
+                                          </p:val>
+                                        </p:tav>
+                                        <p:tav tm="100000">
+                                          <p:val>
+                                            <p:strVal val="#ppt_w"/>
+                                          </p:val>
+                                        </p:tav>
+                                      </p:tavLst>
+                                    </p:anim>
+                                    <p:anim calcmode="lin" valueType="num">
+                                      <p:cBhvr>
+                                        <p:cTn id="8" dur="1000" fill="hold"/>
+                                        <p:tgtEl>
+                                          <p:spTgt spid="4"/>
+                                        </p:tgtEl>
+                                        <p:attrNameLst>
+                                          <p:attrName>ppt_h</p:attrName>
+                                        </p:attrNameLst>
+                                      </p:cBhvr>
+                                      <p:tavLst>
+                                        <p:tav tm="0">
+                                          <p:val>
+                                            <p:strVal val="#ppt_h"/>
+                                          </p:val>
+                                        </p:tav>
+                                        <p:tav tm="100000">
+                                          <p:val>
+                                            <p:strVal val="#ppt_h"/>
+                                          </p:val>
+                                        </p:tav>
+                                      </p:tavLst>
+                                    </p:anim>
+                                    <p:animEffect transition="in" filter="fade">
+                                      <p:cBhvr>
+                                        <p:cTn id="9" dur="1000"/>
+                                        <p:tgtEl>
+                                          <p:spTgt spid="4"/>
+                                        </p:tgtEl>
+                                      </p:cBhvr>
+                                    </p:animEffect>
+                                  </p:childTnLst>
+                                </p:cTn>
+                              </p:par>
+                            </p:childTnLst>
+                          </p:cTn>
+                        </p:par>
+                      </p:childTnLst>
+                    </p:cTn>
+                  </p:par>
+                </p:childTnLst>
+              </p:cTn>
+              <p:prevCondLst>
+                <p:cond evt="onPrev" delay="0">
+                  <p:tgtEl>
+                    <p:sldTgt/>
+                  </p:tgtEl>
+                </p:cond>
+              </p:prevCondLst>
+              <p:nextCondLst>
+                <p:cond evt="onNext" delay="0">
+                  <p:tgtEl>
+                    <p:sldTgt/>
+                  </p:tgtEl>
+                </p:cond>
+              </p:nextCondLst>
+            </p:seq>
+          </p:childTnLst>
+        </p:cTn>
+      </p:par>
+    </p:tnLst>
+  </p:timing>
+</p:sld>
+</file>
+
+<file path=ppt/slides/slide4.xml><?xml version="1.0" encoding="utf-8"?>
+<p:sld xmlns:a="http://schemas.openxmlformats.org/drawingml/2006/main" xmlns:r="http://schemas.openxmlformats.org/officeDocument/2006/relationships" xmlns:p="http://schemas.openxmlformats.org/presentationml/2006/main">
+  <p:cSld>
+    <p:spTree>
+      <p:nvGrpSpPr>
+        <p:cNvPr id="1" name=""/>
+        <p:cNvGrpSpPr/>
+        <p:nvPr/>
+      </p:nvGrpSpPr>
+      <p:grpSpPr>
+        <a:xfrm>
+          <a:off x="0" y="0"/>
+          <a:ext cx="0" cy="0"/>
+          <a:chOff x="0" y="0"/>
+          <a:chExt cx="0" cy="0"/>
+        </a:xfrm>
+      </p:grpSpPr>
+      <p:sp>
+        <p:nvSpPr>
+          <p:cNvPr id="2" name="标题 1"/>
+          <p:cNvSpPr>
+            <a:spLocks noGrp="1"/>
+          </p:cNvSpPr>
+          <p:nvPr>
+            <p:ph type="title"/>
+          </p:nvPr>
+        </p:nvSpPr>
+        <p:spPr/>
+        <p:txBody>
+          <a:bodyPr/>
+          <a:lstStyle/>
+          <a:p>
+            <a:r>
+              <a:rPr lang="zh-CN" altLang="en-US" dirty="0" smtClean="0"/>
+              <a:t>项目管理指南概述</a:t>
+            </a:r>
+            <a:endParaRPr lang="zh-CN" altLang="en-US" dirty="0"/>
+          </a:p>
+        </p:txBody>
+      </p:sp>
+      <p:sp>
+        <p:nvSpPr>
+          <p:cNvPr id="3" name="内容占位符 2"/>
+          <p:cNvSpPr>
+            <a:spLocks noGrp="1"/>
+          </p:cNvSpPr>
+          <p:nvPr>
+            <p:ph idx="1"/>
+          </p:nvPr>
+        </p:nvSpPr>
+        <p:spPr/>
+        <p:txBody>
+          <a:bodyPr/>
+          <a:lstStyle/>
+          <a:p>
+            <a:r>
+              <a:rPr lang="zh-CN" altLang="en-US" dirty="0" smtClean="0"/>
+              <a:t>什么是项目？什么时项目管理？</a:t>
+            </a:r>
+            <a:endParaRPr lang="en-US" altLang="zh-CN" dirty="0" smtClean="0"/>
+          </a:p>
+          <a:p>
+            <a:r>
+              <a:rPr lang="zh-CN" altLang="en-US" dirty="0" smtClean="0"/>
+              <a:t>软件项目的特点</a:t>
+            </a:r>
+            <a:endParaRPr lang="en-US" altLang="zh-CN" dirty="0" smtClean="0"/>
+          </a:p>
+          <a:p>
+            <a:r>
+              <a:rPr lang="zh-CN" altLang="en-US" dirty="0" smtClean="0"/>
+              <a:t>项目管理指南简介</a:t>
+            </a:r>
+            <a:endParaRPr lang="en-US" altLang="zh-CN" dirty="0" smtClean="0"/>
+          </a:p>
+        </p:txBody>
+      </p:sp>
+    </p:spTree>
+    <p:extLst>
+      <p:ext uri="{BB962C8B-B14F-4D97-AF65-F5344CB8AC3E}">
+        <p14:creationId xmlns:p14="http://schemas.microsoft.com/office/powerpoint/2010/main" val="634047791"/>
+      </p:ext>
+    </p:extLst>
+  </p:cSld>
+  <p:clrMapOvr>
+    <a:masterClrMapping/>
+  </p:clrMapOvr>
+  <p:timing>
+    <p:tnLst>
+      <p:par>
+        <p:cTn id="1" dur="indefinite" restart="never" nodeType="tmRoot"/>
+      </p:par>
+    </p:tnLst>
+  </p:timing>
+</p:sld>
+</file>
+
+<file path=ppt/slides/slide40.xml><?xml version="1.0" encoding="utf-8"?>
+<p:sld xmlns:a="http://schemas.openxmlformats.org/drawingml/2006/main" xmlns:r="http://schemas.openxmlformats.org/officeDocument/2006/relationships" xmlns:p="http://schemas.openxmlformats.org/presentationml/2006/main">
+  <p:cSld>
+    <p:spTree>
+      <p:nvGrpSpPr>
+        <p:cNvPr id="1" name=""/>
+        <p:cNvGrpSpPr/>
+        <p:nvPr/>
+      </p:nvGrpSpPr>
+      <p:grpSpPr>
+        <a:xfrm>
+          <a:off x="0" y="0"/>
+          <a:ext cx="0" cy="0"/>
+          <a:chOff x="0" y="0"/>
+          <a:chExt cx="0" cy="0"/>
+        </a:xfrm>
+      </p:grpSpPr>
+      <p:sp>
+        <p:nvSpPr>
+          <p:cNvPr id="2" name="标题 1"/>
+          <p:cNvSpPr>
+            <a:spLocks noGrp="1"/>
+          </p:cNvSpPr>
+          <p:nvPr>
+            <p:ph type="title"/>
+          </p:nvPr>
+        </p:nvSpPr>
+        <p:spPr/>
+        <p:txBody>
+          <a:bodyPr/>
+          <a:lstStyle/>
+          <a:p>
+            <a:r>
+              <a:rPr lang="en-US" altLang="zh-CN" dirty="0" smtClean="0"/>
+              <a:t>How to Envisioning</a:t>
+            </a:r>
+            <a:endParaRPr lang="zh-CN" altLang="en-US" dirty="0"/>
+          </a:p>
+        </p:txBody>
+      </p:sp>
+      <p:pic>
+        <p:nvPicPr>
+          <p:cNvPr id="3075" name="Picture 3"/>
+          <p:cNvPicPr>
+            <a:picLocks noChangeAspect="1" noChangeArrowheads="1"/>
+          </p:cNvPicPr>
+          <p:nvPr/>
+        </p:nvPicPr>
+        <p:blipFill>
+          <a:blip r:embed="rId2">
+            <a:extLst>
+              <a:ext uri="{28A0092B-C50C-407E-A947-70E740481C1C}">
+                <a14:useLocalDpi xmlns:a14="http://schemas.microsoft.com/office/drawing/2010/main" val="0"/>
+              </a:ext>
+            </a:extLst>
+          </a:blip>
+          <a:srcRect/>
+          <a:stretch>
+            <a:fillRect/>
+          </a:stretch>
+        </p:blipFill>
+        <p:spPr bwMode="auto">
+          <a:xfrm>
+            <a:off x="334056" y="1628800"/>
+            <a:ext cx="7905750" cy="3743325"/>
+          </a:xfrm>
+          <a:prstGeom prst="rect">
+            <a:avLst/>
+          </a:prstGeom>
+          <a:noFill/>
+          <a:ln>
+            <a:noFill/>
+          </a:ln>
+          <a:effectLst/>
+          <a:extLst>
+            <a:ext uri="{909E8E84-426E-40DD-AFC4-6F175D3DCCD1}">
+              <a14:hiddenFill xmlns:a14="http://schemas.microsoft.com/office/drawing/2010/main">
+                <a:solidFill>
+                  <a:schemeClr val="accent1"/>
+                </a:solidFill>
+              </a14:hiddenFill>
+            </a:ext>
+            <a:ext uri="{91240B29-F687-4F45-9708-019B960494DF}">
+              <a14:hiddenLine xmlns:a14="http://schemas.microsoft.com/office/drawing/2010/main" w="9525">
+                <a:solidFill>
+                  <a:schemeClr val="tx1"/>
+                </a:solidFill>
+                <a:miter lim="800000"/>
+                <a:headEnd/>
+                <a:tailEnd/>
+              </a14:hiddenLine>
+            </a:ext>
+            <a:ext uri="{AF507438-7753-43E0-B8FC-AC1667EBCBE1}">
+              <a14:hiddenEffects xmlns:a14="http://schemas.microsoft.com/office/drawing/2010/main">
+                <a:effectLst>
+                  <a:outerShdw dist="35921" dir="2700000" algn="ctr" rotWithShape="0">
+                    <a:schemeClr val="bg2"/>
+                  </a:outerShdw>
+                </a:effectLst>
+              </a14:hiddenEffects>
+            </a:ext>
+          </a:extLst>
+        </p:spPr>
+      </p:pic>
+      <p:pic>
+        <p:nvPicPr>
+          <p:cNvPr id="3074" name="Picture 2"/>
+          <p:cNvPicPr>
+            <a:picLocks noChangeAspect="1" noChangeArrowheads="1"/>
+          </p:cNvPicPr>
+          <p:nvPr/>
+        </p:nvPicPr>
+        <p:blipFill>
+          <a:blip r:embed="rId3">
+            <a:extLst>
+              <a:ext uri="{28A0092B-C50C-407E-A947-70E740481C1C}">
+                <a14:useLocalDpi xmlns:a14="http://schemas.microsoft.com/office/drawing/2010/main" val="0"/>
+              </a:ext>
+            </a:extLst>
+          </a:blip>
+          <a:srcRect/>
+          <a:stretch>
+            <a:fillRect/>
+          </a:stretch>
+        </p:blipFill>
+        <p:spPr bwMode="auto">
+          <a:xfrm>
+            <a:off x="972231" y="2505099"/>
+            <a:ext cx="7267575" cy="1990725"/>
+          </a:xfrm>
+          <a:prstGeom prst="rect">
+            <a:avLst/>
+          </a:prstGeom>
+          <a:noFill/>
+          <a:ln>
+            <a:noFill/>
+          </a:ln>
+          <a:effectLst/>
+          <a:extLst>
+            <a:ext uri="{909E8E84-426E-40DD-AFC4-6F175D3DCCD1}">
+              <a14:hiddenFill xmlns:a14="http://schemas.microsoft.com/office/drawing/2010/main">
+                <a:solidFill>
+                  <a:schemeClr val="accent1"/>
+                </a:solidFill>
+              </a14:hiddenFill>
+            </a:ext>
+            <a:ext uri="{91240B29-F687-4F45-9708-019B960494DF}">
+              <a14:hiddenLine xmlns:a14="http://schemas.microsoft.com/office/drawing/2010/main" w="9525">
+                <a:solidFill>
+                  <a:schemeClr val="tx1"/>
+                </a:solidFill>
+                <a:miter lim="800000"/>
+                <a:headEnd/>
+                <a:tailEnd/>
+              </a14:hiddenLine>
+            </a:ext>
+            <a:ext uri="{AF507438-7753-43E0-B8FC-AC1667EBCBE1}">
+              <a14:hiddenEffects xmlns:a14="http://schemas.microsoft.com/office/drawing/2010/main">
+                <a:effectLst>
+                  <a:outerShdw dist="35921" dir="2700000" algn="ctr" rotWithShape="0">
+                    <a:schemeClr val="bg2"/>
+                  </a:outerShdw>
+                </a:effectLst>
+              </a14:hiddenEffects>
+            </a:ext>
+          </a:extLst>
+        </p:spPr>
+      </p:pic>
+    </p:spTree>
+    <p:extLst>
+      <p:ext uri="{BB962C8B-B14F-4D97-AF65-F5344CB8AC3E}">
+        <p14:creationId xmlns:p14="http://schemas.microsoft.com/office/powerpoint/2010/main" val="831018152"/>
+      </p:ext>
+    </p:extLst>
+  </p:cSld>
+  <p:clrMapOvr>
+    <a:masterClrMapping/>
+  </p:clrMapOvr>
+  <p:timing>
+    <p:tnLst>
+      <p:par>
+        <p:cTn id="1" dur="indefinite" restart="never" nodeType="tmRoot">
+          <p:childTnLst>
+            <p:seq concurrent="1" nextAc="seek">
+              <p:cTn id="2" dur="indefinite" nodeType="mainSeq">
+                <p:childTnLst>
+                  <p:par>
+                    <p:cTn id="3" fill="hold">
+                      <p:stCondLst>
+                        <p:cond delay="indefinite"/>
+                      </p:stCondLst>
+                      <p:childTnLst>
+                        <p:par>
+                          <p:cTn id="4" fill="hold">
+                            <p:stCondLst>
+                              <p:cond delay="0"/>
+                            </p:stCondLst>
+                            <p:childTnLst>
+                              <p:par>
+                                <p:cTn id="5" presetID="1" presetClass="exit" presetSubtype="0" fill="hold" nodeType="clickEffect">
+                                  <p:stCondLst>
+                                    <p:cond delay="0"/>
+                                  </p:stCondLst>
+                                  <p:childTnLst>
+                                    <p:set>
+                                      <p:cBhvr>
+                                        <p:cTn id="6" dur="1" fill="hold">
+                                          <p:stCondLst>
+                                            <p:cond delay="0"/>
+                                          </p:stCondLst>
+                                        </p:cTn>
+                                        <p:tgtEl>
+                                          <p:spTgt spid="3075"/>
+                                        </p:tgtEl>
+                                        <p:attrNameLst>
+                                          <p:attrName>style.visibility</p:attrName>
+                                        </p:attrNameLst>
+                                      </p:cBhvr>
+                                      <p:to>
+                                        <p:strVal val="hidden"/>
+                                      </p:to>
+                                    </p:set>
+                                  </p:childTnLst>
+                                </p:cTn>
+                              </p:par>
+                            </p:childTnLst>
+                          </p:cTn>
+                        </p:par>
+                      </p:childTnLst>
+                    </p:cTn>
+                  </p:par>
+                  <p:par>
+                    <p:cTn id="7" fill="hold">
+                      <p:stCondLst>
+                        <p:cond delay="indefinite"/>
+                      </p:stCondLst>
+                      <p:childTnLst>
+                        <p:par>
+                          <p:cTn id="8" fill="hold">
+                            <p:stCondLst>
+                              <p:cond delay="0"/>
+                            </p:stCondLst>
+                            <p:childTnLst>
+                              <p:par>
+                                <p:cTn id="9" presetID="1" presetClass="entr" presetSubtype="0" fill="hold" nodeType="clickEffect">
+                                  <p:stCondLst>
+                                    <p:cond delay="0"/>
+                                  </p:stCondLst>
+                                  <p:childTnLst>
+                                    <p:set>
+                                      <p:cBhvr>
+                                        <p:cTn id="10" dur="1" fill="hold">
+                                          <p:stCondLst>
+                                            <p:cond delay="0"/>
+                                          </p:stCondLst>
+                                        </p:cTn>
+                                        <p:tgtEl>
+                                          <p:spTgt spid="3074"/>
+                                        </p:tgtEl>
+                                        <p:attrNameLst>
+                                          <p:attrName>style.visibility</p:attrName>
+                                        </p:attrNameLst>
+                                      </p:cBhvr>
+                                      <p:to>
+                                        <p:strVal val="visible"/>
+                                      </p:to>
+                                    </p:set>
+                                  </p:childTnLst>
+                                </p:cTn>
+                              </p:par>
+                            </p:childTnLst>
+                          </p:cTn>
+                        </p:par>
+                      </p:childTnLst>
+                    </p:cTn>
+                  </p:par>
+                </p:childTnLst>
+              </p:cTn>
+              <p:prevCondLst>
+                <p:cond evt="onPrev" delay="0">
+                  <p:tgtEl>
+                    <p:sldTgt/>
+                  </p:tgtEl>
+                </p:cond>
+              </p:prevCondLst>
+              <p:nextCondLst>
+                <p:cond evt="onNext" delay="0">
+                  <p:tgtEl>
+                    <p:sldTgt/>
+                  </p:tgtEl>
+                </p:cond>
+              </p:nextCondLst>
+            </p:seq>
+          </p:childTnLst>
+        </p:cTn>
+      </p:par>
+    </p:tnLst>
+  </p:timing>
+</p:sld>
+</file>
+
+<file path=ppt/slides/slide41.xml><?xml version="1.0" encoding="utf-8"?>
+<p:sld xmlns:a="http://schemas.openxmlformats.org/drawingml/2006/main" xmlns:r="http://schemas.openxmlformats.org/officeDocument/2006/relationships" xmlns:p="http://schemas.openxmlformats.org/presentationml/2006/main">
+  <p:cSld>
+    <p:spTree>
+      <p:nvGrpSpPr>
+        <p:cNvPr id="1" name=""/>
+        <p:cNvGrpSpPr/>
+        <p:nvPr/>
+      </p:nvGrpSpPr>
+      <p:grpSpPr>
+        <a:xfrm>
+          <a:off x="0" y="0"/>
+          <a:ext cx="0" cy="0"/>
+          <a:chOff x="0" y="0"/>
+          <a:chExt cx="0" cy="0"/>
+        </a:xfrm>
+      </p:grpSpPr>
+      <p:sp>
+        <p:nvSpPr>
+          <p:cNvPr id="2" name="标题 1"/>
+          <p:cNvSpPr>
+            <a:spLocks noGrp="1"/>
+          </p:cNvSpPr>
+          <p:nvPr>
+            <p:ph type="title"/>
+          </p:nvPr>
+        </p:nvSpPr>
+        <p:spPr/>
+        <p:txBody>
+          <a:bodyPr/>
+          <a:lstStyle/>
+          <a:p>
+            <a:r>
+              <a:rPr lang="zh-CN" altLang="en-US" dirty="0" smtClean="0"/>
+              <a:t>项目章程内容</a:t>
+            </a:r>
+            <a:endParaRPr lang="zh-CN" altLang="en-US" dirty="0"/>
+          </a:p>
+        </p:txBody>
+      </p:sp>
+      <p:sp>
+        <p:nvSpPr>
+          <p:cNvPr id="3" name="内容占位符 2"/>
+          <p:cNvSpPr>
+            <a:spLocks noGrp="1"/>
+          </p:cNvSpPr>
+          <p:nvPr>
+            <p:ph idx="1"/>
+          </p:nvPr>
+        </p:nvSpPr>
+        <p:spPr/>
+        <p:txBody>
+          <a:bodyPr>
+            <a:normAutofit fontScale="55000" lnSpcReduction="20000"/>
+          </a:bodyPr>
+          <a:lstStyle/>
+          <a:p>
+            <a:r>
+              <a:rPr lang="zh-CN" altLang="en-US" dirty="0" smtClean="0"/>
+              <a:t>项目远景</a:t>
+            </a:r>
+            <a:endParaRPr lang="en-US" altLang="zh-CN" dirty="0" smtClean="0"/>
+          </a:p>
+          <a:p>
+            <a:r>
+              <a:rPr lang="zh-CN" altLang="en-US" dirty="0"/>
+              <a:t>项目目</a:t>
+            </a:r>
+            <a:r>
+              <a:rPr lang="zh-CN" altLang="en-US" dirty="0" smtClean="0"/>
+              <a:t>标</a:t>
+            </a:r>
+            <a:endParaRPr lang="en-US" altLang="zh-CN" dirty="0" smtClean="0"/>
+          </a:p>
+          <a:p>
+            <a:pPr lvl="1"/>
+            <a:r>
+              <a:rPr lang="zh-CN" altLang="en-US" dirty="0"/>
+              <a:t>产品、项目、团</a:t>
+            </a:r>
+            <a:r>
+              <a:rPr lang="zh-CN" altLang="en-US" dirty="0" smtClean="0"/>
+              <a:t>队</a:t>
+            </a:r>
+            <a:endParaRPr lang="en-US" altLang="zh-CN" dirty="0" smtClean="0"/>
+          </a:p>
+          <a:p>
+            <a:r>
+              <a:rPr lang="zh-CN" altLang="en-US" dirty="0"/>
+              <a:t>发起</a:t>
+            </a:r>
+            <a:r>
+              <a:rPr lang="zh-CN" altLang="en-US" dirty="0" smtClean="0"/>
+              <a:t>人</a:t>
+            </a:r>
+            <a:endParaRPr lang="en-US" altLang="zh-CN" dirty="0" smtClean="0"/>
+          </a:p>
+          <a:p>
+            <a:r>
+              <a:rPr lang="zh-CN" altLang="en-US" dirty="0"/>
+              <a:t>项目经</a:t>
+            </a:r>
+            <a:r>
+              <a:rPr lang="zh-CN" altLang="en-US" dirty="0" smtClean="0"/>
+              <a:t>理</a:t>
+            </a:r>
+            <a:endParaRPr lang="en-US" altLang="zh-CN" dirty="0" smtClean="0"/>
+          </a:p>
+          <a:p>
+            <a:r>
+              <a:rPr lang="zh-CN" altLang="en-US" dirty="0"/>
+              <a:t>商业机</a:t>
+            </a:r>
+            <a:r>
+              <a:rPr lang="zh-CN" altLang="en-US" dirty="0" smtClean="0"/>
+              <a:t>会</a:t>
+            </a:r>
+            <a:endParaRPr lang="en-US" altLang="zh-CN" dirty="0" smtClean="0"/>
+          </a:p>
+          <a:p>
+            <a:r>
+              <a:rPr lang="zh-CN" altLang="en-US" dirty="0"/>
+              <a:t>产品需</a:t>
+            </a:r>
+            <a:r>
+              <a:rPr lang="zh-CN" altLang="en-US" dirty="0" smtClean="0"/>
+              <a:t>求</a:t>
+            </a:r>
+            <a:endParaRPr lang="en-US" altLang="zh-CN" dirty="0" smtClean="0"/>
+          </a:p>
+          <a:p>
+            <a:r>
+              <a:rPr lang="zh-CN" altLang="en-US" dirty="0"/>
+              <a:t>限制约</a:t>
+            </a:r>
+            <a:r>
+              <a:rPr lang="zh-CN" altLang="en-US" dirty="0" smtClean="0"/>
+              <a:t>束</a:t>
+            </a:r>
+            <a:endParaRPr lang="en-US" altLang="zh-CN" dirty="0" smtClean="0"/>
+          </a:p>
+          <a:p>
+            <a:r>
+              <a:rPr lang="zh-CN" altLang="en-US" dirty="0"/>
+              <a:t>假设条</a:t>
+            </a:r>
+            <a:r>
+              <a:rPr lang="zh-CN" altLang="en-US" dirty="0" smtClean="0"/>
+              <a:t>件</a:t>
+            </a:r>
+            <a:endParaRPr lang="en-US" altLang="zh-CN" dirty="0" smtClean="0"/>
+          </a:p>
+          <a:p>
+            <a:r>
+              <a:rPr lang="zh-CN" altLang="en-US" dirty="0"/>
+              <a:t>成功标</a:t>
+            </a:r>
+            <a:r>
+              <a:rPr lang="zh-CN" altLang="en-US" dirty="0" smtClean="0"/>
+              <a:t>准</a:t>
+            </a:r>
+            <a:endParaRPr lang="en-US" altLang="zh-CN" dirty="0" smtClean="0"/>
+          </a:p>
+          <a:p>
+            <a:r>
+              <a:rPr lang="zh-CN" altLang="en-US" dirty="0" smtClean="0"/>
+              <a:t>驱动因素</a:t>
+            </a:r>
+            <a:endParaRPr lang="en-US" altLang="zh-CN" dirty="0"/>
+          </a:p>
+        </p:txBody>
+      </p:sp>
+    </p:spTree>
+    <p:extLst>
+      <p:ext uri="{BB962C8B-B14F-4D97-AF65-F5344CB8AC3E}">
+        <p14:creationId xmlns:p14="http://schemas.microsoft.com/office/powerpoint/2010/main" val="3118011207"/>
+      </p:ext>
+    </p:extLst>
+  </p:cSld>
+  <p:clrMapOvr>
+    <a:masterClrMapping/>
+  </p:clrMapOvr>
+  <p:timing>
+    <p:tnLst>
+      <p:par>
+        <p:cTn id="1" dur="indefinite" restart="never" nodeType="tmRoot"/>
+      </p:par>
+    </p:tnLst>
+  </p:timing>
+</p:sld>
+</file>
+
+<file path=ppt/slides/slide42.xml><?xml version="1.0" encoding="utf-8"?>
+<p:sld xmlns:a="http://schemas.openxmlformats.org/drawingml/2006/main" xmlns:r="http://schemas.openxmlformats.org/officeDocument/2006/relationships" xmlns:p="http://schemas.openxmlformats.org/presentationml/2006/main">
+  <p:cSld>
+    <p:spTree>
+      <p:nvGrpSpPr>
+        <p:cNvPr id="1" name=""/>
+        <p:cNvGrpSpPr/>
+        <p:nvPr/>
+      </p:nvGrpSpPr>
+      <p:grpSpPr>
+        <a:xfrm>
+          <a:off x="0" y="0"/>
+          <a:ext cx="0" cy="0"/>
+          <a:chOff x="0" y="0"/>
+          <a:chExt cx="0" cy="0"/>
+        </a:xfrm>
+      </p:grpSpPr>
+      <p:sp>
+        <p:nvSpPr>
+          <p:cNvPr id="2" name="标题 1"/>
+          <p:cNvSpPr>
+            <a:spLocks noGrp="1"/>
+          </p:cNvSpPr>
+          <p:nvPr>
+            <p:ph type="title"/>
+          </p:nvPr>
+        </p:nvSpPr>
+        <p:spPr/>
+        <p:txBody>
           <a:bodyPr>
             <a:normAutofit/>
           </a:bodyPr>
@@ -32935,103 +41112,6 @@
     <p:extLst>
       <p:ext uri="{BB962C8B-B14F-4D97-AF65-F5344CB8AC3E}">
         <p14:creationId xmlns:p14="http://schemas.microsoft.com/office/powerpoint/2010/main" val="2956176011"/>
-      </p:ext>
-    </p:extLst>
-  </p:cSld>
-  <p:clrMapOvr>
-    <a:masterClrMapping/>
-  </p:clrMapOvr>
-  <p:timing>
-    <p:tnLst>
-      <p:par>
-        <p:cTn id="1" dur="indefinite" restart="never" nodeType="tmRoot"/>
-      </p:par>
-    </p:tnLst>
-  </p:timing>
-</p:sld>
-</file>
-
-<file path=ppt/slides/slide4.xml><?xml version="1.0" encoding="utf-8"?>
-<p:sld xmlns:a="http://schemas.openxmlformats.org/drawingml/2006/main" xmlns:r="http://schemas.openxmlformats.org/officeDocument/2006/relationships" xmlns:p="http://schemas.openxmlformats.org/presentationml/2006/main">
-  <p:cSld>
-    <p:spTree>
-      <p:nvGrpSpPr>
-        <p:cNvPr id="1" name=""/>
-        <p:cNvGrpSpPr/>
-        <p:nvPr/>
-      </p:nvGrpSpPr>
-      <p:grpSpPr>
-        <a:xfrm>
-          <a:off x="0" y="0"/>
-          <a:ext cx="0" cy="0"/>
-          <a:chOff x="0" y="0"/>
-          <a:chExt cx="0" cy="0"/>
-        </a:xfrm>
-      </p:grpSpPr>
-      <p:sp>
-        <p:nvSpPr>
-          <p:cNvPr id="2" name="标题 1"/>
-          <p:cNvSpPr>
-            <a:spLocks noGrp="1"/>
-          </p:cNvSpPr>
-          <p:nvPr>
-            <p:ph type="title"/>
-          </p:nvPr>
-        </p:nvSpPr>
-        <p:spPr/>
-        <p:txBody>
-          <a:bodyPr/>
-          <a:lstStyle/>
-          <a:p>
-            <a:r>
-              <a:rPr lang="zh-CN" altLang="en-US" dirty="0" smtClean="0"/>
-              <a:t>项目管理指南概述</a:t>
-            </a:r>
-            <a:endParaRPr lang="zh-CN" altLang="en-US" dirty="0"/>
-          </a:p>
-        </p:txBody>
-      </p:sp>
-      <p:sp>
-        <p:nvSpPr>
-          <p:cNvPr id="3" name="内容占位符 2"/>
-          <p:cNvSpPr>
-            <a:spLocks noGrp="1"/>
-          </p:cNvSpPr>
-          <p:nvPr>
-            <p:ph idx="1"/>
-          </p:nvPr>
-        </p:nvSpPr>
-        <p:spPr/>
-        <p:txBody>
-          <a:bodyPr/>
-          <a:lstStyle/>
-          <a:p>
-            <a:r>
-              <a:rPr lang="zh-CN" altLang="en-US" dirty="0" smtClean="0"/>
-              <a:t>什么是项目？什么时项目管理？</a:t>
-            </a:r>
-            <a:endParaRPr lang="en-US" altLang="zh-CN" dirty="0" smtClean="0"/>
-          </a:p>
-          <a:p>
-            <a:r>
-              <a:rPr lang="zh-CN" altLang="en-US" dirty="0" smtClean="0"/>
-              <a:t>软件项目的特点</a:t>
-            </a:r>
-            <a:endParaRPr lang="en-US" altLang="zh-CN" dirty="0" smtClean="0"/>
-          </a:p>
-          <a:p>
-            <a:r>
-              <a:rPr lang="zh-CN" altLang="en-US" dirty="0" smtClean="0"/>
-              <a:t>项目管理指南简介</a:t>
-            </a:r>
-            <a:endParaRPr lang="en-US" altLang="zh-CN" dirty="0" smtClean="0"/>
-          </a:p>
-        </p:txBody>
-      </p:sp>
-    </p:spTree>
-    <p:extLst>
-      <p:ext uri="{BB962C8B-B14F-4D97-AF65-F5344CB8AC3E}">
-        <p14:creationId xmlns:p14="http://schemas.microsoft.com/office/powerpoint/2010/main" val="634047791"/>
       </p:ext>
     </p:extLst>
   </p:cSld>
